--- a/Data structure.pptx
+++ b/Data structure.pptx
@@ -1,20 +1,20 @@
 
 <file path=ppt/presentation.xml><?xml version="1.0" encoding="utf-8"?>
-<p:presentation xmlns:a="http://schemas.openxmlformats.org/drawingml/2006/main" xmlns:r="http://schemas.openxmlformats.org/officeDocument/2006/relationships" xmlns:p="http://schemas.openxmlformats.org/presentationml/2006/main" saveSubsetFonts="1">
+<p:presentation xmlns:a="http://schemas.openxmlformats.org/drawingml/2006/main" xmlns:r="http://schemas.openxmlformats.org/officeDocument/2006/relationships" xmlns:p="http://schemas.openxmlformats.org/presentationml/2006/main">
   <p:sldMasterIdLst>
-    <p:sldMasterId id="2147483815" r:id="rId1"/>
+    <p:sldMasterId id="2147483648" r:id="rId1"/>
   </p:sldMasterIdLst>
   <p:sldIdLst>
-    <p:sldId id="256" r:id="rId2"/>
-    <p:sldId id="265" r:id="rId3"/>
-    <p:sldId id="264" r:id="rId4"/>
-    <p:sldId id="257" r:id="rId5"/>
-    <p:sldId id="258" r:id="rId6"/>
-    <p:sldId id="259" r:id="rId7"/>
-    <p:sldId id="262" r:id="rId8"/>
-    <p:sldId id="260" r:id="rId9"/>
-    <p:sldId id="263" r:id="rId10"/>
-    <p:sldId id="266" r:id="rId11"/>
+    <p:sldId id="256" r:id="rId3"/>
+    <p:sldId id="265" r:id="rId4"/>
+    <p:sldId id="264" r:id="rId5"/>
+    <p:sldId id="257" r:id="rId6"/>
+    <p:sldId id="258" r:id="rId7"/>
+    <p:sldId id="259" r:id="rId8"/>
+    <p:sldId id="262" r:id="rId9"/>
+    <p:sldId id="260" r:id="rId10"/>
+    <p:sldId id="263" r:id="rId11"/>
+    <p:sldId id="266" r:id="rId12"/>
   </p:sldIdLst>
   <p:sldSz cx="12192000" cy="6858000"/>
   <p:notesSz cx="6858000" cy="9144000"/>
@@ -118,18 +118,12 @@
 
 <file path=ppt/commentAuthors.xml><?xml version="1.0" encoding="utf-8"?>
 <p:cmAuthorLst xmlns:a="http://schemas.openxmlformats.org/drawingml/2006/main" xmlns:r="http://schemas.openxmlformats.org/officeDocument/2006/relationships" xmlns:p="http://schemas.openxmlformats.org/presentationml/2006/main">
-  <p:cmAuthor id="1" name="Md Mehedi Hasan Rony" initials="MMHR" lastIdx="1" clrIdx="0">
-    <p:extLst>
-      <p:ext uri="{19B8F6BF-5375-455C-9EA6-DF929625EA0E}">
-        <p15:presenceInfo xmlns:p15="http://schemas.microsoft.com/office/powerpoint/2012/main" userId="da0182f8ae12b87b" providerId="Windows Live"/>
-      </p:ext>
-    </p:extLst>
-  </p:cmAuthor>
+  <p:cmAuthor id="1" name="Md Mehedi Hasan Rony" initials="MMHR" lastIdx="1" clrIdx="0"/>
 </p:cmAuthorLst>
 </file>
 
 <file path=ppt/slideLayouts/slideLayout1.xml><?xml version="1.0" encoding="utf-8"?>
-<p:sldLayout xmlns:a="http://schemas.openxmlformats.org/drawingml/2006/main" xmlns:r="http://schemas.openxmlformats.org/officeDocument/2006/relationships" xmlns:p="http://schemas.openxmlformats.org/presentationml/2006/main" showMasterSp="0" type="title" preserve="1">
+<p:sldLayout xmlns:a="http://schemas.openxmlformats.org/drawingml/2006/main" xmlns:r="http://schemas.openxmlformats.org/officeDocument/2006/relationships" xmlns:p="http://schemas.openxmlformats.org/presentationml/2006/main" type="title" preserve="1" showMasterSp="0">
   <p:cSld name="Title Slide">
     <p:spTree>
       <p:nvGrpSpPr>
@@ -183,15 +177,6 @@
             <a:avLst/>
           </a:prstGeom>
           <a:noFill/>
-          <a:extLst>
-            <a:ext uri="{909E8E84-426E-40dd-AFC4-6F175D3DCCD1}">
-              <a14:hiddenFill xmlns:a14="http://schemas.microsoft.com/office/drawing/2010/main" xmlns="">
-                <a:solidFill>
-                  <a:srgbClr val="FFFFFF"/>
-                </a:solidFill>
-              </a14:hiddenFill>
-            </a:ext>
-          </a:extLst>
         </p:spPr>
       </p:pic>
       <p:grpSp>
@@ -242,18 +227,6 @@
             <a:ln>
               <a:noFill/>
             </a:ln>
-            <a:extLst>
-              <a:ext uri="{91240B29-F687-4f45-9708-019B960494DF}">
-                <a14:hiddenLine xmlns:a14="http://schemas.microsoft.com/office/drawing/2010/main" xmlns="" w="9525">
-                  <a:solidFill>
-                    <a:srgbClr val="000000"/>
-                  </a:solidFill>
-                  <a:miter lim="800000"/>
-                  <a:headEnd/>
-                  <a:tailEnd/>
-                </a14:hiddenLine>
-              </a:ext>
-            </a:extLst>
           </p:spPr>
         </p:sp>
         <p:sp>
@@ -332,18 +305,6 @@
             <a:ln>
               <a:noFill/>
             </a:ln>
-            <a:extLst>
-              <a:ext uri="{91240B29-F687-4f45-9708-019B960494DF}">
-                <a14:hiddenLine xmlns:a14="http://schemas.microsoft.com/office/drawing/2010/main" xmlns="" w="9525">
-                  <a:solidFill>
-                    <a:srgbClr val="000000"/>
-                  </a:solidFill>
-                  <a:round/>
-                  <a:headEnd/>
-                  <a:tailEnd/>
-                </a14:hiddenLine>
-              </a:ext>
-            </a:extLst>
           </p:spPr>
         </p:sp>
         <p:sp>
@@ -422,18 +383,6 @@
             <a:ln>
               <a:noFill/>
             </a:ln>
-            <a:extLst>
-              <a:ext uri="{91240B29-F687-4f45-9708-019B960494DF}">
-                <a14:hiddenLine xmlns:a14="http://schemas.microsoft.com/office/drawing/2010/main" xmlns="" w="9525">
-                  <a:solidFill>
-                    <a:srgbClr val="000000"/>
-                  </a:solidFill>
-                  <a:round/>
-                  <a:headEnd/>
-                  <a:tailEnd/>
-                </a14:hiddenLine>
-              </a:ext>
-            </a:extLst>
           </p:spPr>
         </p:sp>
         <p:sp>
@@ -456,18 +405,6 @@
             <a:ln>
               <a:noFill/>
             </a:ln>
-            <a:extLst>
-              <a:ext uri="{91240B29-F687-4f45-9708-019B960494DF}">
-                <a14:hiddenLine xmlns:a14="http://schemas.microsoft.com/office/drawing/2010/main" xmlns="" w="9525">
-                  <a:solidFill>
-                    <a:srgbClr val="000000"/>
-                  </a:solidFill>
-                  <a:miter lim="800000"/>
-                  <a:headEnd/>
-                  <a:tailEnd/>
-                </a14:hiddenLine>
-              </a:ext>
-            </a:extLst>
           </p:spPr>
         </p:sp>
         <p:sp>
@@ -546,18 +483,6 @@
             <a:ln>
               <a:noFill/>
             </a:ln>
-            <a:extLst>
-              <a:ext uri="{91240B29-F687-4f45-9708-019B960494DF}">
-                <a14:hiddenLine xmlns:a14="http://schemas.microsoft.com/office/drawing/2010/main" xmlns="" w="9525">
-                  <a:solidFill>
-                    <a:srgbClr val="000000"/>
-                  </a:solidFill>
-                  <a:round/>
-                  <a:headEnd/>
-                  <a:tailEnd/>
-                </a14:hiddenLine>
-              </a:ext>
-            </a:extLst>
           </p:spPr>
         </p:sp>
         <p:sp>
@@ -608,18 +533,6 @@
             <a:ln>
               <a:noFill/>
             </a:ln>
-            <a:extLst>
-              <a:ext uri="{91240B29-F687-4f45-9708-019B960494DF}">
-                <a14:hiddenLine xmlns:a14="http://schemas.microsoft.com/office/drawing/2010/main" xmlns="" w="9525">
-                  <a:solidFill>
-                    <a:srgbClr val="000000"/>
-                  </a:solidFill>
-                  <a:round/>
-                  <a:headEnd/>
-                  <a:tailEnd/>
-                </a14:hiddenLine>
-              </a:ext>
-            </a:extLst>
           </p:spPr>
         </p:sp>
         <p:sp>
@@ -670,18 +583,6 @@
             <a:ln>
               <a:noFill/>
             </a:ln>
-            <a:extLst>
-              <a:ext uri="{91240B29-F687-4f45-9708-019B960494DF}">
-                <a14:hiddenLine xmlns:a14="http://schemas.microsoft.com/office/drawing/2010/main" xmlns="" w="9525">
-                  <a:solidFill>
-                    <a:srgbClr val="000000"/>
-                  </a:solidFill>
-                  <a:round/>
-                  <a:headEnd/>
-                  <a:tailEnd/>
-                </a14:hiddenLine>
-              </a:ext>
-            </a:extLst>
           </p:spPr>
         </p:sp>
         <p:sp>
@@ -760,18 +661,6 @@
             <a:ln>
               <a:noFill/>
             </a:ln>
-            <a:extLst>
-              <a:ext uri="{91240B29-F687-4f45-9708-019B960494DF}">
-                <a14:hiddenLine xmlns:a14="http://schemas.microsoft.com/office/drawing/2010/main" xmlns="" w="9525">
-                  <a:solidFill>
-                    <a:srgbClr val="000000"/>
-                  </a:solidFill>
-                  <a:round/>
-                  <a:headEnd/>
-                  <a:tailEnd/>
-                </a14:hiddenLine>
-              </a:ext>
-            </a:extLst>
           </p:spPr>
         </p:sp>
         <p:sp>
@@ -822,18 +711,6 @@
             <a:ln>
               <a:noFill/>
             </a:ln>
-            <a:extLst>
-              <a:ext uri="{91240B29-F687-4f45-9708-019B960494DF}">
-                <a14:hiddenLine xmlns:a14="http://schemas.microsoft.com/office/drawing/2010/main" xmlns="" w="9525">
-                  <a:solidFill>
-                    <a:srgbClr val="000000"/>
-                  </a:solidFill>
-                  <a:round/>
-                  <a:headEnd/>
-                  <a:tailEnd/>
-                </a14:hiddenLine>
-              </a:ext>
-            </a:extLst>
           </p:spPr>
         </p:sp>
         <p:sp>
@@ -884,18 +761,6 @@
             <a:ln>
               <a:noFill/>
             </a:ln>
-            <a:extLst>
-              <a:ext uri="{91240B29-F687-4f45-9708-019B960494DF}">
-                <a14:hiddenLine xmlns:a14="http://schemas.microsoft.com/office/drawing/2010/main" xmlns="" w="9525">
-                  <a:solidFill>
-                    <a:srgbClr val="000000"/>
-                  </a:solidFill>
-                  <a:round/>
-                  <a:headEnd/>
-                  <a:tailEnd/>
-                </a14:hiddenLine>
-              </a:ext>
-            </a:extLst>
           </p:spPr>
         </p:sp>
         <p:sp>
@@ -974,18 +839,6 @@
             <a:ln>
               <a:noFill/>
             </a:ln>
-            <a:extLst>
-              <a:ext uri="{91240B29-F687-4f45-9708-019B960494DF}">
-                <a14:hiddenLine xmlns:a14="http://schemas.microsoft.com/office/drawing/2010/main" xmlns="" w="9525">
-                  <a:solidFill>
-                    <a:srgbClr val="000000"/>
-                  </a:solidFill>
-                  <a:round/>
-                  <a:headEnd/>
-                  <a:tailEnd/>
-                </a14:hiddenLine>
-              </a:ext>
-            </a:extLst>
           </p:spPr>
         </p:sp>
         <p:sp>
@@ -1064,18 +917,6 @@
             <a:ln>
               <a:noFill/>
             </a:ln>
-            <a:extLst>
-              <a:ext uri="{91240B29-F687-4f45-9708-019B960494DF}">
-                <a14:hiddenLine xmlns:a14="http://schemas.microsoft.com/office/drawing/2010/main" xmlns="" w="9525">
-                  <a:solidFill>
-                    <a:srgbClr val="000000"/>
-                  </a:solidFill>
-                  <a:round/>
-                  <a:headEnd/>
-                  <a:tailEnd/>
-                </a14:hiddenLine>
-              </a:ext>
-            </a:extLst>
           </p:spPr>
         </p:sp>
         <p:sp>
@@ -1126,18 +967,6 @@
             <a:ln>
               <a:noFill/>
             </a:ln>
-            <a:extLst>
-              <a:ext uri="{91240B29-F687-4f45-9708-019B960494DF}">
-                <a14:hiddenLine xmlns:a14="http://schemas.microsoft.com/office/drawing/2010/main" xmlns="" w="9525">
-                  <a:solidFill>
-                    <a:srgbClr val="000000"/>
-                  </a:solidFill>
-                  <a:round/>
-                  <a:headEnd/>
-                  <a:tailEnd/>
-                </a14:hiddenLine>
-              </a:ext>
-            </a:extLst>
           </p:spPr>
         </p:sp>
         <p:sp>
@@ -1236,18 +1065,6 @@
             <a:ln>
               <a:noFill/>
             </a:ln>
-            <a:extLst>
-              <a:ext uri="{91240B29-F687-4f45-9708-019B960494DF}">
-                <a14:hiddenLine xmlns:a14="http://schemas.microsoft.com/office/drawing/2010/main" xmlns="" w="9525">
-                  <a:solidFill>
-                    <a:srgbClr val="000000"/>
-                  </a:solidFill>
-                  <a:round/>
-                  <a:headEnd/>
-                  <a:tailEnd/>
-                </a14:hiddenLine>
-              </a:ext>
-            </a:extLst>
           </p:spPr>
         </p:sp>
         <p:sp>
@@ -1298,18 +1115,6 @@
             <a:ln>
               <a:noFill/>
             </a:ln>
-            <a:extLst>
-              <a:ext uri="{91240B29-F687-4f45-9708-019B960494DF}">
-                <a14:hiddenLine xmlns:a14="http://schemas.microsoft.com/office/drawing/2010/main" xmlns="" w="9525">
-                  <a:solidFill>
-                    <a:srgbClr val="000000"/>
-                  </a:solidFill>
-                  <a:round/>
-                  <a:headEnd/>
-                  <a:tailEnd/>
-                </a14:hiddenLine>
-              </a:ext>
-            </a:extLst>
           </p:spPr>
         </p:sp>
         <p:sp>
@@ -1388,18 +1193,6 @@
             <a:ln>
               <a:noFill/>
             </a:ln>
-            <a:extLst>
-              <a:ext uri="{91240B29-F687-4f45-9708-019B960494DF}">
-                <a14:hiddenLine xmlns:a14="http://schemas.microsoft.com/office/drawing/2010/main" xmlns="" w="9525">
-                  <a:solidFill>
-                    <a:srgbClr val="000000"/>
-                  </a:solidFill>
-                  <a:round/>
-                  <a:headEnd/>
-                  <a:tailEnd/>
-                </a14:hiddenLine>
-              </a:ext>
-            </a:extLst>
           </p:spPr>
         </p:sp>
         <p:sp>
@@ -1478,18 +1271,6 @@
             <a:ln>
               <a:noFill/>
             </a:ln>
-            <a:extLst>
-              <a:ext uri="{91240B29-F687-4f45-9708-019B960494DF}">
-                <a14:hiddenLine xmlns:a14="http://schemas.microsoft.com/office/drawing/2010/main" xmlns="" w="9525">
-                  <a:solidFill>
-                    <a:srgbClr val="000000"/>
-                  </a:solidFill>
-                  <a:round/>
-                  <a:headEnd/>
-                  <a:tailEnd/>
-                </a14:hiddenLine>
-              </a:ext>
-            </a:extLst>
           </p:spPr>
         </p:sp>
         <p:sp>
@@ -1540,18 +1321,6 @@
             <a:ln>
               <a:noFill/>
             </a:ln>
-            <a:extLst>
-              <a:ext uri="{91240B29-F687-4f45-9708-019B960494DF}">
-                <a14:hiddenLine xmlns:a14="http://schemas.microsoft.com/office/drawing/2010/main" xmlns="" w="9525">
-                  <a:solidFill>
-                    <a:srgbClr val="000000"/>
-                  </a:solidFill>
-                  <a:round/>
-                  <a:headEnd/>
-                  <a:tailEnd/>
-                </a14:hiddenLine>
-              </a:ext>
-            </a:extLst>
           </p:spPr>
         </p:sp>
         <p:sp>
@@ -1630,18 +1399,6 @@
             <a:ln>
               <a:noFill/>
             </a:ln>
-            <a:extLst>
-              <a:ext uri="{91240B29-F687-4f45-9708-019B960494DF}">
-                <a14:hiddenLine xmlns:a14="http://schemas.microsoft.com/office/drawing/2010/main" xmlns="" w="9525">
-                  <a:solidFill>
-                    <a:srgbClr val="000000"/>
-                  </a:solidFill>
-                  <a:round/>
-                  <a:headEnd/>
-                  <a:tailEnd/>
-                </a14:hiddenLine>
-              </a:ext>
-            </a:extLst>
           </p:spPr>
         </p:sp>
         <p:sp>
@@ -1720,18 +1477,6 @@
             <a:ln>
               <a:noFill/>
             </a:ln>
-            <a:extLst>
-              <a:ext uri="{91240B29-F687-4f45-9708-019B960494DF}">
-                <a14:hiddenLine xmlns:a14="http://schemas.microsoft.com/office/drawing/2010/main" xmlns="" w="9525">
-                  <a:solidFill>
-                    <a:srgbClr val="000000"/>
-                  </a:solidFill>
-                  <a:round/>
-                  <a:headEnd/>
-                  <a:tailEnd/>
-                </a14:hiddenLine>
-              </a:ext>
-            </a:extLst>
           </p:spPr>
         </p:sp>
         <p:sp>
@@ -1776,18 +1521,6 @@
             <a:ln>
               <a:noFill/>
             </a:ln>
-            <a:extLst>
-              <a:ext uri="{91240B29-F687-4f45-9708-019B960494DF}">
-                <a14:hiddenLine xmlns:a14="http://schemas.microsoft.com/office/drawing/2010/main" xmlns="" w="9525">
-                  <a:solidFill>
-                    <a:srgbClr val="000000"/>
-                  </a:solidFill>
-                  <a:round/>
-                  <a:headEnd/>
-                  <a:tailEnd/>
-                </a14:hiddenLine>
-              </a:ext>
-            </a:extLst>
           </p:spPr>
         </p:sp>
         <p:sp>
@@ -1866,18 +1599,6 @@
             <a:ln>
               <a:noFill/>
             </a:ln>
-            <a:extLst>
-              <a:ext uri="{91240B29-F687-4f45-9708-019B960494DF}">
-                <a14:hiddenLine xmlns:a14="http://schemas.microsoft.com/office/drawing/2010/main" xmlns="" w="9525">
-                  <a:solidFill>
-                    <a:srgbClr val="000000"/>
-                  </a:solidFill>
-                  <a:round/>
-                  <a:headEnd/>
-                  <a:tailEnd/>
-                </a14:hiddenLine>
-              </a:ext>
-            </a:extLst>
           </p:spPr>
         </p:sp>
         <p:sp>
@@ -1922,18 +1643,6 @@
             <a:ln>
               <a:noFill/>
             </a:ln>
-            <a:extLst>
-              <a:ext uri="{91240B29-F687-4f45-9708-019B960494DF}">
-                <a14:hiddenLine xmlns:a14="http://schemas.microsoft.com/office/drawing/2010/main" xmlns="" w="9525">
-                  <a:solidFill>
-                    <a:srgbClr val="000000"/>
-                  </a:solidFill>
-                  <a:round/>
-                  <a:headEnd/>
-                  <a:tailEnd/>
-                </a14:hiddenLine>
-              </a:ext>
-            </a:extLst>
           </p:spPr>
         </p:sp>
         <p:sp>
@@ -2012,18 +1721,6 @@
             <a:ln>
               <a:noFill/>
             </a:ln>
-            <a:extLst>
-              <a:ext uri="{91240B29-F687-4f45-9708-019B960494DF}">
-                <a14:hiddenLine xmlns:a14="http://schemas.microsoft.com/office/drawing/2010/main" xmlns="" w="9525">
-                  <a:solidFill>
-                    <a:srgbClr val="000000"/>
-                  </a:solidFill>
-                  <a:round/>
-                  <a:headEnd/>
-                  <a:tailEnd/>
-                </a14:hiddenLine>
-              </a:ext>
-            </a:extLst>
           </p:spPr>
         </p:sp>
         <p:sp>
@@ -2080,18 +1777,6 @@
             <a:ln>
               <a:noFill/>
             </a:ln>
-            <a:extLst>
-              <a:ext uri="{91240B29-F687-4f45-9708-019B960494DF}">
-                <a14:hiddenLine xmlns:a14="http://schemas.microsoft.com/office/drawing/2010/main" xmlns="" w="9525">
-                  <a:solidFill>
-                    <a:srgbClr val="000000"/>
-                  </a:solidFill>
-                  <a:round/>
-                  <a:headEnd/>
-                  <a:tailEnd/>
-                </a14:hiddenLine>
-              </a:ext>
-            </a:extLst>
           </p:spPr>
         </p:sp>
         <p:sp>
@@ -2170,18 +1855,6 @@
             <a:ln>
               <a:noFill/>
             </a:ln>
-            <a:extLst>
-              <a:ext uri="{91240B29-F687-4f45-9708-019B960494DF}">
-                <a14:hiddenLine xmlns:a14="http://schemas.microsoft.com/office/drawing/2010/main" xmlns="" w="9525">
-                  <a:solidFill>
-                    <a:srgbClr val="000000"/>
-                  </a:solidFill>
-                  <a:round/>
-                  <a:headEnd/>
-                  <a:tailEnd/>
-                </a14:hiddenLine>
-              </a:ext>
-            </a:extLst>
           </p:spPr>
         </p:sp>
         <p:sp>
@@ -2238,18 +1911,6 @@
             <a:ln>
               <a:noFill/>
             </a:ln>
-            <a:extLst>
-              <a:ext uri="{91240B29-F687-4f45-9708-019B960494DF}">
-                <a14:hiddenLine xmlns:a14="http://schemas.microsoft.com/office/drawing/2010/main" xmlns="" w="9525">
-                  <a:solidFill>
-                    <a:srgbClr val="000000"/>
-                  </a:solidFill>
-                  <a:round/>
-                  <a:headEnd/>
-                  <a:tailEnd/>
-                </a14:hiddenLine>
-              </a:ext>
-            </a:extLst>
           </p:spPr>
         </p:sp>
         <p:sp>
@@ -2328,18 +1989,6 @@
             <a:ln>
               <a:noFill/>
             </a:ln>
-            <a:extLst>
-              <a:ext uri="{91240B29-F687-4f45-9708-019B960494DF}">
-                <a14:hiddenLine xmlns:a14="http://schemas.microsoft.com/office/drawing/2010/main" xmlns="" w="9525">
-                  <a:solidFill>
-                    <a:srgbClr val="000000"/>
-                  </a:solidFill>
-                  <a:round/>
-                  <a:headEnd/>
-                  <a:tailEnd/>
-                </a14:hiddenLine>
-              </a:ext>
-            </a:extLst>
           </p:spPr>
         </p:sp>
         <p:sp>
@@ -2362,18 +2011,6 @@
             <a:ln>
               <a:noFill/>
             </a:ln>
-            <a:extLst>
-              <a:ext uri="{91240B29-F687-4f45-9708-019B960494DF}">
-                <a14:hiddenLine xmlns:a14="http://schemas.microsoft.com/office/drawing/2010/main" xmlns="" w="9525">
-                  <a:solidFill>
-                    <a:srgbClr val="000000"/>
-                  </a:solidFill>
-                  <a:miter lim="800000"/>
-                  <a:headEnd/>
-                  <a:tailEnd/>
-                </a14:hiddenLine>
-              </a:ext>
-            </a:extLst>
           </p:spPr>
         </p:sp>
         <p:sp>
@@ -2452,18 +2089,6 @@
             <a:ln>
               <a:noFill/>
             </a:ln>
-            <a:extLst>
-              <a:ext uri="{91240B29-F687-4f45-9708-019B960494DF}">
-                <a14:hiddenLine xmlns:a14="http://schemas.microsoft.com/office/drawing/2010/main" xmlns="" w="9525">
-                  <a:solidFill>
-                    <a:srgbClr val="000000"/>
-                  </a:solidFill>
-                  <a:round/>
-                  <a:headEnd/>
-                  <a:tailEnd/>
-                </a14:hiddenLine>
-              </a:ext>
-            </a:extLst>
           </p:spPr>
         </p:sp>
         <p:sp>
@@ -2514,18 +2139,6 @@
             <a:ln>
               <a:noFill/>
             </a:ln>
-            <a:extLst>
-              <a:ext uri="{91240B29-F687-4f45-9708-019B960494DF}">
-                <a14:hiddenLine xmlns:a14="http://schemas.microsoft.com/office/drawing/2010/main" xmlns="" w="9525">
-                  <a:solidFill>
-                    <a:srgbClr val="000000"/>
-                  </a:solidFill>
-                  <a:round/>
-                  <a:headEnd/>
-                  <a:tailEnd/>
-                </a14:hiddenLine>
-              </a:ext>
-            </a:extLst>
           </p:spPr>
         </p:sp>
         <p:sp>
@@ -2576,18 +2189,6 @@
             <a:ln>
               <a:noFill/>
             </a:ln>
-            <a:extLst>
-              <a:ext uri="{91240B29-F687-4f45-9708-019B960494DF}">
-                <a14:hiddenLine xmlns:a14="http://schemas.microsoft.com/office/drawing/2010/main" xmlns="" w="9525">
-                  <a:solidFill>
-                    <a:srgbClr val="000000"/>
-                  </a:solidFill>
-                  <a:round/>
-                  <a:headEnd/>
-                  <a:tailEnd/>
-                </a14:hiddenLine>
-              </a:ext>
-            </a:extLst>
           </p:spPr>
         </p:sp>
         <p:sp>
@@ -2666,18 +2267,6 @@
             <a:ln>
               <a:noFill/>
             </a:ln>
-            <a:extLst>
-              <a:ext uri="{91240B29-F687-4f45-9708-019B960494DF}">
-                <a14:hiddenLine xmlns:a14="http://schemas.microsoft.com/office/drawing/2010/main" xmlns="" w="9525">
-                  <a:solidFill>
-                    <a:srgbClr val="000000"/>
-                  </a:solidFill>
-                  <a:round/>
-                  <a:headEnd/>
-                  <a:tailEnd/>
-                </a14:hiddenLine>
-              </a:ext>
-            </a:extLst>
           </p:spPr>
         </p:sp>
         <p:sp>
@@ -2734,18 +2323,6 @@
             <a:ln>
               <a:noFill/>
             </a:ln>
-            <a:extLst>
-              <a:ext uri="{91240B29-F687-4f45-9708-019B960494DF}">
-                <a14:hiddenLine xmlns:a14="http://schemas.microsoft.com/office/drawing/2010/main" xmlns="" w="9525">
-                  <a:solidFill>
-                    <a:srgbClr val="000000"/>
-                  </a:solidFill>
-                  <a:round/>
-                  <a:headEnd/>
-                  <a:tailEnd/>
-                </a14:hiddenLine>
-              </a:ext>
-            </a:extLst>
           </p:spPr>
         </p:sp>
         <p:sp>
@@ -2796,18 +2373,6 @@
             <a:ln>
               <a:noFill/>
             </a:ln>
-            <a:extLst>
-              <a:ext uri="{91240B29-F687-4f45-9708-019B960494DF}">
-                <a14:hiddenLine xmlns:a14="http://schemas.microsoft.com/office/drawing/2010/main" xmlns="" w="9525">
-                  <a:solidFill>
-                    <a:srgbClr val="000000"/>
-                  </a:solidFill>
-                  <a:round/>
-                  <a:headEnd/>
-                  <a:tailEnd/>
-                </a14:hiddenLine>
-              </a:ext>
-            </a:extLst>
           </p:spPr>
         </p:sp>
         <p:sp>
@@ -2886,18 +2451,6 @@
             <a:ln>
               <a:noFill/>
             </a:ln>
-            <a:extLst>
-              <a:ext uri="{91240B29-F687-4f45-9708-019B960494DF}">
-                <a14:hiddenLine xmlns:a14="http://schemas.microsoft.com/office/drawing/2010/main" xmlns="" w="9525">
-                  <a:solidFill>
-                    <a:srgbClr val="000000"/>
-                  </a:solidFill>
-                  <a:round/>
-                  <a:headEnd/>
-                  <a:tailEnd/>
-                </a14:hiddenLine>
-              </a:ext>
-            </a:extLst>
           </p:spPr>
         </p:sp>
         <p:sp>
@@ -2948,18 +2501,6 @@
             <a:ln>
               <a:noFill/>
             </a:ln>
-            <a:extLst>
-              <a:ext uri="{91240B29-F687-4f45-9708-019B960494DF}">
-                <a14:hiddenLine xmlns:a14="http://schemas.microsoft.com/office/drawing/2010/main" xmlns="" w="9525">
-                  <a:solidFill>
-                    <a:srgbClr val="000000"/>
-                  </a:solidFill>
-                  <a:round/>
-                  <a:headEnd/>
-                  <a:tailEnd/>
-                </a14:hiddenLine>
-              </a:ext>
-            </a:extLst>
           </p:spPr>
         </p:sp>
         <p:sp>
@@ -3038,18 +2579,6 @@
             <a:ln>
               <a:noFill/>
             </a:ln>
-            <a:extLst>
-              <a:ext uri="{91240B29-F687-4f45-9708-019B960494DF}">
-                <a14:hiddenLine xmlns:a14="http://schemas.microsoft.com/office/drawing/2010/main" xmlns="" w="9525">
-                  <a:solidFill>
-                    <a:srgbClr val="000000"/>
-                  </a:solidFill>
-                  <a:round/>
-                  <a:headEnd/>
-                  <a:tailEnd/>
-                </a14:hiddenLine>
-              </a:ext>
-            </a:extLst>
           </p:spPr>
         </p:sp>
         <p:sp>
@@ -3100,18 +2629,6 @@
             <a:ln>
               <a:noFill/>
             </a:ln>
-            <a:extLst>
-              <a:ext uri="{91240B29-F687-4f45-9708-019B960494DF}">
-                <a14:hiddenLine xmlns:a14="http://schemas.microsoft.com/office/drawing/2010/main" xmlns="" w="9525">
-                  <a:solidFill>
-                    <a:srgbClr val="000000"/>
-                  </a:solidFill>
-                  <a:round/>
-                  <a:headEnd/>
-                  <a:tailEnd/>
-                </a14:hiddenLine>
-              </a:ext>
-            </a:extLst>
           </p:spPr>
         </p:sp>
         <p:sp>
@@ -3190,18 +2707,6 @@
             <a:ln>
               <a:noFill/>
             </a:ln>
-            <a:extLst>
-              <a:ext uri="{91240B29-F687-4f45-9708-019B960494DF}">
-                <a14:hiddenLine xmlns:a14="http://schemas.microsoft.com/office/drawing/2010/main" xmlns="" w="9525">
-                  <a:solidFill>
-                    <a:srgbClr val="000000"/>
-                  </a:solidFill>
-                  <a:round/>
-                  <a:headEnd/>
-                  <a:tailEnd/>
-                </a14:hiddenLine>
-              </a:ext>
-            </a:extLst>
           </p:spPr>
         </p:sp>
         <p:sp>
@@ -3224,18 +2729,6 @@
             <a:ln>
               <a:noFill/>
             </a:ln>
-            <a:extLst>
-              <a:ext uri="{91240B29-F687-4f45-9708-019B960494DF}">
-                <a14:hiddenLine xmlns:a14="http://schemas.microsoft.com/office/drawing/2010/main" xmlns="" w="9525">
-                  <a:solidFill>
-                    <a:srgbClr val="000000"/>
-                  </a:solidFill>
-                  <a:miter lim="800000"/>
-                  <a:headEnd/>
-                  <a:tailEnd/>
-                </a14:hiddenLine>
-              </a:ext>
-            </a:extLst>
           </p:spPr>
         </p:sp>
         <p:sp>
@@ -3289,18 +2782,6 @@
             <a:ln>
               <a:noFill/>
             </a:ln>
-            <a:extLst>
-              <a:ext uri="{91240B29-F687-4f45-9708-019B960494DF}">
-                <a14:hiddenLine xmlns:a14="http://schemas.microsoft.com/office/drawing/2010/main" xmlns="" w="9525">
-                  <a:solidFill>
-                    <a:srgbClr val="000000"/>
-                  </a:solidFill>
-                  <a:round/>
-                  <a:headEnd/>
-                  <a:tailEnd/>
-                </a14:hiddenLine>
-              </a:ext>
-            </a:extLst>
           </p:spPr>
         </p:sp>
         <p:sp>
@@ -3379,18 +2860,6 @@
             <a:ln>
               <a:noFill/>
             </a:ln>
-            <a:extLst>
-              <a:ext uri="{91240B29-F687-4f45-9708-019B960494DF}">
-                <a14:hiddenLine xmlns:a14="http://schemas.microsoft.com/office/drawing/2010/main" xmlns="" w="9525">
-                  <a:solidFill>
-                    <a:srgbClr val="000000"/>
-                  </a:solidFill>
-                  <a:round/>
-                  <a:headEnd/>
-                  <a:tailEnd/>
-                </a14:hiddenLine>
-              </a:ext>
-            </a:extLst>
           </p:spPr>
         </p:sp>
         <p:sp>
@@ -3441,18 +2910,6 @@
             <a:ln>
               <a:noFill/>
             </a:ln>
-            <a:extLst>
-              <a:ext uri="{91240B29-F687-4f45-9708-019B960494DF}">
-                <a14:hiddenLine xmlns:a14="http://schemas.microsoft.com/office/drawing/2010/main" xmlns="" w="9525">
-                  <a:solidFill>
-                    <a:srgbClr val="000000"/>
-                  </a:solidFill>
-                  <a:round/>
-                  <a:headEnd/>
-                  <a:tailEnd/>
-                </a14:hiddenLine>
-              </a:ext>
-            </a:extLst>
           </p:spPr>
         </p:sp>
         <p:sp>
@@ -3531,18 +2988,6 @@
             <a:ln>
               <a:noFill/>
             </a:ln>
-            <a:extLst>
-              <a:ext uri="{91240B29-F687-4f45-9708-019B960494DF}">
-                <a14:hiddenLine xmlns:a14="http://schemas.microsoft.com/office/drawing/2010/main" xmlns="" w="9525">
-                  <a:solidFill>
-                    <a:srgbClr val="000000"/>
-                  </a:solidFill>
-                  <a:round/>
-                  <a:headEnd/>
-                  <a:tailEnd/>
-                </a14:hiddenLine>
-              </a:ext>
-            </a:extLst>
           </p:spPr>
         </p:sp>
         <p:sp>
@@ -3621,18 +3066,6 @@
             <a:ln>
               <a:noFill/>
             </a:ln>
-            <a:extLst>
-              <a:ext uri="{91240B29-F687-4f45-9708-019B960494DF}">
-                <a14:hiddenLine xmlns:a14="http://schemas.microsoft.com/office/drawing/2010/main" xmlns="" w="9525">
-                  <a:solidFill>
-                    <a:srgbClr val="000000"/>
-                  </a:solidFill>
-                  <a:round/>
-                  <a:headEnd/>
-                  <a:tailEnd/>
-                </a14:hiddenLine>
-              </a:ext>
-            </a:extLst>
           </p:spPr>
         </p:sp>
         <p:sp>
@@ -3686,18 +3119,6 @@
             <a:ln>
               <a:noFill/>
             </a:ln>
-            <a:extLst>
-              <a:ext uri="{91240B29-F687-4f45-9708-019B960494DF}">
-                <a14:hiddenLine xmlns:a14="http://schemas.microsoft.com/office/drawing/2010/main" xmlns="" w="9525">
-                  <a:solidFill>
-                    <a:srgbClr val="000000"/>
-                  </a:solidFill>
-                  <a:round/>
-                  <a:headEnd/>
-                  <a:tailEnd/>
-                </a14:hiddenLine>
-              </a:ext>
-            </a:extLst>
           </p:spPr>
         </p:sp>
         <p:sp>
@@ -3748,18 +3169,6 @@
             <a:ln>
               <a:noFill/>
             </a:ln>
-            <a:extLst>
-              <a:ext uri="{91240B29-F687-4f45-9708-019B960494DF}">
-                <a14:hiddenLine xmlns:a14="http://schemas.microsoft.com/office/drawing/2010/main" xmlns="" w="9525">
-                  <a:solidFill>
-                    <a:srgbClr val="000000"/>
-                  </a:solidFill>
-                  <a:round/>
-                  <a:headEnd/>
-                  <a:tailEnd/>
-                </a14:hiddenLine>
-              </a:ext>
-            </a:extLst>
           </p:spPr>
         </p:sp>
         <p:sp>
@@ -3838,18 +3247,6 @@
             <a:ln>
               <a:noFill/>
             </a:ln>
-            <a:extLst>
-              <a:ext uri="{91240B29-F687-4f45-9708-019B960494DF}">
-                <a14:hiddenLine xmlns:a14="http://schemas.microsoft.com/office/drawing/2010/main" xmlns="" w="9525">
-                  <a:solidFill>
-                    <a:srgbClr val="000000"/>
-                  </a:solidFill>
-                  <a:round/>
-                  <a:headEnd/>
-                  <a:tailEnd/>
-                </a14:hiddenLine>
-              </a:ext>
-            </a:extLst>
           </p:spPr>
         </p:sp>
         <p:sp>
@@ -3928,18 +3325,6 @@
             <a:ln>
               <a:noFill/>
             </a:ln>
-            <a:extLst>
-              <a:ext uri="{91240B29-F687-4f45-9708-019B960494DF}">
-                <a14:hiddenLine xmlns:a14="http://schemas.microsoft.com/office/drawing/2010/main" xmlns="" w="9525">
-                  <a:solidFill>
-                    <a:srgbClr val="000000"/>
-                  </a:solidFill>
-                  <a:round/>
-                  <a:headEnd/>
-                  <a:tailEnd/>
-                </a14:hiddenLine>
-              </a:ext>
-            </a:extLst>
           </p:spPr>
         </p:sp>
         <p:sp>
@@ -3990,18 +3375,6 @@
             <a:ln>
               <a:noFill/>
             </a:ln>
-            <a:extLst>
-              <a:ext uri="{91240B29-F687-4f45-9708-019B960494DF}">
-                <a14:hiddenLine xmlns:a14="http://schemas.microsoft.com/office/drawing/2010/main" xmlns="" w="9525">
-                  <a:solidFill>
-                    <a:srgbClr val="000000"/>
-                  </a:solidFill>
-                  <a:round/>
-                  <a:headEnd/>
-                  <a:tailEnd/>
-                </a14:hiddenLine>
-              </a:ext>
-            </a:extLst>
           </p:spPr>
         </p:sp>
         <p:sp>
@@ -4110,18 +3483,6 @@
             <a:ln>
               <a:noFill/>
             </a:ln>
-            <a:extLst>
-              <a:ext uri="{91240B29-F687-4f45-9708-019B960494DF}">
-                <a14:hiddenLine xmlns:a14="http://schemas.microsoft.com/office/drawing/2010/main" xmlns="" w="9525">
-                  <a:solidFill>
-                    <a:srgbClr val="000000"/>
-                  </a:solidFill>
-                  <a:round/>
-                  <a:headEnd/>
-                  <a:tailEnd/>
-                </a14:hiddenLine>
-              </a:ext>
-            </a:extLst>
           </p:spPr>
         </p:sp>
         <p:sp>
@@ -4178,18 +3539,6 @@
             <a:ln>
               <a:noFill/>
             </a:ln>
-            <a:extLst>
-              <a:ext uri="{91240B29-F687-4f45-9708-019B960494DF}">
-                <a14:hiddenLine xmlns:a14="http://schemas.microsoft.com/office/drawing/2010/main" xmlns="" w="9525">
-                  <a:solidFill>
-                    <a:srgbClr val="000000"/>
-                  </a:solidFill>
-                  <a:round/>
-                  <a:headEnd/>
-                  <a:tailEnd/>
-                </a14:hiddenLine>
-              </a:ext>
-            </a:extLst>
           </p:spPr>
         </p:sp>
         <p:sp>
@@ -4268,18 +3617,6 @@
             <a:ln>
               <a:noFill/>
             </a:ln>
-            <a:extLst>
-              <a:ext uri="{91240B29-F687-4f45-9708-019B960494DF}">
-                <a14:hiddenLine xmlns:a14="http://schemas.microsoft.com/office/drawing/2010/main" xmlns="" w="9525">
-                  <a:solidFill>
-                    <a:srgbClr val="000000"/>
-                  </a:solidFill>
-                  <a:round/>
-                  <a:headEnd/>
-                  <a:tailEnd/>
-                </a14:hiddenLine>
-              </a:ext>
-            </a:extLst>
           </p:spPr>
         </p:sp>
       </p:grpSp>
@@ -4410,7 +3747,6 @@
           <a:p>
             <a:fld id="{AE600C65-0EDC-4373-A325-B2EA00E05402}" type="datetimeFigureOut">
               <a:rPr lang="en-US" smtClean="0"/>
-              <a:t>01-Sep-23</a:t>
             </a:fld>
             <a:endParaRPr lang="en-US"/>
           </a:p>
@@ -4462,18 +3798,12 @@
           <a:p>
             <a:fld id="{6F62A35E-AA3C-401E-9188-485C5B4DB39E}" type="slidenum">
               <a:rPr lang="en-US" smtClean="0"/>
-              <a:t>‹#›</a:t>
             </a:fld>
             <a:endParaRPr lang="en-US"/>
           </a:p>
         </p:txBody>
       </p:sp>
     </p:spTree>
-    <p:extLst>
-      <p:ext uri="{BB962C8B-B14F-4D97-AF65-F5344CB8AC3E}">
-        <p14:creationId xmlns:p14="http://schemas.microsoft.com/office/powerpoint/2010/main" val="3531081881"/>
-      </p:ext>
-    </p:extLst>
   </p:cSld>
   <p:clrMapOvr>
     <a:masterClrMapping/>
@@ -4657,6 +3987,7 @@
               <a:rPr lang="en-US"/>
               <a:t>Click to edit Master text styles</a:t>
             </a:r>
+            <a:endParaRPr lang="en-US"/>
           </a:p>
         </p:txBody>
       </p:sp>
@@ -4677,7 +4008,6 @@
           <a:p>
             <a:fld id="{AE600C65-0EDC-4373-A325-B2EA00E05402}" type="datetimeFigureOut">
               <a:rPr lang="en-US" smtClean="0"/>
-              <a:t>01-Sep-23</a:t>
             </a:fld>
             <a:endParaRPr lang="en-US"/>
           </a:p>
@@ -4719,18 +4049,12 @@
           <a:p>
             <a:fld id="{6F62A35E-AA3C-401E-9188-485C5B4DB39E}" type="slidenum">
               <a:rPr lang="en-US" smtClean="0"/>
-              <a:t>‹#›</a:t>
             </a:fld>
             <a:endParaRPr lang="en-US"/>
           </a:p>
         </p:txBody>
       </p:sp>
     </p:spTree>
-    <p:extLst>
-      <p:ext uri="{BB962C8B-B14F-4D97-AF65-F5344CB8AC3E}">
-        <p14:creationId xmlns:p14="http://schemas.microsoft.com/office/powerpoint/2010/main" val="2363750741"/>
-      </p:ext>
-    </p:extLst>
   </p:cSld>
   <p:clrMapOvr>
     <a:masterClrMapping/>
@@ -4853,6 +4177,7 @@
               <a:rPr lang="en-US"/>
               <a:t>Click to edit Master text styles</a:t>
             </a:r>
+            <a:endParaRPr lang="en-US"/>
           </a:p>
         </p:txBody>
       </p:sp>
@@ -4873,7 +4198,6 @@
           <a:p>
             <a:fld id="{AE600C65-0EDC-4373-A325-B2EA00E05402}" type="datetimeFigureOut">
               <a:rPr lang="en-US" smtClean="0"/>
-              <a:t>01-Sep-23</a:t>
             </a:fld>
             <a:endParaRPr lang="en-US"/>
           </a:p>
@@ -4915,18 +4239,12 @@
           <a:p>
             <a:fld id="{6F62A35E-AA3C-401E-9188-485C5B4DB39E}" type="slidenum">
               <a:rPr lang="en-US" smtClean="0"/>
-              <a:t>‹#›</a:t>
             </a:fld>
             <a:endParaRPr lang="en-US"/>
           </a:p>
         </p:txBody>
       </p:sp>
     </p:spTree>
-    <p:extLst>
-      <p:ext uri="{BB962C8B-B14F-4D97-AF65-F5344CB8AC3E}">
-        <p14:creationId xmlns:p14="http://schemas.microsoft.com/office/powerpoint/2010/main" val="1224971170"/>
-      </p:ext>
-    </p:extLst>
   </p:cSld>
   <p:clrMapOvr>
     <a:masterClrMapping/>
@@ -5049,6 +4367,7 @@
               <a:rPr lang="en-US"/>
               <a:t>Click to edit Master text styles</a:t>
             </a:r>
+            <a:endParaRPr lang="en-US"/>
           </a:p>
         </p:txBody>
       </p:sp>
@@ -5116,6 +4435,7 @@
               <a:rPr lang="en-US"/>
               <a:t>Click to edit Master text styles</a:t>
             </a:r>
+            <a:endParaRPr lang="en-US"/>
           </a:p>
         </p:txBody>
       </p:sp>
@@ -5136,7 +4456,6 @@
           <a:p>
             <a:fld id="{AE600C65-0EDC-4373-A325-B2EA00E05402}" type="datetimeFigureOut">
               <a:rPr lang="en-US" smtClean="0"/>
-              <a:t>01-Sep-23</a:t>
             </a:fld>
             <a:endParaRPr lang="en-US"/>
           </a:p>
@@ -5178,7 +4497,6 @@
           <a:p>
             <a:fld id="{6F62A35E-AA3C-401E-9188-485C5B4DB39E}" type="slidenum">
               <a:rPr lang="en-US" smtClean="0"/>
-              <a:t>‹#›</a:t>
             </a:fld>
             <a:endParaRPr lang="en-US"/>
           </a:p>
@@ -5229,7 +4547,7 @@
                 </a:effectLst>
                 <a:latin typeface="+mj-lt"/>
                 <a:ea typeface="+mj-ea"/>
-                <a:cs typeface="Trebuchet MS"/>
+                <a:cs typeface="Trebuchet MS" panose="020B0603020202020204"/>
               </a:defRPr>
             </a:lvl1pPr>
             <a:lvl2pPr>
@@ -5300,6 +4618,12 @@
               </a:rPr>
               <a:t>“</a:t>
             </a:r>
+            <a:endParaRPr lang="en-US" sz="8000" dirty="0">
+              <a:solidFill>
+                <a:schemeClr val="tx1"/>
+              </a:solidFill>
+              <a:effectLst/>
+            </a:endParaRPr>
           </a:p>
         </p:txBody>
       </p:sp>
@@ -5348,7 +4672,7 @@
                 </a:effectLst>
                 <a:latin typeface="+mj-lt"/>
                 <a:ea typeface="+mj-ea"/>
-                <a:cs typeface="Trebuchet MS"/>
+                <a:cs typeface="Trebuchet MS" panose="020B0603020202020204"/>
               </a:defRPr>
             </a:lvl1pPr>
             <a:lvl2pPr>
@@ -5419,15 +4743,16 @@
               </a:rPr>
               <a:t>”</a:t>
             </a:r>
+            <a:endParaRPr lang="en-US" sz="8000" dirty="0">
+              <a:solidFill>
+                <a:schemeClr val="tx1"/>
+              </a:solidFill>
+              <a:effectLst/>
+            </a:endParaRPr>
           </a:p>
         </p:txBody>
       </p:sp>
     </p:spTree>
-    <p:extLst>
-      <p:ext uri="{BB962C8B-B14F-4D97-AF65-F5344CB8AC3E}">
-        <p14:creationId xmlns:p14="http://schemas.microsoft.com/office/powerpoint/2010/main" val="168730684"/>
-      </p:ext>
-    </p:extLst>
   </p:cSld>
   <p:clrMapOvr>
     <a:masterClrMapping/>
@@ -5550,6 +4875,7 @@
               <a:rPr lang="en-US"/>
               <a:t>Click to edit Master text styles</a:t>
             </a:r>
+            <a:endParaRPr lang="en-US"/>
           </a:p>
         </p:txBody>
       </p:sp>
@@ -5570,7 +4896,6 @@
           <a:p>
             <a:fld id="{AE600C65-0EDC-4373-A325-B2EA00E05402}" type="datetimeFigureOut">
               <a:rPr lang="en-US" smtClean="0"/>
-              <a:t>01-Sep-23</a:t>
             </a:fld>
             <a:endParaRPr lang="en-US"/>
           </a:p>
@@ -5612,18 +4937,12 @@
           <a:p>
             <a:fld id="{6F62A35E-AA3C-401E-9188-485C5B4DB39E}" type="slidenum">
               <a:rPr lang="en-US" smtClean="0"/>
-              <a:t>‹#›</a:t>
             </a:fld>
             <a:endParaRPr lang="en-US"/>
           </a:p>
         </p:txBody>
       </p:sp>
     </p:spTree>
-    <p:extLst>
-      <p:ext uri="{BB962C8B-B14F-4D97-AF65-F5344CB8AC3E}">
-        <p14:creationId xmlns:p14="http://schemas.microsoft.com/office/powerpoint/2010/main" val="2880637251"/>
-      </p:ext>
-    </p:extLst>
   </p:cSld>
   <p:clrMapOvr>
     <a:masterClrMapping/>
@@ -5747,6 +5066,7 @@
               <a:rPr lang="en-US"/>
               <a:t>Click to edit Master text styles</a:t>
             </a:r>
+            <a:endParaRPr lang="en-US"/>
           </a:p>
         </p:txBody>
       </p:sp>
@@ -5814,6 +5134,7 @@
               <a:rPr lang="en-US"/>
               <a:t>Click to edit Master text styles</a:t>
             </a:r>
+            <a:endParaRPr lang="en-US"/>
           </a:p>
         </p:txBody>
       </p:sp>
@@ -5888,6 +5209,7 @@
               <a:rPr lang="en-US"/>
               <a:t>Click to edit Master text styles</a:t>
             </a:r>
+            <a:endParaRPr lang="en-US"/>
           </a:p>
         </p:txBody>
       </p:sp>
@@ -5955,6 +5277,7 @@
               <a:rPr lang="en-US"/>
               <a:t>Click to edit Master text styles</a:t>
             </a:r>
+            <a:endParaRPr lang="en-US"/>
           </a:p>
         </p:txBody>
       </p:sp>
@@ -6029,6 +5352,7 @@
               <a:rPr lang="en-US"/>
               <a:t>Click to edit Master text styles</a:t>
             </a:r>
+            <a:endParaRPr lang="en-US"/>
           </a:p>
         </p:txBody>
       </p:sp>
@@ -6096,6 +5420,7 @@
               <a:rPr lang="en-US"/>
               <a:t>Click to edit Master text styles</a:t>
             </a:r>
+            <a:endParaRPr lang="en-US"/>
           </a:p>
         </p:txBody>
       </p:sp>
@@ -6116,7 +5441,6 @@
           <a:p>
             <a:fld id="{AE600C65-0EDC-4373-A325-B2EA00E05402}" type="datetimeFigureOut">
               <a:rPr lang="en-US" smtClean="0"/>
-              <a:t>01-Sep-23</a:t>
             </a:fld>
             <a:endParaRPr lang="en-US"/>
           </a:p>
@@ -6158,18 +5482,12 @@
           <a:p>
             <a:fld id="{6F62A35E-AA3C-401E-9188-485C5B4DB39E}" type="slidenum">
               <a:rPr lang="en-US" smtClean="0"/>
-              <a:t>‹#›</a:t>
             </a:fld>
             <a:endParaRPr lang="en-US"/>
           </a:p>
         </p:txBody>
       </p:sp>
     </p:spTree>
-    <p:extLst>
-      <p:ext uri="{BB962C8B-B14F-4D97-AF65-F5344CB8AC3E}">
-        <p14:creationId xmlns:p14="http://schemas.microsoft.com/office/powerpoint/2010/main" val="2783953425"/>
-      </p:ext>
-    </p:extLst>
   </p:cSld>
   <p:clrMapOvr>
     <a:masterClrMapping/>
@@ -6293,6 +5611,7 @@
               <a:rPr lang="en-US"/>
               <a:t>Click to edit Master text styles</a:t>
             </a:r>
+            <a:endParaRPr lang="en-US"/>
           </a:p>
         </p:txBody>
       </p:sp>
@@ -6418,6 +5737,7 @@
               <a:rPr lang="en-US"/>
               <a:t>Click to edit Master text styles</a:t>
             </a:r>
+            <a:endParaRPr lang="en-US"/>
           </a:p>
         </p:txBody>
       </p:sp>
@@ -6492,6 +5812,7 @@
               <a:rPr lang="en-US"/>
               <a:t>Click to edit Master text styles</a:t>
             </a:r>
+            <a:endParaRPr lang="en-US"/>
           </a:p>
         </p:txBody>
       </p:sp>
@@ -6617,6 +5938,7 @@
               <a:rPr lang="en-US"/>
               <a:t>Click to edit Master text styles</a:t>
             </a:r>
+            <a:endParaRPr lang="en-US"/>
           </a:p>
         </p:txBody>
       </p:sp>
@@ -6691,6 +6013,7 @@
               <a:rPr lang="en-US"/>
               <a:t>Click to edit Master text styles</a:t>
             </a:r>
+            <a:endParaRPr lang="en-US"/>
           </a:p>
         </p:txBody>
       </p:sp>
@@ -6816,6 +6139,7 @@
               <a:rPr lang="en-US"/>
               <a:t>Click to edit Master text styles</a:t>
             </a:r>
+            <a:endParaRPr lang="en-US"/>
           </a:p>
         </p:txBody>
       </p:sp>
@@ -6836,7 +6160,6 @@
           <a:p>
             <a:fld id="{AE600C65-0EDC-4373-A325-B2EA00E05402}" type="datetimeFigureOut">
               <a:rPr lang="en-US" smtClean="0"/>
-              <a:t>01-Sep-23</a:t>
             </a:fld>
             <a:endParaRPr lang="en-US"/>
           </a:p>
@@ -6878,18 +6201,12 @@
           <a:p>
             <a:fld id="{6F62A35E-AA3C-401E-9188-485C5B4DB39E}" type="slidenum">
               <a:rPr lang="en-US" smtClean="0"/>
-              <a:t>‹#›</a:t>
             </a:fld>
             <a:endParaRPr lang="en-US"/>
           </a:p>
         </p:txBody>
       </p:sp>
     </p:spTree>
-    <p:extLst>
-      <p:ext uri="{BB962C8B-B14F-4D97-AF65-F5344CB8AC3E}">
-        <p14:creationId xmlns:p14="http://schemas.microsoft.com/office/powerpoint/2010/main" val="3806664062"/>
-      </p:ext>
-    </p:extLst>
   </p:cSld>
   <p:clrMapOvr>
     <a:masterClrMapping/>
@@ -6957,6 +6274,7 @@
               <a:rPr lang="en-US"/>
               <a:t>Click to edit Master text styles</a:t>
             </a:r>
+            <a:endParaRPr lang="en-US"/>
           </a:p>
           <a:p>
             <a:pPr lvl="1"/>
@@ -6964,6 +6282,7 @@
               <a:rPr lang="en-US"/>
               <a:t>Second level</a:t>
             </a:r>
+            <a:endParaRPr lang="en-US"/>
           </a:p>
           <a:p>
             <a:pPr lvl="2"/>
@@ -6971,6 +6290,7 @@
               <a:rPr lang="en-US"/>
               <a:t>Third level</a:t>
             </a:r>
+            <a:endParaRPr lang="en-US"/>
           </a:p>
           <a:p>
             <a:pPr lvl="3"/>
@@ -6978,6 +6298,7 @@
               <a:rPr lang="en-US"/>
               <a:t>Fourth level</a:t>
             </a:r>
+            <a:endParaRPr lang="en-US"/>
           </a:p>
           <a:p>
             <a:pPr lvl="4"/>
@@ -7006,7 +6327,6 @@
           <a:p>
             <a:fld id="{AE600C65-0EDC-4373-A325-B2EA00E05402}" type="datetimeFigureOut">
               <a:rPr lang="en-US" smtClean="0"/>
-              <a:t>01-Sep-23</a:t>
             </a:fld>
             <a:endParaRPr lang="en-US"/>
           </a:p>
@@ -7048,18 +6368,12 @@
           <a:p>
             <a:fld id="{6F62A35E-AA3C-401E-9188-485C5B4DB39E}" type="slidenum">
               <a:rPr lang="en-US" smtClean="0"/>
-              <a:t>‹#›</a:t>
             </a:fld>
             <a:endParaRPr lang="en-US"/>
           </a:p>
         </p:txBody>
       </p:sp>
     </p:spTree>
-    <p:extLst>
-      <p:ext uri="{BB962C8B-B14F-4D97-AF65-F5344CB8AC3E}">
-        <p14:creationId xmlns:p14="http://schemas.microsoft.com/office/powerpoint/2010/main" val="369228796"/>
-      </p:ext>
-    </p:extLst>
   </p:cSld>
   <p:clrMapOvr>
     <a:masterClrMapping/>
@@ -7137,6 +6451,7 @@
               <a:rPr lang="en-US"/>
               <a:t>Click to edit Master text styles</a:t>
             </a:r>
+            <a:endParaRPr lang="en-US"/>
           </a:p>
           <a:p>
             <a:pPr lvl="1"/>
@@ -7144,6 +6459,7 @@
               <a:rPr lang="en-US"/>
               <a:t>Second level</a:t>
             </a:r>
+            <a:endParaRPr lang="en-US"/>
           </a:p>
           <a:p>
             <a:pPr lvl="2"/>
@@ -7151,6 +6467,7 @@
               <a:rPr lang="en-US"/>
               <a:t>Third level</a:t>
             </a:r>
+            <a:endParaRPr lang="en-US"/>
           </a:p>
           <a:p>
             <a:pPr lvl="3"/>
@@ -7158,6 +6475,7 @@
               <a:rPr lang="en-US"/>
               <a:t>Fourth level</a:t>
             </a:r>
+            <a:endParaRPr lang="en-US"/>
           </a:p>
           <a:p>
             <a:pPr lvl="4"/>
@@ -7186,7 +6504,6 @@
           <a:p>
             <a:fld id="{AE600C65-0EDC-4373-A325-B2EA00E05402}" type="datetimeFigureOut">
               <a:rPr lang="en-US" smtClean="0"/>
-              <a:t>01-Sep-23</a:t>
             </a:fld>
             <a:endParaRPr lang="en-US"/>
           </a:p>
@@ -7228,18 +6545,12 @@
           <a:p>
             <a:fld id="{6F62A35E-AA3C-401E-9188-485C5B4DB39E}" type="slidenum">
               <a:rPr lang="en-US" smtClean="0"/>
-              <a:t>‹#›</a:t>
             </a:fld>
             <a:endParaRPr lang="en-US"/>
           </a:p>
         </p:txBody>
       </p:sp>
     </p:spTree>
-    <p:extLst>
-      <p:ext uri="{BB962C8B-B14F-4D97-AF65-F5344CB8AC3E}">
-        <p14:creationId xmlns:p14="http://schemas.microsoft.com/office/powerpoint/2010/main" val="2319885609"/>
-      </p:ext>
-    </p:extLst>
   </p:cSld>
   <p:clrMapOvr>
     <a:masterClrMapping/>
@@ -7307,6 +6618,7 @@
               <a:rPr lang="en-US"/>
               <a:t>Click to edit Master text styles</a:t>
             </a:r>
+            <a:endParaRPr lang="en-US"/>
           </a:p>
           <a:p>
             <a:pPr lvl="1"/>
@@ -7314,6 +6626,7 @@
               <a:rPr lang="en-US"/>
               <a:t>Second level</a:t>
             </a:r>
+            <a:endParaRPr lang="en-US"/>
           </a:p>
           <a:p>
             <a:pPr lvl="2"/>
@@ -7321,6 +6634,7 @@
               <a:rPr lang="en-US"/>
               <a:t>Third level</a:t>
             </a:r>
+            <a:endParaRPr lang="en-US"/>
           </a:p>
           <a:p>
             <a:pPr lvl="3"/>
@@ -7328,6 +6642,7 @@
               <a:rPr lang="en-US"/>
               <a:t>Fourth level</a:t>
             </a:r>
+            <a:endParaRPr lang="en-US"/>
           </a:p>
           <a:p>
             <a:pPr lvl="4"/>
@@ -7356,7 +6671,6 @@
           <a:p>
             <a:fld id="{AE600C65-0EDC-4373-A325-B2EA00E05402}" type="datetimeFigureOut">
               <a:rPr lang="en-US" smtClean="0"/>
-              <a:t>01-Sep-23</a:t>
             </a:fld>
             <a:endParaRPr lang="en-US"/>
           </a:p>
@@ -7398,18 +6712,12 @@
           <a:p>
             <a:fld id="{6F62A35E-AA3C-401E-9188-485C5B4DB39E}" type="slidenum">
               <a:rPr lang="en-US" smtClean="0"/>
-              <a:t>‹#›</a:t>
             </a:fld>
             <a:endParaRPr lang="en-US"/>
           </a:p>
         </p:txBody>
       </p:sp>
     </p:spTree>
-    <p:extLst>
-      <p:ext uri="{BB962C8B-B14F-4D97-AF65-F5344CB8AC3E}">
-        <p14:creationId xmlns:p14="http://schemas.microsoft.com/office/powerpoint/2010/main" val="37473347"/>
-      </p:ext>
-    </p:extLst>
   </p:cSld>
   <p:clrMapOvr>
     <a:masterClrMapping/>
@@ -7586,6 +6894,7 @@
               <a:rPr lang="en-US"/>
               <a:t>Click to edit Master text styles</a:t>
             </a:r>
+            <a:endParaRPr lang="en-US"/>
           </a:p>
         </p:txBody>
       </p:sp>
@@ -7606,7 +6915,6 @@
           <a:p>
             <a:fld id="{AE600C65-0EDC-4373-A325-B2EA00E05402}" type="datetimeFigureOut">
               <a:rPr lang="en-US" smtClean="0"/>
-              <a:t>01-Sep-23</a:t>
             </a:fld>
             <a:endParaRPr lang="en-US"/>
           </a:p>
@@ -7648,18 +6956,12 @@
           <a:p>
             <a:fld id="{6F62A35E-AA3C-401E-9188-485C5B4DB39E}" type="slidenum">
               <a:rPr lang="en-US" smtClean="0"/>
-              <a:t>‹#›</a:t>
             </a:fld>
             <a:endParaRPr lang="en-US"/>
           </a:p>
         </p:txBody>
       </p:sp>
     </p:spTree>
-    <p:extLst>
-      <p:ext uri="{BB962C8B-B14F-4D97-AF65-F5344CB8AC3E}">
-        <p14:creationId xmlns:p14="http://schemas.microsoft.com/office/powerpoint/2010/main" val="3167915716"/>
-      </p:ext>
-    </p:extLst>
   </p:cSld>
   <p:clrMapOvr>
     <a:masterClrMapping/>
@@ -7732,6 +7034,7 @@
               <a:rPr lang="en-US"/>
               <a:t>Click to edit Master text styles</a:t>
             </a:r>
+            <a:endParaRPr lang="en-US"/>
           </a:p>
           <a:p>
             <a:pPr lvl="1"/>
@@ -7739,6 +7042,7 @@
               <a:rPr lang="en-US"/>
               <a:t>Second level</a:t>
             </a:r>
+            <a:endParaRPr lang="en-US"/>
           </a:p>
           <a:p>
             <a:pPr lvl="2"/>
@@ -7746,6 +7050,7 @@
               <a:rPr lang="en-US"/>
               <a:t>Third level</a:t>
             </a:r>
+            <a:endParaRPr lang="en-US"/>
           </a:p>
           <a:p>
             <a:pPr lvl="3"/>
@@ -7753,6 +7058,7 @@
               <a:rPr lang="en-US"/>
               <a:t>Fourth level</a:t>
             </a:r>
+            <a:endParaRPr lang="en-US"/>
           </a:p>
           <a:p>
             <a:pPr lvl="4"/>
@@ -7789,6 +7095,7 @@
               <a:rPr lang="en-US"/>
               <a:t>Click to edit Master text styles</a:t>
             </a:r>
+            <a:endParaRPr lang="en-US"/>
           </a:p>
           <a:p>
             <a:pPr lvl="1"/>
@@ -7796,6 +7103,7 @@
               <a:rPr lang="en-US"/>
               <a:t>Second level</a:t>
             </a:r>
+            <a:endParaRPr lang="en-US"/>
           </a:p>
           <a:p>
             <a:pPr lvl="2"/>
@@ -7803,6 +7111,7 @@
               <a:rPr lang="en-US"/>
               <a:t>Third level</a:t>
             </a:r>
+            <a:endParaRPr lang="en-US"/>
           </a:p>
           <a:p>
             <a:pPr lvl="3"/>
@@ -7810,6 +7119,7 @@
               <a:rPr lang="en-US"/>
               <a:t>Fourth level</a:t>
             </a:r>
+            <a:endParaRPr lang="en-US"/>
           </a:p>
           <a:p>
             <a:pPr lvl="4"/>
@@ -7838,7 +7148,6 @@
           <a:p>
             <a:fld id="{AE600C65-0EDC-4373-A325-B2EA00E05402}" type="datetimeFigureOut">
               <a:rPr lang="en-US" smtClean="0"/>
-              <a:t>01-Sep-23</a:t>
             </a:fld>
             <a:endParaRPr lang="en-US"/>
           </a:p>
@@ -7880,18 +7189,12 @@
           <a:p>
             <a:fld id="{6F62A35E-AA3C-401E-9188-485C5B4DB39E}" type="slidenum">
               <a:rPr lang="en-US" smtClean="0"/>
-              <a:t>‹#›</a:t>
             </a:fld>
             <a:endParaRPr lang="en-US"/>
           </a:p>
         </p:txBody>
       </p:sp>
     </p:spTree>
-    <p:extLst>
-      <p:ext uri="{BB962C8B-B14F-4D97-AF65-F5344CB8AC3E}">
-        <p14:creationId xmlns:p14="http://schemas.microsoft.com/office/powerpoint/2010/main" val="1856423712"/>
-      </p:ext>
-    </p:extLst>
   </p:cSld>
   <p:clrMapOvr>
     <a:masterClrMapping/>
@@ -8013,6 +7316,7 @@
               <a:rPr lang="en-US"/>
               <a:t>Click to edit Master text styles</a:t>
             </a:r>
+            <a:endParaRPr lang="en-US"/>
           </a:p>
         </p:txBody>
       </p:sp>
@@ -8041,6 +7345,7 @@
               <a:rPr lang="en-US"/>
               <a:t>Click to edit Master text styles</a:t>
             </a:r>
+            <a:endParaRPr lang="en-US"/>
           </a:p>
           <a:p>
             <a:pPr lvl="1"/>
@@ -8048,6 +7353,7 @@
               <a:rPr lang="en-US"/>
               <a:t>Second level</a:t>
             </a:r>
+            <a:endParaRPr lang="en-US"/>
           </a:p>
           <a:p>
             <a:pPr lvl="2"/>
@@ -8055,6 +7361,7 @@
               <a:rPr lang="en-US"/>
               <a:t>Third level</a:t>
             </a:r>
+            <a:endParaRPr lang="en-US"/>
           </a:p>
           <a:p>
             <a:pPr lvl="3"/>
@@ -8062,6 +7369,7 @@
               <a:rPr lang="en-US"/>
               <a:t>Fourth level</a:t>
             </a:r>
+            <a:endParaRPr lang="en-US"/>
           </a:p>
           <a:p>
             <a:pPr lvl="4"/>
@@ -8142,6 +7450,7 @@
               <a:rPr lang="en-US"/>
               <a:t>Click to edit Master text styles</a:t>
             </a:r>
+            <a:endParaRPr lang="en-US"/>
           </a:p>
         </p:txBody>
       </p:sp>
@@ -8170,6 +7479,7 @@
               <a:rPr lang="en-US"/>
               <a:t>Click to edit Master text styles</a:t>
             </a:r>
+            <a:endParaRPr lang="en-US"/>
           </a:p>
           <a:p>
             <a:pPr lvl="1"/>
@@ -8177,6 +7487,7 @@
               <a:rPr lang="en-US"/>
               <a:t>Second level</a:t>
             </a:r>
+            <a:endParaRPr lang="en-US"/>
           </a:p>
           <a:p>
             <a:pPr lvl="2"/>
@@ -8184,6 +7495,7 @@
               <a:rPr lang="en-US"/>
               <a:t>Third level</a:t>
             </a:r>
+            <a:endParaRPr lang="en-US"/>
           </a:p>
           <a:p>
             <a:pPr lvl="3"/>
@@ -8191,6 +7503,7 @@
               <a:rPr lang="en-US"/>
               <a:t>Fourth level</a:t>
             </a:r>
+            <a:endParaRPr lang="en-US"/>
           </a:p>
           <a:p>
             <a:pPr lvl="4"/>
@@ -8219,7 +7532,6 @@
           <a:p>
             <a:fld id="{AE600C65-0EDC-4373-A325-B2EA00E05402}" type="datetimeFigureOut">
               <a:rPr lang="en-US" smtClean="0"/>
-              <a:t>01-Sep-23</a:t>
             </a:fld>
             <a:endParaRPr lang="en-US"/>
           </a:p>
@@ -8261,18 +7573,12 @@
           <a:p>
             <a:fld id="{6F62A35E-AA3C-401E-9188-485C5B4DB39E}" type="slidenum">
               <a:rPr lang="en-US" smtClean="0"/>
-              <a:t>‹#›</a:t>
             </a:fld>
             <a:endParaRPr lang="en-US"/>
           </a:p>
         </p:txBody>
       </p:sp>
     </p:spTree>
-    <p:extLst>
-      <p:ext uri="{BB962C8B-B14F-4D97-AF65-F5344CB8AC3E}">
-        <p14:creationId xmlns:p14="http://schemas.microsoft.com/office/powerpoint/2010/main" val="765749378"/>
-      </p:ext>
-    </p:extLst>
   </p:cSld>
   <p:clrMapOvr>
     <a:masterClrMapping/>
@@ -8337,7 +7643,6 @@
           <a:p>
             <a:fld id="{AE600C65-0EDC-4373-A325-B2EA00E05402}" type="datetimeFigureOut">
               <a:rPr lang="en-US" smtClean="0"/>
-              <a:t>01-Sep-23</a:t>
             </a:fld>
             <a:endParaRPr lang="en-US"/>
           </a:p>
@@ -8379,18 +7684,12 @@
           <a:p>
             <a:fld id="{6F62A35E-AA3C-401E-9188-485C5B4DB39E}" type="slidenum">
               <a:rPr lang="en-US" smtClean="0"/>
-              <a:t>‹#›</a:t>
             </a:fld>
             <a:endParaRPr lang="en-US"/>
           </a:p>
         </p:txBody>
       </p:sp>
     </p:spTree>
-    <p:extLst>
-      <p:ext uri="{BB962C8B-B14F-4D97-AF65-F5344CB8AC3E}">
-        <p14:creationId xmlns:p14="http://schemas.microsoft.com/office/powerpoint/2010/main" val="2084955635"/>
-      </p:ext>
-    </p:extLst>
   </p:cSld>
   <p:clrMapOvr>
     <a:masterClrMapping/>
@@ -8432,7 +7731,6 @@
           <a:p>
             <a:fld id="{AE600C65-0EDC-4373-A325-B2EA00E05402}" type="datetimeFigureOut">
               <a:rPr lang="en-US" smtClean="0"/>
-              <a:t>01-Sep-23</a:t>
             </a:fld>
             <a:endParaRPr lang="en-US"/>
           </a:p>
@@ -8474,18 +7772,12 @@
           <a:p>
             <a:fld id="{6F62A35E-AA3C-401E-9188-485C5B4DB39E}" type="slidenum">
               <a:rPr lang="en-US" smtClean="0"/>
-              <a:t>‹#›</a:t>
             </a:fld>
             <a:endParaRPr lang="en-US"/>
           </a:p>
         </p:txBody>
       </p:sp>
     </p:spTree>
-    <p:extLst>
-      <p:ext uri="{BB962C8B-B14F-4D97-AF65-F5344CB8AC3E}">
-        <p14:creationId xmlns:p14="http://schemas.microsoft.com/office/powerpoint/2010/main" val="2284440713"/>
-      </p:ext>
-    </p:extLst>
   </p:cSld>
   <p:clrMapOvr>
     <a:masterClrMapping/>
@@ -8567,6 +7859,7 @@
               <a:rPr lang="en-US"/>
               <a:t>Click to edit Master text styles</a:t>
             </a:r>
+            <a:endParaRPr lang="en-US"/>
           </a:p>
           <a:p>
             <a:pPr lvl="1"/>
@@ -8574,6 +7867,7 @@
               <a:rPr lang="en-US"/>
               <a:t>Second level</a:t>
             </a:r>
+            <a:endParaRPr lang="en-US"/>
           </a:p>
           <a:p>
             <a:pPr lvl="2"/>
@@ -8581,6 +7875,7 @@
               <a:rPr lang="en-US"/>
               <a:t>Third level</a:t>
             </a:r>
+            <a:endParaRPr lang="en-US"/>
           </a:p>
           <a:p>
             <a:pPr lvl="3"/>
@@ -8588,6 +7883,7 @@
               <a:rPr lang="en-US"/>
               <a:t>Fourth level</a:t>
             </a:r>
+            <a:endParaRPr lang="en-US"/>
           </a:p>
           <a:p>
             <a:pPr lvl="4"/>
@@ -8661,6 +7957,7 @@
               <a:rPr lang="en-US"/>
               <a:t>Click to edit Master text styles</a:t>
             </a:r>
+            <a:endParaRPr lang="en-US"/>
           </a:p>
         </p:txBody>
       </p:sp>
@@ -8681,7 +7978,6 @@
           <a:p>
             <a:fld id="{AE600C65-0EDC-4373-A325-B2EA00E05402}" type="datetimeFigureOut">
               <a:rPr lang="en-US" smtClean="0"/>
-              <a:t>01-Sep-23</a:t>
             </a:fld>
             <a:endParaRPr lang="en-US"/>
           </a:p>
@@ -8723,18 +8019,12 @@
           <a:p>
             <a:fld id="{6F62A35E-AA3C-401E-9188-485C5B4DB39E}" type="slidenum">
               <a:rPr lang="en-US" smtClean="0"/>
-              <a:t>‹#›</a:t>
             </a:fld>
             <a:endParaRPr lang="en-US"/>
           </a:p>
         </p:txBody>
       </p:sp>
     </p:spTree>
-    <p:extLst>
-      <p:ext uri="{BB962C8B-B14F-4D97-AF65-F5344CB8AC3E}">
-        <p14:creationId xmlns:p14="http://schemas.microsoft.com/office/powerpoint/2010/main" val="1416496233"/>
-      </p:ext>
-    </p:extLst>
   </p:cSld>
   <p:clrMapOvr>
     <a:masterClrMapping/>
@@ -8941,6 +8231,7 @@
               <a:rPr lang="en-US"/>
               <a:t>Click to edit Master text styles</a:t>
             </a:r>
+            <a:endParaRPr lang="en-US"/>
           </a:p>
         </p:txBody>
       </p:sp>
@@ -8961,7 +8252,6 @@
           <a:p>
             <a:fld id="{AE600C65-0EDC-4373-A325-B2EA00E05402}" type="datetimeFigureOut">
               <a:rPr lang="en-US" smtClean="0"/>
-              <a:t>01-Sep-23</a:t>
             </a:fld>
             <a:endParaRPr lang="en-US"/>
           </a:p>
@@ -9003,18 +8293,12 @@
           <a:p>
             <a:fld id="{6F62A35E-AA3C-401E-9188-485C5B4DB39E}" type="slidenum">
               <a:rPr lang="en-US" smtClean="0"/>
-              <a:t>‹#›</a:t>
             </a:fld>
             <a:endParaRPr lang="en-US"/>
           </a:p>
         </p:txBody>
       </p:sp>
     </p:spTree>
-    <p:extLst>
-      <p:ext uri="{BB962C8B-B14F-4D97-AF65-F5344CB8AC3E}">
-        <p14:creationId xmlns:p14="http://schemas.microsoft.com/office/powerpoint/2010/main" val="937865540"/>
-      </p:ext>
-    </p:extLst>
   </p:cSld>
   <p:clrMapOvr>
     <a:masterClrMapping/>
@@ -9053,7 +8337,7 @@
           <p:nvPr/>
         </p:nvPicPr>
         <p:blipFill>
-          <a:blip r:embed="rId19">
+          <a:blip r:embed="rId18">
             <a:alphaModFix amt="30000"/>
             <a:duotone>
               <a:prstClr val="black"/>
@@ -9082,15 +8366,6 @@
             <a:avLst/>
           </a:prstGeom>
           <a:noFill/>
-          <a:extLst>
-            <a:ext uri="{909E8E84-426E-40dd-AFC4-6F175D3DCCD1}">
-              <a14:hiddenFill xmlns:a14="http://schemas.microsoft.com/office/drawing/2010/main" xmlns="">
-                <a:solidFill>
-                  <a:srgbClr val="FFFFFF"/>
-                </a:solidFill>
-              </a14:hiddenFill>
-            </a:ext>
-          </a:extLst>
         </p:spPr>
       </p:pic>
       <p:grpSp>
@@ -9156,18 +8431,6 @@
               <a:ln>
                 <a:noFill/>
               </a:ln>
-              <a:extLst>
-                <a:ext uri="{91240B29-F687-4f45-9708-019B960494DF}">
-                  <a14:hiddenLine xmlns:a14="http://schemas.microsoft.com/office/drawing/2010/main" xmlns="" w="9525">
-                    <a:solidFill>
-                      <a:srgbClr val="000000"/>
-                    </a:solidFill>
-                    <a:miter lim="800000"/>
-                    <a:headEnd/>
-                    <a:tailEnd/>
-                  </a14:hiddenLine>
-                </a:ext>
-              </a:extLst>
             </p:spPr>
           </p:sp>
           <p:sp>
@@ -9246,18 +8509,6 @@
               <a:ln>
                 <a:noFill/>
               </a:ln>
-              <a:extLst>
-                <a:ext uri="{91240B29-F687-4f45-9708-019B960494DF}">
-                  <a14:hiddenLine xmlns:a14="http://schemas.microsoft.com/office/drawing/2010/main" xmlns="" w="9525">
-                    <a:solidFill>
-                      <a:srgbClr val="000000"/>
-                    </a:solidFill>
-                    <a:round/>
-                    <a:headEnd/>
-                    <a:tailEnd/>
-                  </a14:hiddenLine>
-                </a:ext>
-              </a:extLst>
             </p:spPr>
           </p:sp>
           <p:sp>
@@ -9336,18 +8587,6 @@
               <a:ln>
                 <a:noFill/>
               </a:ln>
-              <a:extLst>
-                <a:ext uri="{91240B29-F687-4f45-9708-019B960494DF}">
-                  <a14:hiddenLine xmlns:a14="http://schemas.microsoft.com/office/drawing/2010/main" xmlns="" w="9525">
-                    <a:solidFill>
-                      <a:srgbClr val="000000"/>
-                    </a:solidFill>
-                    <a:round/>
-                    <a:headEnd/>
-                    <a:tailEnd/>
-                  </a14:hiddenLine>
-                </a:ext>
-              </a:extLst>
             </p:spPr>
           </p:sp>
           <p:sp>
@@ -9398,18 +8637,6 @@
               <a:ln>
                 <a:noFill/>
               </a:ln>
-              <a:extLst>
-                <a:ext uri="{91240B29-F687-4f45-9708-019B960494DF}">
-                  <a14:hiddenLine xmlns:a14="http://schemas.microsoft.com/office/drawing/2010/main" xmlns="" w="9525">
-                    <a:solidFill>
-                      <a:srgbClr val="000000"/>
-                    </a:solidFill>
-                    <a:round/>
-                    <a:headEnd/>
-                    <a:tailEnd/>
-                  </a14:hiddenLine>
-                </a:ext>
-              </a:extLst>
             </p:spPr>
           </p:sp>
           <p:sp>
@@ -9488,18 +8715,6 @@
               <a:ln>
                 <a:noFill/>
               </a:ln>
-              <a:extLst>
-                <a:ext uri="{91240B29-F687-4f45-9708-019B960494DF}">
-                  <a14:hiddenLine xmlns:a14="http://schemas.microsoft.com/office/drawing/2010/main" xmlns="" w="9525">
-                    <a:solidFill>
-                      <a:srgbClr val="000000"/>
-                    </a:solidFill>
-                    <a:round/>
-                    <a:headEnd/>
-                    <a:tailEnd/>
-                  </a14:hiddenLine>
-                </a:ext>
-              </a:extLst>
             </p:spPr>
           </p:sp>
           <p:sp>
@@ -9550,18 +8765,6 @@
               <a:ln>
                 <a:noFill/>
               </a:ln>
-              <a:extLst>
-                <a:ext uri="{91240B29-F687-4f45-9708-019B960494DF}">
-                  <a14:hiddenLine xmlns:a14="http://schemas.microsoft.com/office/drawing/2010/main" xmlns="" w="9525">
-                    <a:solidFill>
-                      <a:srgbClr val="000000"/>
-                    </a:solidFill>
-                    <a:round/>
-                    <a:headEnd/>
-                    <a:tailEnd/>
-                  </a14:hiddenLine>
-                </a:ext>
-              </a:extLst>
             </p:spPr>
           </p:sp>
           <p:sp>
@@ -9612,18 +8815,6 @@
               <a:ln>
                 <a:noFill/>
               </a:ln>
-              <a:extLst>
-                <a:ext uri="{91240B29-F687-4f45-9708-019B960494DF}">
-                  <a14:hiddenLine xmlns:a14="http://schemas.microsoft.com/office/drawing/2010/main" xmlns="" w="9525">
-                    <a:solidFill>
-                      <a:srgbClr val="000000"/>
-                    </a:solidFill>
-                    <a:round/>
-                    <a:headEnd/>
-                    <a:tailEnd/>
-                  </a14:hiddenLine>
-                </a:ext>
-              </a:extLst>
             </p:spPr>
           </p:sp>
           <p:sp>
@@ -9702,18 +8893,6 @@
               <a:ln>
                 <a:noFill/>
               </a:ln>
-              <a:extLst>
-                <a:ext uri="{91240B29-F687-4f45-9708-019B960494DF}">
-                  <a14:hiddenLine xmlns:a14="http://schemas.microsoft.com/office/drawing/2010/main" xmlns="" w="9525">
-                    <a:solidFill>
-                      <a:srgbClr val="000000"/>
-                    </a:solidFill>
-                    <a:round/>
-                    <a:headEnd/>
-                    <a:tailEnd/>
-                  </a14:hiddenLine>
-                </a:ext>
-              </a:extLst>
             </p:spPr>
           </p:sp>
           <p:sp>
@@ -9792,18 +8971,6 @@
               <a:ln>
                 <a:noFill/>
               </a:ln>
-              <a:extLst>
-                <a:ext uri="{91240B29-F687-4f45-9708-019B960494DF}">
-                  <a14:hiddenLine xmlns:a14="http://schemas.microsoft.com/office/drawing/2010/main" xmlns="" w="9525">
-                    <a:solidFill>
-                      <a:srgbClr val="000000"/>
-                    </a:solidFill>
-                    <a:round/>
-                    <a:headEnd/>
-                    <a:tailEnd/>
-                  </a14:hiddenLine>
-                </a:ext>
-              </a:extLst>
             </p:spPr>
           </p:sp>
           <p:sp>
@@ -9854,18 +9021,6 @@
               <a:ln>
                 <a:noFill/>
               </a:ln>
-              <a:extLst>
-                <a:ext uri="{91240B29-F687-4f45-9708-019B960494DF}">
-                  <a14:hiddenLine xmlns:a14="http://schemas.microsoft.com/office/drawing/2010/main" xmlns="" w="9525">
-                    <a:solidFill>
-                      <a:srgbClr val="000000"/>
-                    </a:solidFill>
-                    <a:round/>
-                    <a:headEnd/>
-                    <a:tailEnd/>
-                  </a14:hiddenLine>
-                </a:ext>
-              </a:extLst>
             </p:spPr>
           </p:sp>
           <p:sp>
@@ -9964,18 +9119,6 @@
               <a:ln>
                 <a:noFill/>
               </a:ln>
-              <a:extLst>
-                <a:ext uri="{91240B29-F687-4f45-9708-019B960494DF}">
-                  <a14:hiddenLine xmlns:a14="http://schemas.microsoft.com/office/drawing/2010/main" xmlns="" w="9525">
-                    <a:solidFill>
-                      <a:srgbClr val="000000"/>
-                    </a:solidFill>
-                    <a:round/>
-                    <a:headEnd/>
-                    <a:tailEnd/>
-                  </a14:hiddenLine>
-                </a:ext>
-              </a:extLst>
             </p:spPr>
           </p:sp>
           <p:sp>
@@ -10001,8 +9144,6 @@
                 </a:solidFill>
                 <a:prstDash val="solid"/>
                 <a:miter lim="800000"/>
-                <a:headEnd/>
-                <a:tailEnd/>
               </a:ln>
             </p:spPr>
           </p:sp>
@@ -10048,18 +9189,6 @@
               <a:ln>
                 <a:noFill/>
               </a:ln>
-              <a:extLst>
-                <a:ext uri="{91240B29-F687-4f45-9708-019B960494DF}">
-                  <a14:hiddenLine xmlns:a14="http://schemas.microsoft.com/office/drawing/2010/main" xmlns="" w="9525">
-                    <a:solidFill>
-                      <a:srgbClr val="000000"/>
-                    </a:solidFill>
-                    <a:round/>
-                    <a:headEnd/>
-                    <a:tailEnd/>
-                  </a14:hiddenLine>
-                </a:ext>
-              </a:extLst>
             </p:spPr>
           </p:sp>
           <p:sp>
@@ -10110,18 +9239,6 @@
               <a:ln>
                 <a:noFill/>
               </a:ln>
-              <a:extLst>
-                <a:ext uri="{91240B29-F687-4f45-9708-019B960494DF}">
-                  <a14:hiddenLine xmlns:a14="http://schemas.microsoft.com/office/drawing/2010/main" xmlns="" w="9525">
-                    <a:solidFill>
-                      <a:srgbClr val="000000"/>
-                    </a:solidFill>
-                    <a:round/>
-                    <a:headEnd/>
-                    <a:tailEnd/>
-                  </a14:hiddenLine>
-                </a:ext>
-              </a:extLst>
             </p:spPr>
           </p:sp>
           <p:sp>
@@ -10172,18 +9289,6 @@
               <a:ln>
                 <a:noFill/>
               </a:ln>
-              <a:extLst>
-                <a:ext uri="{91240B29-F687-4f45-9708-019B960494DF}">
-                  <a14:hiddenLine xmlns:a14="http://schemas.microsoft.com/office/drawing/2010/main" xmlns="" w="9525">
-                    <a:solidFill>
-                      <a:srgbClr val="000000"/>
-                    </a:solidFill>
-                    <a:round/>
-                    <a:headEnd/>
-                    <a:tailEnd/>
-                  </a14:hiddenLine>
-                </a:ext>
-              </a:extLst>
             </p:spPr>
           </p:sp>
           <p:sp>
@@ -10262,18 +9367,6 @@
               <a:ln>
                 <a:noFill/>
               </a:ln>
-              <a:extLst>
-                <a:ext uri="{91240B29-F687-4f45-9708-019B960494DF}">
-                  <a14:hiddenLine xmlns:a14="http://schemas.microsoft.com/office/drawing/2010/main" xmlns="" w="9525">
-                    <a:solidFill>
-                      <a:srgbClr val="000000"/>
-                    </a:solidFill>
-                    <a:round/>
-                    <a:headEnd/>
-                    <a:tailEnd/>
-                  </a14:hiddenLine>
-                </a:ext>
-              </a:extLst>
             </p:spPr>
           </p:sp>
           <p:sp>
@@ -10296,18 +9389,6 @@
               <a:ln>
                 <a:noFill/>
               </a:ln>
-              <a:extLst>
-                <a:ext uri="{91240B29-F687-4f45-9708-019B960494DF}">
-                  <a14:hiddenLine xmlns:a14="http://schemas.microsoft.com/office/drawing/2010/main" xmlns="" w="9525">
-                    <a:solidFill>
-                      <a:srgbClr val="000000"/>
-                    </a:solidFill>
-                    <a:miter lim="800000"/>
-                    <a:headEnd/>
-                    <a:tailEnd/>
-                  </a14:hiddenLine>
-                </a:ext>
-              </a:extLst>
             </p:spPr>
           </p:sp>
           <p:sp>
@@ -10361,18 +9442,6 @@
               <a:ln>
                 <a:noFill/>
               </a:ln>
-              <a:extLst>
-                <a:ext uri="{91240B29-F687-4f45-9708-019B960494DF}">
-                  <a14:hiddenLine xmlns:a14="http://schemas.microsoft.com/office/drawing/2010/main" xmlns="" w="9525">
-                    <a:solidFill>
-                      <a:srgbClr val="000000"/>
-                    </a:solidFill>
-                    <a:round/>
-                    <a:headEnd/>
-                    <a:tailEnd/>
-                  </a14:hiddenLine>
-                </a:ext>
-              </a:extLst>
             </p:spPr>
           </p:sp>
           <p:sp>
@@ -10451,18 +9520,6 @@
               <a:ln>
                 <a:noFill/>
               </a:ln>
-              <a:extLst>
-                <a:ext uri="{91240B29-F687-4f45-9708-019B960494DF}">
-                  <a14:hiddenLine xmlns:a14="http://schemas.microsoft.com/office/drawing/2010/main" xmlns="" w="9525">
-                    <a:solidFill>
-                      <a:srgbClr val="000000"/>
-                    </a:solidFill>
-                    <a:round/>
-                    <a:headEnd/>
-                    <a:tailEnd/>
-                  </a14:hiddenLine>
-                </a:ext>
-              </a:extLst>
             </p:spPr>
           </p:sp>
           <p:sp>
@@ -10513,18 +9570,6 @@
               <a:ln>
                 <a:noFill/>
               </a:ln>
-              <a:extLst>
-                <a:ext uri="{91240B29-F687-4f45-9708-019B960494DF}">
-                  <a14:hiddenLine xmlns:a14="http://schemas.microsoft.com/office/drawing/2010/main" xmlns="" w="9525">
-                    <a:solidFill>
-                      <a:srgbClr val="000000"/>
-                    </a:solidFill>
-                    <a:round/>
-                    <a:headEnd/>
-                    <a:tailEnd/>
-                  </a14:hiddenLine>
-                </a:ext>
-              </a:extLst>
             </p:spPr>
           </p:sp>
           <p:sp>
@@ -10603,18 +9648,6 @@
               <a:ln>
                 <a:noFill/>
               </a:ln>
-              <a:extLst>
-                <a:ext uri="{91240B29-F687-4f45-9708-019B960494DF}">
-                  <a14:hiddenLine xmlns:a14="http://schemas.microsoft.com/office/drawing/2010/main" xmlns="" w="9525">
-                    <a:solidFill>
-                      <a:srgbClr val="000000"/>
-                    </a:solidFill>
-                    <a:round/>
-                    <a:headEnd/>
-                    <a:tailEnd/>
-                  </a14:hiddenLine>
-                </a:ext>
-              </a:extLst>
             </p:spPr>
           </p:sp>
           <p:sp>
@@ -10668,18 +9701,6 @@
               <a:ln>
                 <a:noFill/>
               </a:ln>
-              <a:extLst>
-                <a:ext uri="{91240B29-F687-4f45-9708-019B960494DF}">
-                  <a14:hiddenLine xmlns:a14="http://schemas.microsoft.com/office/drawing/2010/main" xmlns="" w="9525">
-                    <a:solidFill>
-                      <a:srgbClr val="000000"/>
-                    </a:solidFill>
-                    <a:round/>
-                    <a:headEnd/>
-                    <a:tailEnd/>
-                  </a14:hiddenLine>
-                </a:ext>
-              </a:extLst>
             </p:spPr>
           </p:sp>
           <p:sp>
@@ -10730,18 +9751,6 @@
               <a:ln>
                 <a:noFill/>
               </a:ln>
-              <a:extLst>
-                <a:ext uri="{91240B29-F687-4f45-9708-019B960494DF}">
-                  <a14:hiddenLine xmlns:a14="http://schemas.microsoft.com/office/drawing/2010/main" xmlns="" w="9525">
-                    <a:solidFill>
-                      <a:srgbClr val="000000"/>
-                    </a:solidFill>
-                    <a:round/>
-                    <a:headEnd/>
-                    <a:tailEnd/>
-                  </a14:hiddenLine>
-                </a:ext>
-              </a:extLst>
             </p:spPr>
           </p:sp>
           <p:sp>
@@ -10820,18 +9829,6 @@
               <a:ln>
                 <a:noFill/>
               </a:ln>
-              <a:extLst>
-                <a:ext uri="{91240B29-F687-4f45-9708-019B960494DF}">
-                  <a14:hiddenLine xmlns:a14="http://schemas.microsoft.com/office/drawing/2010/main" xmlns="" w="9525">
-                    <a:solidFill>
-                      <a:srgbClr val="000000"/>
-                    </a:solidFill>
-                    <a:round/>
-                    <a:headEnd/>
-                    <a:tailEnd/>
-                  </a14:hiddenLine>
-                </a:ext>
-              </a:extLst>
             </p:spPr>
           </p:sp>
           <p:sp>
@@ -10910,18 +9907,6 @@
               <a:ln>
                 <a:noFill/>
               </a:ln>
-              <a:extLst>
-                <a:ext uri="{91240B29-F687-4f45-9708-019B960494DF}">
-                  <a14:hiddenLine xmlns:a14="http://schemas.microsoft.com/office/drawing/2010/main" xmlns="" w="9525">
-                    <a:solidFill>
-                      <a:srgbClr val="000000"/>
-                    </a:solidFill>
-                    <a:round/>
-                    <a:headEnd/>
-                    <a:tailEnd/>
-                  </a14:hiddenLine>
-                </a:ext>
-              </a:extLst>
             </p:spPr>
           </p:sp>
           <p:sp>
@@ -10975,18 +9960,6 @@
               <a:ln>
                 <a:noFill/>
               </a:ln>
-              <a:extLst>
-                <a:ext uri="{91240B29-F687-4f45-9708-019B960494DF}">
-                  <a14:hiddenLine xmlns:a14="http://schemas.microsoft.com/office/drawing/2010/main" xmlns="" w="9525">
-                    <a:solidFill>
-                      <a:srgbClr val="000000"/>
-                    </a:solidFill>
-                    <a:round/>
-                    <a:headEnd/>
-                    <a:tailEnd/>
-                  </a14:hiddenLine>
-                </a:ext>
-              </a:extLst>
             </p:spPr>
           </p:sp>
           <p:sp>
@@ -11095,18 +10068,6 @@
               <a:ln>
                 <a:noFill/>
               </a:ln>
-              <a:extLst>
-                <a:ext uri="{91240B29-F687-4f45-9708-019B960494DF}">
-                  <a14:hiddenLine xmlns:a14="http://schemas.microsoft.com/office/drawing/2010/main" xmlns="" w="9525">
-                    <a:solidFill>
-                      <a:srgbClr val="000000"/>
-                    </a:solidFill>
-                    <a:round/>
-                    <a:headEnd/>
-                    <a:tailEnd/>
-                  </a14:hiddenLine>
-                </a:ext>
-              </a:extLst>
             </p:spPr>
           </p:sp>
         </p:grpSp>
@@ -11176,18 +10137,6 @@
               <a:ln>
                 <a:noFill/>
               </a:ln>
-              <a:extLst>
-                <a:ext uri="{91240B29-F687-4f45-9708-019B960494DF}">
-                  <a14:hiddenLine xmlns:a14="http://schemas.microsoft.com/office/drawing/2010/main" xmlns="" w="9525">
-                    <a:solidFill>
-                      <a:srgbClr val="000000"/>
-                    </a:solidFill>
-                    <a:round/>
-                    <a:headEnd/>
-                    <a:tailEnd/>
-                  </a14:hiddenLine>
-                </a:ext>
-              </a:extLst>
             </p:spPr>
           </p:sp>
           <p:sp>
@@ -11291,18 +10240,6 @@
               <a:ln>
                 <a:noFill/>
               </a:ln>
-              <a:extLst>
-                <a:ext uri="{91240B29-F687-4f45-9708-019B960494DF}">
-                  <a14:hiddenLine xmlns:a14="http://schemas.microsoft.com/office/drawing/2010/main" xmlns="" w="9525">
-                    <a:solidFill>
-                      <a:srgbClr val="000000"/>
-                    </a:solidFill>
-                    <a:round/>
-                    <a:headEnd/>
-                    <a:tailEnd/>
-                  </a14:hiddenLine>
-                </a:ext>
-              </a:extLst>
             </p:spPr>
           </p:sp>
           <p:sp>
@@ -11381,18 +10318,6 @@
               <a:ln>
                 <a:noFill/>
               </a:ln>
-              <a:extLst>
-                <a:ext uri="{91240B29-F687-4f45-9708-019B960494DF}">
-                  <a14:hiddenLine xmlns:a14="http://schemas.microsoft.com/office/drawing/2010/main" xmlns="" w="9525">
-                    <a:solidFill>
-                      <a:srgbClr val="000000"/>
-                    </a:solidFill>
-                    <a:round/>
-                    <a:headEnd/>
-                    <a:tailEnd/>
-                  </a14:hiddenLine>
-                </a:ext>
-              </a:extLst>
             </p:spPr>
           </p:sp>
           <p:sp>
@@ -11446,18 +10371,6 @@
               <a:ln>
                 <a:noFill/>
               </a:ln>
-              <a:extLst>
-                <a:ext uri="{91240B29-F687-4f45-9708-019B960494DF}">
-                  <a14:hiddenLine xmlns:a14="http://schemas.microsoft.com/office/drawing/2010/main" xmlns="" w="9525">
-                    <a:solidFill>
-                      <a:srgbClr val="000000"/>
-                    </a:solidFill>
-                    <a:round/>
-                    <a:headEnd/>
-                    <a:tailEnd/>
-                  </a14:hiddenLine>
-                </a:ext>
-              </a:extLst>
             </p:spPr>
           </p:sp>
           <p:sp>
@@ -11536,18 +10449,6 @@
               <a:ln>
                 <a:noFill/>
               </a:ln>
-              <a:extLst>
-                <a:ext uri="{91240B29-F687-4f45-9708-019B960494DF}">
-                  <a14:hiddenLine xmlns:a14="http://schemas.microsoft.com/office/drawing/2010/main" xmlns="" w="9525">
-                    <a:solidFill>
-                      <a:srgbClr val="000000"/>
-                    </a:solidFill>
-                    <a:round/>
-                    <a:headEnd/>
-                    <a:tailEnd/>
-                  </a14:hiddenLine>
-                </a:ext>
-              </a:extLst>
             </p:spPr>
           </p:sp>
           <p:sp>
@@ -11604,18 +10505,6 @@
               <a:ln>
                 <a:noFill/>
               </a:ln>
-              <a:extLst>
-                <a:ext uri="{91240B29-F687-4f45-9708-019B960494DF}">
-                  <a14:hiddenLine xmlns:a14="http://schemas.microsoft.com/office/drawing/2010/main" xmlns="" w="9525">
-                    <a:solidFill>
-                      <a:srgbClr val="000000"/>
-                    </a:solidFill>
-                    <a:round/>
-                    <a:headEnd/>
-                    <a:tailEnd/>
-                  </a14:hiddenLine>
-                </a:ext>
-              </a:extLst>
             </p:spPr>
           </p:sp>
           <p:sp>
@@ -11694,18 +10583,6 @@
               <a:ln>
                 <a:noFill/>
               </a:ln>
-              <a:extLst>
-                <a:ext uri="{91240B29-F687-4f45-9708-019B960494DF}">
-                  <a14:hiddenLine xmlns:a14="http://schemas.microsoft.com/office/drawing/2010/main" xmlns="" w="9525">
-                    <a:solidFill>
-                      <a:srgbClr val="000000"/>
-                    </a:solidFill>
-                    <a:round/>
-                    <a:headEnd/>
-                    <a:tailEnd/>
-                  </a14:hiddenLine>
-                </a:ext>
-              </a:extLst>
             </p:spPr>
           </p:sp>
           <p:sp>
@@ -11762,18 +10639,6 @@
               <a:ln>
                 <a:noFill/>
               </a:ln>
-              <a:extLst>
-                <a:ext uri="{91240B29-F687-4f45-9708-019B960494DF}">
-                  <a14:hiddenLine xmlns:a14="http://schemas.microsoft.com/office/drawing/2010/main" xmlns="" w="9525">
-                    <a:solidFill>
-                      <a:srgbClr val="000000"/>
-                    </a:solidFill>
-                    <a:round/>
-                    <a:headEnd/>
-                    <a:tailEnd/>
-                  </a14:hiddenLine>
-                </a:ext>
-              </a:extLst>
             </p:spPr>
           </p:sp>
           <p:sp>
@@ -11852,18 +10717,6 @@
               <a:ln>
                 <a:noFill/>
               </a:ln>
-              <a:extLst>
-                <a:ext uri="{91240B29-F687-4f45-9708-019B960494DF}">
-                  <a14:hiddenLine xmlns:a14="http://schemas.microsoft.com/office/drawing/2010/main" xmlns="" w="9525">
-                    <a:solidFill>
-                      <a:srgbClr val="000000"/>
-                    </a:solidFill>
-                    <a:round/>
-                    <a:headEnd/>
-                    <a:tailEnd/>
-                  </a14:hiddenLine>
-                </a:ext>
-              </a:extLst>
             </p:spPr>
           </p:sp>
           <p:sp>
@@ -11886,18 +10739,6 @@
               <a:ln>
                 <a:noFill/>
               </a:ln>
-              <a:extLst>
-                <a:ext uri="{91240B29-F687-4f45-9708-019B960494DF}">
-                  <a14:hiddenLine xmlns:a14="http://schemas.microsoft.com/office/drawing/2010/main" xmlns="" w="9525">
-                    <a:solidFill>
-                      <a:srgbClr val="000000"/>
-                    </a:solidFill>
-                    <a:miter lim="800000"/>
-                    <a:headEnd/>
-                    <a:tailEnd/>
-                  </a14:hiddenLine>
-                </a:ext>
-              </a:extLst>
             </p:spPr>
           </p:sp>
         </p:grpSp>
@@ -11961,6 +10802,7 @@
               <a:rPr lang="en-US"/>
               <a:t>Click to edit Master text styles</a:t>
             </a:r>
+            <a:endParaRPr lang="en-US"/>
           </a:p>
           <a:p>
             <a:pPr lvl="1"/>
@@ -11968,6 +10810,7 @@
               <a:rPr lang="en-US"/>
               <a:t>Second level</a:t>
             </a:r>
+            <a:endParaRPr lang="en-US"/>
           </a:p>
           <a:p>
             <a:pPr lvl="2"/>
@@ -11975,6 +10818,7 @@
               <a:rPr lang="en-US"/>
               <a:t>Third level</a:t>
             </a:r>
+            <a:endParaRPr lang="en-US"/>
           </a:p>
           <a:p>
             <a:pPr lvl="3"/>
@@ -11982,6 +10826,7 @@
               <a:rPr lang="en-US"/>
               <a:t>Fourth level</a:t>
             </a:r>
+            <a:endParaRPr lang="en-US"/>
           </a:p>
           <a:p>
             <a:pPr lvl="4"/>
@@ -12028,7 +10873,6 @@
           <a:p>
             <a:fld id="{AE600C65-0EDC-4373-A325-B2EA00E05402}" type="datetimeFigureOut">
               <a:rPr lang="en-US" smtClean="0"/>
-              <a:t>01-Sep-23</a:t>
             </a:fld>
             <a:endParaRPr lang="en-US"/>
           </a:p>
@@ -12106,38 +10950,32 @@
           <a:p>
             <a:fld id="{6F62A35E-AA3C-401E-9188-485C5B4DB39E}" type="slidenum">
               <a:rPr lang="en-US" smtClean="0"/>
-              <a:t>‹#›</a:t>
             </a:fld>
             <a:endParaRPr lang="en-US"/>
           </a:p>
         </p:txBody>
       </p:sp>
     </p:spTree>
-    <p:extLst>
-      <p:ext uri="{BB962C8B-B14F-4D97-AF65-F5344CB8AC3E}">
-        <p14:creationId xmlns:p14="http://schemas.microsoft.com/office/powerpoint/2010/main" val="1522656345"/>
-      </p:ext>
-    </p:extLst>
   </p:cSld>
   <p:clrMap bg1="dk1" tx1="lt1" bg2="dk2" tx2="lt2" accent1="accent1" accent2="accent2" accent3="accent3" accent4="accent4" accent5="accent5" accent6="accent6" hlink="hlink" folHlink="folHlink"/>
   <p:sldLayoutIdLst>
-    <p:sldLayoutId id="2147483816" r:id="rId1"/>
-    <p:sldLayoutId id="2147483817" r:id="rId2"/>
-    <p:sldLayoutId id="2147483818" r:id="rId3"/>
-    <p:sldLayoutId id="2147483819" r:id="rId4"/>
-    <p:sldLayoutId id="2147483820" r:id="rId5"/>
-    <p:sldLayoutId id="2147483821" r:id="rId6"/>
-    <p:sldLayoutId id="2147483822" r:id="rId7"/>
-    <p:sldLayoutId id="2147483823" r:id="rId8"/>
-    <p:sldLayoutId id="2147483824" r:id="rId9"/>
-    <p:sldLayoutId id="2147483825" r:id="rId10"/>
-    <p:sldLayoutId id="2147483826" r:id="rId11"/>
-    <p:sldLayoutId id="2147483827" r:id="rId12"/>
-    <p:sldLayoutId id="2147483828" r:id="rId13"/>
-    <p:sldLayoutId id="2147483829" r:id="rId14"/>
-    <p:sldLayoutId id="2147483830" r:id="rId15"/>
-    <p:sldLayoutId id="2147483831" r:id="rId16"/>
-    <p:sldLayoutId id="2147483832" r:id="rId17"/>
+    <p:sldLayoutId id="2147483649" r:id="rId1"/>
+    <p:sldLayoutId id="2147483650" r:id="rId2"/>
+    <p:sldLayoutId id="2147483651" r:id="rId3"/>
+    <p:sldLayoutId id="2147483652" r:id="rId4"/>
+    <p:sldLayoutId id="2147483653" r:id="rId5"/>
+    <p:sldLayoutId id="2147483654" r:id="rId6"/>
+    <p:sldLayoutId id="2147483655" r:id="rId7"/>
+    <p:sldLayoutId id="2147483656" r:id="rId8"/>
+    <p:sldLayoutId id="2147483657" r:id="rId9"/>
+    <p:sldLayoutId id="2147483658" r:id="rId10"/>
+    <p:sldLayoutId id="2147483659" r:id="rId11"/>
+    <p:sldLayoutId id="2147483660" r:id="rId12"/>
+    <p:sldLayoutId id="2147483661" r:id="rId13"/>
+    <p:sldLayoutId id="2147483662" r:id="rId14"/>
+    <p:sldLayoutId id="2147483663" r:id="rId15"/>
+    <p:sldLayoutId id="2147483664" r:id="rId16"/>
+    <p:sldLayoutId id="2147483665" r:id="rId17"/>
   </p:sldLayoutIdLst>
   <p:txStyles>
     <p:titleStyle>
@@ -12450,13 +11288,7 @@
       </p:grpSpPr>
       <p:sp>
         <p:nvSpPr>
-          <p:cNvPr id="2" name="Title 1">
-            <a:extLst>
-              <a:ext uri="{FF2B5EF4-FFF2-40B4-BE49-F238E27FC236}">
-                <a16:creationId xmlns:a16="http://schemas.microsoft.com/office/drawing/2014/main" id="{174D3E4F-6BC1-5726-0A2B-0F37314C6D2E}"/>
-              </a:ext>
-            </a:extLst>
-          </p:cNvPr>
+          <p:cNvPr id="2" name="Title 1"/>
           <p:cNvSpPr>
             <a:spLocks noGrp="1"/>
           </p:cNvSpPr>
@@ -12466,10 +11298,24 @@
         </p:nvSpPr>
         <p:spPr>
           <a:xfrm>
-            <a:off x="2844611" y="71716"/>
-            <a:ext cx="6855200" cy="1116387"/>
+            <a:off x="3239135" y="610235"/>
+            <a:ext cx="6202045" cy="1116330"/>
           </a:xfrm>
         </p:spPr>
+        <p:style>
+          <a:lnRef idx="0">
+            <a:srgbClr val="FFFFFF"/>
+          </a:lnRef>
+          <a:fillRef idx="2">
+            <a:schemeClr val="accent1"/>
+          </a:fillRef>
+          <a:effectRef idx="0">
+            <a:srgbClr val="FFFFFF"/>
+          </a:effectRef>
+          <a:fontRef idx="minor">
+            <a:schemeClr val="dk1"/>
+          </a:fontRef>
+        </p:style>
         <p:txBody>
           <a:bodyPr>
             <a:normAutofit/>
@@ -12490,30 +11336,127 @@
               </a:rPr>
               <a:t>Data structure</a:t>
             </a:r>
+            <a:endParaRPr lang="en-US" sz="6000" dirty="0">
+              <a:effectLst>
+                <a:outerShdw blurRad="38100" dist="38100" dir="2700000" algn="tl">
+                  <a:srgbClr val="000000">
+                    <a:alpha val="43137"/>
+                  </a:srgbClr>
+                </a:outerShdw>
+              </a:effectLst>
+              <a:latin typeface="Cambria" panose="02040503050406030204" pitchFamily="18" charset="0"/>
+              <a:ea typeface="Cambria" panose="02040503050406030204" pitchFamily="18" charset="0"/>
+            </a:endParaRPr>
           </a:p>
         </p:txBody>
       </p:sp>
       <p:sp>
         <p:nvSpPr>
-          <p:cNvPr id="8" name="TextBox 7">
-            <a:extLst>
-              <a:ext uri="{FF2B5EF4-FFF2-40B4-BE49-F238E27FC236}">
-                <a16:creationId xmlns:a16="http://schemas.microsoft.com/office/drawing/2014/main" id="{ACDD10C7-1A2B-9883-5917-7125503FA683}"/>
-              </a:ext>
-            </a:extLst>
-          </p:cNvPr>
+          <p:cNvPr id="11" name="TextBox 10"/>
           <p:cNvSpPr txBox="1"/>
           <p:nvPr/>
         </p:nvSpPr>
         <p:spPr>
           <a:xfrm>
-            <a:off x="1870988" y="4069080"/>
+            <a:off x="3054648" y="2100286"/>
+            <a:ext cx="6571130" cy="707886"/>
+          </a:xfrm>
+          <a:prstGeom prst="rect">
+            <a:avLst/>
+          </a:prstGeom>
+          <a:gradFill>
+            <a:gsLst>
+              <a:gs pos="0">
+                <a:schemeClr val="accent2">
+                  <a:tint val="58000"/>
+                  <a:satMod val="108000"/>
+                  <a:lumMod val="110000"/>
+                </a:schemeClr>
+              </a:gs>
+              <a:gs pos="100000">
+                <a:schemeClr val="accent2">
+                  <a:tint val="81000"/>
+                  <a:satMod val="109000"/>
+                  <a:lumMod val="105000"/>
+                </a:schemeClr>
+              </a:gs>
+              <a:gs pos="0">
+                <a:srgbClr val="FBFB11"/>
+              </a:gs>
+              <a:gs pos="100000">
+                <a:srgbClr val="838309"/>
+              </a:gs>
+            </a:gsLst>
+            <a:lin scaled="0"/>
+          </a:gradFill>
+        </p:spPr>
+        <p:style>
+          <a:lnRef idx="0">
+            <a:srgbClr val="FFFFFF"/>
+          </a:lnRef>
+          <a:fillRef idx="2">
+            <a:schemeClr val="accent2"/>
+          </a:fillRef>
+          <a:effectRef idx="0">
+            <a:srgbClr val="FFFFFF"/>
+          </a:effectRef>
+          <a:fontRef idx="minor">
+            <a:schemeClr val="dk1"/>
+          </a:fontRef>
+        </p:style>
+        <p:txBody>
+          <a:bodyPr wrap="square" rtlCol="0">
+            <a:spAutoFit/>
+          </a:bodyPr>
+          <a:lstStyle/>
+          <a:p>
+            <a:r>
+              <a:rPr lang="en-US" sz="4000" dirty="0">
+                <a:solidFill>
+                  <a:srgbClr val="FF0000"/>
+                </a:solidFill>
+                <a:latin typeface="Cambria" panose="02040503050406030204" pitchFamily="18" charset="0"/>
+                <a:ea typeface="Cambria" panose="02040503050406030204" pitchFamily="18" charset="0"/>
+              </a:rPr>
+              <a:t>Welcome to our Presentation</a:t>
+            </a:r>
+            <a:endParaRPr lang="en-US" sz="4000" dirty="0">
+              <a:solidFill>
+                <a:srgbClr val="FF0000"/>
+              </a:solidFill>
+              <a:latin typeface="Cambria" panose="02040503050406030204" pitchFamily="18" charset="0"/>
+              <a:ea typeface="Cambria" panose="02040503050406030204" pitchFamily="18" charset="0"/>
+            </a:endParaRPr>
+          </a:p>
+        </p:txBody>
+      </p:sp>
+      <p:sp>
+        <p:nvSpPr>
+          <p:cNvPr id="8" name="TextBox 7"/>
+          <p:cNvSpPr txBox="1"/>
+          <p:nvPr/>
+        </p:nvSpPr>
+        <p:spPr>
+          <a:xfrm>
+            <a:off x="1996083" y="3713480"/>
             <a:ext cx="4449130" cy="1938992"/>
           </a:xfrm>
           <a:prstGeom prst="rect">
             <a:avLst/>
           </a:prstGeom>
           <a:noFill/>
+          <a:ln>
+            <a:gradFill>
+              <a:gsLst>
+                <a:gs pos="0">
+                  <a:srgbClr val="FBFB11"/>
+                </a:gs>
+                <a:gs pos="100000">
+                  <a:srgbClr val="838309"/>
+                </a:gs>
+              </a:gsLst>
+            </a:gradFill>
+          </a:ln>
         </p:spPr>
         <p:txBody>
           <a:bodyPr wrap="square" rtlCol="0">
@@ -12531,6 +11474,13 @@
               </a:rPr>
               <a:t>Presented By:</a:t>
             </a:r>
+            <a:endParaRPr lang="en-US" sz="2000" dirty="0">
+              <a:solidFill>
+                <a:srgbClr val="FFFF00"/>
+              </a:solidFill>
+              <a:latin typeface="Cambria" panose="02040503050406030204" pitchFamily="18" charset="0"/>
+              <a:ea typeface="Cambria" panose="02040503050406030204" pitchFamily="18" charset="0"/>
+            </a:endParaRPr>
           </a:p>
           <a:p>
             <a:r>
@@ -12564,6 +11514,11 @@
               </a:rPr>
               <a:t> Rahman [221-15-5636 </a:t>
             </a:r>
+            <a:endParaRPr lang="en-US" sz="2000" dirty="0">
+              <a:effectLst/>
+              <a:latin typeface="Cambria" panose="02040503050406030204" pitchFamily="18" charset="0"/>
+              <a:ea typeface="Cambria" panose="02040503050406030204" pitchFamily="18" charset="0"/>
+            </a:endParaRPr>
           </a:p>
           <a:p>
             <a:r>
@@ -12581,6 +11536,11 @@
               </a:rPr>
               <a:t>  Md. Tanvir Ahamed [221-15-5864]</a:t>
             </a:r>
+            <a:endParaRPr lang="en-US" sz="2000" dirty="0">
+              <a:effectLst/>
+              <a:latin typeface="Cambria" panose="02040503050406030204" pitchFamily="18" charset="0"/>
+              <a:ea typeface="Cambria" panose="02040503050406030204" pitchFamily="18" charset="0"/>
+            </a:endParaRPr>
           </a:p>
           <a:p>
             <a:r>
@@ -12598,6 +11558,11 @@
               </a:rPr>
               <a:t>  MD Mehedi Hasan [221-15-5976]</a:t>
             </a:r>
+            <a:endParaRPr lang="en-US" sz="2000" dirty="0">
+              <a:effectLst/>
+              <a:latin typeface="Cambria" panose="02040503050406030204" pitchFamily="18" charset="0"/>
+              <a:ea typeface="Cambria" panose="02040503050406030204" pitchFamily="18" charset="0"/>
+            </a:endParaRPr>
           </a:p>
           <a:p>
             <a:r>
@@ -12615,6 +11580,11 @@
               </a:rPr>
               <a:t>  Bibi Aysha Raha [221-15-4709]</a:t>
             </a:r>
+            <a:endParaRPr lang="en-US" sz="2000" dirty="0">
+              <a:effectLst/>
+              <a:latin typeface="Cambria" panose="02040503050406030204" pitchFamily="18" charset="0"/>
+              <a:ea typeface="Cambria" panose="02040503050406030204" pitchFamily="18" charset="0"/>
+            </a:endParaRPr>
           </a:p>
           <a:p>
             <a:r>
@@ -12648,30 +11618,41 @@
               </a:rPr>
               <a:t> Kazi [221-15-5614]</a:t>
             </a:r>
+            <a:endParaRPr lang="en-US" sz="2000" dirty="0">
+              <a:effectLst/>
+              <a:latin typeface="Cambria" panose="02040503050406030204" pitchFamily="18" charset="0"/>
+              <a:ea typeface="Cambria" panose="02040503050406030204" pitchFamily="18" charset="0"/>
+            </a:endParaRPr>
           </a:p>
         </p:txBody>
       </p:sp>
       <p:sp>
         <p:nvSpPr>
-          <p:cNvPr id="10" name="TextBox 9">
-            <a:extLst>
-              <a:ext uri="{FF2B5EF4-FFF2-40B4-BE49-F238E27FC236}">
-                <a16:creationId xmlns:a16="http://schemas.microsoft.com/office/drawing/2014/main" id="{F51B0B61-D581-E67D-2C47-FEED851ED14F}"/>
-              </a:ext>
-            </a:extLst>
-          </p:cNvPr>
+          <p:cNvPr id="10" name="TextBox 9"/>
           <p:cNvSpPr txBox="1"/>
           <p:nvPr/>
         </p:nvSpPr>
         <p:spPr>
           <a:xfrm>
-            <a:off x="7395882" y="4022913"/>
+            <a:off x="7395882" y="3713668"/>
             <a:ext cx="4069976" cy="1015663"/>
           </a:xfrm>
           <a:prstGeom prst="rect">
             <a:avLst/>
           </a:prstGeom>
           <a:noFill/>
+          <a:ln>
+            <a:gradFill>
+              <a:gsLst>
+                <a:gs pos="0">
+                  <a:srgbClr val="FBFB11"/>
+                </a:gs>
+                <a:gs pos="100000">
+                  <a:srgbClr val="838309"/>
+                </a:gs>
+              </a:gsLst>
+            </a:gradFill>
+          </a:ln>
         </p:spPr>
         <p:txBody>
           <a:bodyPr wrap="square" rtlCol="0">
@@ -12689,6 +11670,13 @@
               </a:rPr>
               <a:t>Presented to:</a:t>
             </a:r>
+            <a:endParaRPr lang="en-US" sz="2000" dirty="0">
+              <a:solidFill>
+                <a:srgbClr val="00B0F0"/>
+              </a:solidFill>
+              <a:latin typeface="Cambria" panose="02040503050406030204" pitchFamily="18" charset="0"/>
+              <a:ea typeface="Cambria" panose="02040503050406030204" pitchFamily="18" charset="0"/>
+            </a:endParaRPr>
           </a:p>
           <a:p>
             <a:r>
@@ -12698,6 +11686,10 @@
               </a:rPr>
               <a:t>Indrani Shen Toma</a:t>
             </a:r>
+            <a:endParaRPr lang="en-US" sz="2000" dirty="0">
+              <a:latin typeface="Cambria" panose="02040503050406030204" pitchFamily="18" charset="0"/>
+              <a:ea typeface="Cambria" panose="02040503050406030204" pitchFamily="18" charset="0"/>
+            </a:endParaRPr>
           </a:p>
           <a:p>
             <a:r>
@@ -12707,60 +11699,30 @@
               </a:rPr>
               <a:t>Lecturer, Daffodil Int. University</a:t>
             </a:r>
-          </a:p>
-        </p:txBody>
-      </p:sp>
-      <p:sp>
-        <p:nvSpPr>
-          <p:cNvPr id="11" name="TextBox 10">
-            <a:extLst>
-              <a:ext uri="{FF2B5EF4-FFF2-40B4-BE49-F238E27FC236}">
-                <a16:creationId xmlns:a16="http://schemas.microsoft.com/office/drawing/2014/main" id="{9CD3A082-DBE1-21F9-E0C4-D3777FA7FB40}"/>
-              </a:ext>
-            </a:extLst>
-          </p:cNvPr>
-          <p:cNvSpPr txBox="1"/>
-          <p:nvPr/>
-        </p:nvSpPr>
-        <p:spPr>
-          <a:xfrm>
-            <a:off x="3541058" y="2236176"/>
-            <a:ext cx="6571130" cy="707886"/>
-          </a:xfrm>
-          <a:prstGeom prst="rect">
-            <a:avLst/>
-          </a:prstGeom>
-          <a:noFill/>
-        </p:spPr>
-        <p:txBody>
-          <a:bodyPr wrap="square" rtlCol="0">
-            <a:spAutoFit/>
-          </a:bodyPr>
-          <a:lstStyle/>
-          <a:p>
-            <a:r>
-              <a:rPr lang="en-US" sz="4000" dirty="0">
-                <a:solidFill>
-                  <a:srgbClr val="FF0000"/>
-                </a:solidFill>
-                <a:latin typeface="Cambria" panose="02040503050406030204" pitchFamily="18" charset="0"/>
-                <a:ea typeface="Cambria" panose="02040503050406030204" pitchFamily="18" charset="0"/>
-              </a:rPr>
-              <a:t>Welcome to our Presentation</a:t>
-            </a:r>
+            <a:endParaRPr lang="en-US" sz="2000" dirty="0">
+              <a:latin typeface="Cambria" panose="02040503050406030204" pitchFamily="18" charset="0"/>
+              <a:ea typeface="Cambria" panose="02040503050406030204" pitchFamily="18" charset="0"/>
+            </a:endParaRPr>
           </a:p>
         </p:txBody>
       </p:sp>
     </p:spTree>
-    <p:extLst>
-      <p:ext uri="{BB962C8B-B14F-4D97-AF65-F5344CB8AC3E}">
-        <p14:creationId xmlns:p14="http://schemas.microsoft.com/office/powerpoint/2010/main" val="1162333853"/>
-      </p:ext>
-    </p:extLst>
   </p:cSld>
   <p:clrMapOvr>
     <a:masterClrMapping/>
   </p:clrMapOvr>
+  <mc:AlternateContent xmlns:mc="http://schemas.openxmlformats.org/markup-compatibility/2006" xmlns:p159="http://schemas.microsoft.com/office/powerpoint/2015/09/main">
+    <mc:Choice Requires="p159">
+      <p:transition xmlns:p14="http://schemas.microsoft.com/office/powerpoint/2010/main" spd="slow" p14:dur="2000">
+        <p159:morph option="byObject"/>
+      </p:transition>
+    </mc:Choice>
+    <mc:Fallback>
+      <p:transition spd="slow">
+        <p:fade/>
+      </p:transition>
+    </mc:Fallback>
+  </mc:AlternateContent>
 </p:sld>
 </file>
 
@@ -12783,13 +11745,7 @@
       </p:grpSpPr>
       <p:sp>
         <p:nvSpPr>
-          <p:cNvPr id="3" name="Content Placeholder 2">
-            <a:extLst>
-              <a:ext uri="{FF2B5EF4-FFF2-40B4-BE49-F238E27FC236}">
-                <a16:creationId xmlns:a16="http://schemas.microsoft.com/office/drawing/2014/main" id="{271C9DF0-2216-CA90-FB15-E3E5EAA557EC}"/>
-              </a:ext>
-            </a:extLst>
-          </p:cNvPr>
+          <p:cNvPr id="3" name="Content Placeholder 2"/>
           <p:cNvSpPr>
             <a:spLocks noGrp="1"/>
           </p:cNvSpPr>
@@ -12797,7 +11753,24 @@
             <p:ph idx="1"/>
           </p:nvPr>
         </p:nvSpPr>
-        <p:spPr/>
+        <p:spPr>
+          <a:xfrm>
+            <a:off x="3044825" y="2470150"/>
+            <a:ext cx="6329045" cy="1426210"/>
+          </a:xfrm>
+          <a:ln>
+            <a:gradFill>
+              <a:gsLst>
+                <a:gs pos="0">
+                  <a:srgbClr val="FBFB11"/>
+                </a:gs>
+                <a:gs pos="100000">
+                  <a:srgbClr val="838309"/>
+                </a:gs>
+              </a:gsLst>
+            </a:gradFill>
+          </a:ln>
+        </p:spPr>
         <p:txBody>
           <a:bodyPr>
             <a:normAutofit/>
@@ -12817,19 +11790,33 @@
               </a:rPr>
               <a:t>Thank You</a:t>
             </a:r>
+            <a:endParaRPr lang="en-US" sz="6600" dirty="0">
+              <a:solidFill>
+                <a:srgbClr val="FFFF00"/>
+              </a:solidFill>
+              <a:latin typeface="Cambria" panose="02040503050406030204" pitchFamily="18" charset="0"/>
+              <a:ea typeface="Cambria" panose="02040503050406030204" pitchFamily="18" charset="0"/>
+            </a:endParaRPr>
           </a:p>
         </p:txBody>
       </p:sp>
     </p:spTree>
-    <p:extLst>
-      <p:ext uri="{BB962C8B-B14F-4D97-AF65-F5344CB8AC3E}">
-        <p14:creationId xmlns:p14="http://schemas.microsoft.com/office/powerpoint/2010/main" val="2896370100"/>
-      </p:ext>
-    </p:extLst>
   </p:cSld>
   <p:clrMapOvr>
     <a:masterClrMapping/>
   </p:clrMapOvr>
+  <mc:AlternateContent xmlns:mc="http://schemas.openxmlformats.org/markup-compatibility/2006">
+    <mc:Choice xmlns:p15="http://schemas.microsoft.com/office/powerpoint/2012/main" Requires="p15">
+      <p:transition xmlns:p14="http://schemas.microsoft.com/office/powerpoint/2010/main" spd="slow" Requires="p14" p14:dur="1250">
+        <p15:prstTrans prst="airplane"/>
+      </p:transition>
+    </mc:Choice>
+    <mc:Fallback>
+      <p:transition spd="slow">
+        <p:fade/>
+      </p:transition>
+    </mc:Fallback>
+  </mc:AlternateContent>
 </p:sld>
 </file>
 
@@ -12852,13 +11839,7 @@
       </p:grpSpPr>
       <p:sp>
         <p:nvSpPr>
-          <p:cNvPr id="3" name="Content Placeholder 2">
-            <a:extLst>
-              <a:ext uri="{FF2B5EF4-FFF2-40B4-BE49-F238E27FC236}">
-                <a16:creationId xmlns:a16="http://schemas.microsoft.com/office/drawing/2014/main" id="{1B5215F8-0C21-2784-A785-08DCC0927988}"/>
-              </a:ext>
-            </a:extLst>
-          </p:cNvPr>
+          <p:cNvPr id="3" name="Content Placeholder 2"/>
           <p:cNvSpPr>
             <a:spLocks noGrp="1"/>
           </p:cNvSpPr>
@@ -12871,6 +11852,18 @@
             <a:off x="1143000" y="743415"/>
             <a:ext cx="9905999" cy="5442231"/>
           </a:xfrm>
+          <a:ln>
+            <a:gradFill>
+              <a:gsLst>
+                <a:gs pos="0">
+                  <a:srgbClr val="FBFB11"/>
+                </a:gs>
+                <a:gs pos="100000">
+                  <a:srgbClr val="838309"/>
+                </a:gs>
+              </a:gsLst>
+            </a:gradFill>
+          </a:ln>
         </p:spPr>
         <p:txBody>
           <a:bodyPr>
@@ -12882,7 +11875,7 @@
               <a:buNone/>
             </a:pPr>
             <a:r>
-              <a:rPr lang="en-US" sz="3600" b="1" dirty="0">
+              <a:rPr lang="en-US" sz="4400" b="1" dirty="0">
                 <a:effectLst>
                   <a:outerShdw blurRad="38100" dist="38100" dir="2700000" algn="tl">
                     <a:srgbClr val="000000">
@@ -12895,13 +11888,24 @@
               </a:rPr>
               <a:t>Topic : Stack Expression</a:t>
             </a:r>
+            <a:endParaRPr lang="en-US" sz="4400" b="1" dirty="0">
+              <a:effectLst>
+                <a:outerShdw blurRad="38100" dist="38100" dir="2700000" algn="tl">
+                  <a:srgbClr val="000000">
+                    <a:alpha val="43137"/>
+                  </a:srgbClr>
+                </a:outerShdw>
+              </a:effectLst>
+              <a:latin typeface="Cambria" panose="02040503050406030204" pitchFamily="18" charset="0"/>
+              <a:ea typeface="Cambria" panose="02040503050406030204" pitchFamily="18" charset="0"/>
+            </a:endParaRPr>
           </a:p>
           <a:p>
             <a:pPr marL="0" indent="0">
               <a:buNone/>
             </a:pPr>
             <a:r>
-              <a:rPr lang="en-US" dirty="0">
+              <a:rPr lang="en-US" sz="3200" dirty="0">
                 <a:solidFill>
                   <a:srgbClr val="FFFF00"/>
                 </a:solidFill>
@@ -12910,82 +11914,155 @@
               </a:rPr>
               <a:t>Content:</a:t>
             </a:r>
-          </a:p>
-          <a:p>
+            <a:endParaRPr lang="en-US" sz="3200" dirty="0">
+              <a:solidFill>
+                <a:srgbClr val="FFFF00"/>
+              </a:solidFill>
+              <a:latin typeface="Cambria" panose="02040503050406030204" pitchFamily="18" charset="0"/>
+              <a:ea typeface="Cambria" panose="02040503050406030204" pitchFamily="18" charset="0"/>
+            </a:endParaRPr>
+          </a:p>
+          <a:p>
+            <a:pPr lvl="1"/>
             <a:r>
-              <a:rPr lang="en-US" dirty="0">
+              <a:rPr lang="en-US" sz="2800" dirty="0">
                 <a:latin typeface="Cambria" panose="02040503050406030204" pitchFamily="18" charset="0"/>
                 <a:ea typeface="Cambria" panose="02040503050406030204" pitchFamily="18" charset="0"/>
               </a:rPr>
               <a:t>Types of expression</a:t>
             </a:r>
-          </a:p>
-          <a:p>
+            <a:endParaRPr lang="en-US" sz="2800" dirty="0">
+              <a:latin typeface="Cambria" panose="02040503050406030204" pitchFamily="18" charset="0"/>
+              <a:ea typeface="Cambria" panose="02040503050406030204" pitchFamily="18" charset="0"/>
+            </a:endParaRPr>
+          </a:p>
+          <a:p>
+            <a:pPr lvl="1">
+              <a:lnSpc>
+                <a:spcPct val="50000"/>
+              </a:lnSpc>
+            </a:pPr>
             <a:r>
-              <a:rPr lang="en-US" dirty="0">
+              <a:rPr lang="en-US" sz="2800" dirty="0">
                 <a:latin typeface="Cambria" panose="02040503050406030204" pitchFamily="18" charset="0"/>
                 <a:ea typeface="Cambria" panose="02040503050406030204" pitchFamily="18" charset="0"/>
               </a:rPr>
               <a:t>Infix to Postfix</a:t>
             </a:r>
-          </a:p>
-          <a:p>
+            <a:endParaRPr lang="en-US" sz="2800" dirty="0">
+              <a:latin typeface="Cambria" panose="02040503050406030204" pitchFamily="18" charset="0"/>
+              <a:ea typeface="Cambria" panose="02040503050406030204" pitchFamily="18" charset="0"/>
+            </a:endParaRPr>
+          </a:p>
+          <a:p>
+            <a:pPr lvl="1">
+              <a:lnSpc>
+                <a:spcPct val="60000"/>
+              </a:lnSpc>
+            </a:pPr>
             <a:r>
-              <a:rPr lang="en-US" dirty="0">
+              <a:rPr lang="en-US" sz="2800" dirty="0">
                 <a:latin typeface="Cambria" panose="02040503050406030204" pitchFamily="18" charset="0"/>
                 <a:ea typeface="Cambria" panose="02040503050406030204" pitchFamily="18" charset="0"/>
               </a:rPr>
               <a:t>Postfix to Infix</a:t>
             </a:r>
-          </a:p>
-          <a:p>
+            <a:endParaRPr lang="en-US" sz="2800" dirty="0">
+              <a:latin typeface="Cambria" panose="02040503050406030204" pitchFamily="18" charset="0"/>
+              <a:ea typeface="Cambria" panose="02040503050406030204" pitchFamily="18" charset="0"/>
+            </a:endParaRPr>
+          </a:p>
+          <a:p>
+            <a:pPr lvl="1">
+              <a:lnSpc>
+                <a:spcPct val="60000"/>
+              </a:lnSpc>
+            </a:pPr>
             <a:r>
-              <a:rPr lang="en-US" dirty="0">
+              <a:rPr lang="en-US" sz="2800" dirty="0">
                 <a:latin typeface="Cambria" panose="02040503050406030204" pitchFamily="18" charset="0"/>
                 <a:ea typeface="Cambria" panose="02040503050406030204" pitchFamily="18" charset="0"/>
               </a:rPr>
               <a:t>Infix to Prefix</a:t>
             </a:r>
-          </a:p>
-          <a:p>
+            <a:endParaRPr lang="en-US" sz="2800" dirty="0">
+              <a:latin typeface="Cambria" panose="02040503050406030204" pitchFamily="18" charset="0"/>
+              <a:ea typeface="Cambria" panose="02040503050406030204" pitchFamily="18" charset="0"/>
+            </a:endParaRPr>
+          </a:p>
+          <a:p>
+            <a:pPr lvl="1">
+              <a:lnSpc>
+                <a:spcPct val="70000"/>
+              </a:lnSpc>
+            </a:pPr>
             <a:r>
-              <a:rPr lang="en-US" dirty="0">
+              <a:rPr lang="en-US" sz="2800" dirty="0">
                 <a:latin typeface="Cambria" panose="02040503050406030204" pitchFamily="18" charset="0"/>
                 <a:ea typeface="Cambria" panose="02040503050406030204" pitchFamily="18" charset="0"/>
               </a:rPr>
               <a:t>Prefix to Infix</a:t>
             </a:r>
-          </a:p>
-          <a:p>
+            <a:endParaRPr lang="en-US" sz="2800" dirty="0">
+              <a:latin typeface="Cambria" panose="02040503050406030204" pitchFamily="18" charset="0"/>
+              <a:ea typeface="Cambria" panose="02040503050406030204" pitchFamily="18" charset="0"/>
+            </a:endParaRPr>
+          </a:p>
+          <a:p>
+            <a:pPr lvl="1">
+              <a:lnSpc>
+                <a:spcPct val="70000"/>
+              </a:lnSpc>
+            </a:pPr>
             <a:r>
-              <a:rPr lang="en-US" dirty="0">
+              <a:rPr lang="en-US" sz="2800" dirty="0">
                 <a:latin typeface="Cambria" panose="02040503050406030204" pitchFamily="18" charset="0"/>
                 <a:ea typeface="Cambria" panose="02040503050406030204" pitchFamily="18" charset="0"/>
               </a:rPr>
               <a:t>Prefix to Postfix</a:t>
             </a:r>
-          </a:p>
-          <a:p>
+            <a:endParaRPr lang="en-US" sz="2800" dirty="0">
+              <a:latin typeface="Cambria" panose="02040503050406030204" pitchFamily="18" charset="0"/>
+              <a:ea typeface="Cambria" panose="02040503050406030204" pitchFamily="18" charset="0"/>
+            </a:endParaRPr>
+          </a:p>
+          <a:p>
+            <a:pPr lvl="1">
+              <a:lnSpc>
+                <a:spcPct val="60000"/>
+              </a:lnSpc>
+            </a:pPr>
             <a:r>
-              <a:rPr lang="en-US" dirty="0">
+              <a:rPr lang="en-US" sz="2800" dirty="0">
                 <a:latin typeface="Cambria" panose="02040503050406030204" pitchFamily="18" charset="0"/>
                 <a:ea typeface="Cambria" panose="02040503050406030204" pitchFamily="18" charset="0"/>
               </a:rPr>
               <a:t>Postfix to Prefix</a:t>
             </a:r>
+            <a:endParaRPr lang="en-US" sz="2800" dirty="0">
+              <a:latin typeface="Cambria" panose="02040503050406030204" pitchFamily="18" charset="0"/>
+              <a:ea typeface="Cambria" panose="02040503050406030204" pitchFamily="18" charset="0"/>
+            </a:endParaRPr>
           </a:p>
         </p:txBody>
       </p:sp>
     </p:spTree>
-    <p:extLst>
-      <p:ext uri="{BB962C8B-B14F-4D97-AF65-F5344CB8AC3E}">
-        <p14:creationId xmlns:p14="http://schemas.microsoft.com/office/powerpoint/2010/main" val="2052417304"/>
-      </p:ext>
-    </p:extLst>
   </p:cSld>
   <p:clrMapOvr>
     <a:masterClrMapping/>
   </p:clrMapOvr>
+  <mc:AlternateContent xmlns:mc="http://schemas.openxmlformats.org/markup-compatibility/2006">
+    <mc:Choice xmlns:p14="http://schemas.microsoft.com/office/powerpoint/2010/main" Requires="p14">
+      <p:transition spd="slow" p14:dur="1000">
+        <p:wheel spokes="8"/>
+      </p:transition>
+    </mc:Choice>
+    <mc:Fallback>
+      <p:transition spd="slow">
+        <p:wheel spokes="8"/>
+      </p:transition>
+    </mc:Fallback>
+  </mc:AlternateContent>
 </p:sld>
 </file>
 
@@ -13008,13 +12085,7 @@
       </p:grpSpPr>
       <p:sp>
         <p:nvSpPr>
-          <p:cNvPr id="3" name="Content Placeholder 2">
-            <a:extLst>
-              <a:ext uri="{FF2B5EF4-FFF2-40B4-BE49-F238E27FC236}">
-                <a16:creationId xmlns:a16="http://schemas.microsoft.com/office/drawing/2014/main" id="{213A5851-F7A1-C0A9-1B76-8D7C0A037EB8}"/>
-              </a:ext>
-            </a:extLst>
-          </p:cNvPr>
+          <p:cNvPr id="3" name="Content Placeholder 2"/>
           <p:cNvSpPr>
             <a:spLocks noGrp="1"/>
           </p:cNvSpPr>
@@ -13027,6 +12098,18 @@
             <a:off x="1141412" y="779929"/>
             <a:ext cx="9905999" cy="5011272"/>
           </a:xfrm>
+          <a:ln>
+            <a:gradFill>
+              <a:gsLst>
+                <a:gs pos="0">
+                  <a:srgbClr val="FBFB11"/>
+                </a:gs>
+                <a:gs pos="100000">
+                  <a:srgbClr val="838309"/>
+                </a:gs>
+              </a:gsLst>
+            </a:gradFill>
+          </a:ln>
         </p:spPr>
         <p:txBody>
           <a:bodyPr>
@@ -13050,67 +12133,80 @@
               </a:rPr>
               <a:t>There are 3 types of expression:</a:t>
             </a:r>
+            <a:endParaRPr lang="en-US" sz="2800" dirty="0">
+              <a:solidFill>
+                <a:srgbClr val="FFFF00"/>
+              </a:solidFill>
+              <a:latin typeface="Cambria" panose="02040503050406030204" pitchFamily="18" charset="0"/>
+              <a:ea typeface="Cambria" panose="02040503050406030204" pitchFamily="18" charset="0"/>
+            </a:endParaRPr>
           </a:p>
           <a:p>
             <a:pPr>
               <a:lnSpc>
-                <a:spcPct val="100000"/>
+                <a:spcPct val="80000"/>
               </a:lnSpc>
             </a:pPr>
             <a:r>
-              <a:rPr lang="en-US" sz="2000" dirty="0">
+              <a:rPr lang="en-US" dirty="0">
                 <a:latin typeface="Cambria" panose="02040503050406030204" pitchFamily="18" charset="0"/>
                 <a:ea typeface="Cambria" panose="02040503050406030204" pitchFamily="18" charset="0"/>
               </a:rPr>
-              <a:t>Infix</a:t>
+              <a:t>Infix </a:t>
             </a:r>
+            <a:endParaRPr lang="en-US" dirty="0">
+              <a:latin typeface="Cambria" panose="02040503050406030204" pitchFamily="18" charset="0"/>
+              <a:ea typeface="Cambria" panose="02040503050406030204" pitchFamily="18" charset="0"/>
+            </a:endParaRPr>
           </a:p>
           <a:p>
             <a:pPr>
               <a:lnSpc>
-                <a:spcPct val="100000"/>
+                <a:spcPct val="80000"/>
               </a:lnSpc>
             </a:pPr>
             <a:r>
-              <a:rPr lang="en-US" sz="2000" dirty="0">
+              <a:rPr lang="en-US" dirty="0">
                 <a:latin typeface="Cambria" panose="02040503050406030204" pitchFamily="18" charset="0"/>
                 <a:ea typeface="Cambria" panose="02040503050406030204" pitchFamily="18" charset="0"/>
               </a:rPr>
               <a:t>Postfix</a:t>
             </a:r>
+            <a:endParaRPr lang="en-US" dirty="0">
+              <a:latin typeface="Cambria" panose="02040503050406030204" pitchFamily="18" charset="0"/>
+              <a:ea typeface="Cambria" panose="02040503050406030204" pitchFamily="18" charset="0"/>
+            </a:endParaRPr>
           </a:p>
           <a:p>
             <a:pPr>
               <a:lnSpc>
-                <a:spcPct val="100000"/>
+                <a:spcPct val="80000"/>
               </a:lnSpc>
             </a:pPr>
             <a:r>
-              <a:rPr lang="en-US" sz="2000" dirty="0">
+              <a:rPr lang="en-US" dirty="0">
                 <a:latin typeface="Cambria" panose="02040503050406030204" pitchFamily="18" charset="0"/>
                 <a:ea typeface="Cambria" panose="02040503050406030204" pitchFamily="18" charset="0"/>
               </a:rPr>
               <a:t>Prefix</a:t>
             </a:r>
+            <a:endParaRPr lang="en-US" dirty="0">
+              <a:latin typeface="Cambria" panose="02040503050406030204" pitchFamily="18" charset="0"/>
+              <a:ea typeface="Cambria" panose="02040503050406030204" pitchFamily="18" charset="0"/>
+            </a:endParaRPr>
           </a:p>
         </p:txBody>
       </p:sp>
       <p:pic>
         <p:nvPicPr>
-          <p:cNvPr id="5" name="Picture 4">
-            <a:extLst>
-              <a:ext uri="{FF2B5EF4-FFF2-40B4-BE49-F238E27FC236}">
-                <a16:creationId xmlns:a16="http://schemas.microsoft.com/office/drawing/2014/main" id="{2AA2C4CA-6594-B880-F9A9-C58E4BADD833}"/>
-              </a:ext>
-            </a:extLst>
-          </p:cNvPr>
+          <p:cNvPr id="5" name="Picture 4"/>
           <p:cNvPicPr>
             <a:picLocks noChangeAspect="1"/>
           </p:cNvPicPr>
           <p:nvPr/>
         </p:nvPicPr>
         <p:blipFill>
-          <a:blip r:embed="rId2">
+          <a:blip r:embed="rId1">
             <a:extLst>
               <a:ext uri="{28A0092B-C50C-407E-A947-70E740481C1C}">
                 <a14:useLocalDpi xmlns:a14="http://schemas.microsoft.com/office/drawing/2010/main" val="0"/>
@@ -13123,8 +12219,8 @@
         </p:blipFill>
         <p:spPr>
           <a:xfrm>
-            <a:off x="1235444" y="2747683"/>
-            <a:ext cx="9560954" cy="2084804"/>
+            <a:off x="1821815" y="2957195"/>
+            <a:ext cx="8544560" cy="1863090"/>
           </a:xfrm>
           <a:prstGeom prst="rect">
             <a:avLst/>
@@ -13132,15 +12228,22 @@
         </p:spPr>
       </p:pic>
     </p:spTree>
-    <p:extLst>
-      <p:ext uri="{BB962C8B-B14F-4D97-AF65-F5344CB8AC3E}">
-        <p14:creationId xmlns:p14="http://schemas.microsoft.com/office/powerpoint/2010/main" val="1393389245"/>
-      </p:ext>
-    </p:extLst>
   </p:cSld>
   <p:clrMapOvr>
     <a:masterClrMapping/>
   </p:clrMapOvr>
+  <mc:AlternateContent xmlns:mc="http://schemas.openxmlformats.org/markup-compatibility/2006">
+    <mc:Choice xmlns:p14="http://schemas.microsoft.com/office/powerpoint/2010/main" Requires="p14">
+      <p:transition spd="slow" p14:dur="1000">
+        <p:wedge/>
+      </p:transition>
+    </mc:Choice>
+    <mc:Fallback>
+      <p:transition spd="slow">
+        <p:wedge/>
+      </p:transition>
+    </mc:Fallback>
+  </mc:AlternateContent>
 </p:sld>
 </file>
 
@@ -13163,13 +12266,7 @@
       </p:grpSpPr>
       <p:sp>
         <p:nvSpPr>
-          <p:cNvPr id="2" name="Title 1">
-            <a:extLst>
-              <a:ext uri="{FF2B5EF4-FFF2-40B4-BE49-F238E27FC236}">
-                <a16:creationId xmlns:a16="http://schemas.microsoft.com/office/drawing/2014/main" id="{E265D643-87EA-BC15-F25C-B4E0E3A586B8}"/>
-              </a:ext>
-            </a:extLst>
-          </p:cNvPr>
+          <p:cNvPr id="2" name="Title 1"/>
           <p:cNvSpPr>
             <a:spLocks noGrp="1"/>
           </p:cNvSpPr>
@@ -13204,18 +12301,23 @@
               </a:rPr>
               <a:t>Infix to postfix</a:t>
             </a:r>
+            <a:endParaRPr lang="en-US" sz="6000" dirty="0">
+              <a:effectLst>
+                <a:outerShdw blurRad="38100" dist="38100" dir="2700000" algn="tl">
+                  <a:srgbClr val="000000">
+                    <a:alpha val="43137"/>
+                  </a:srgbClr>
+                </a:outerShdw>
+              </a:effectLst>
+              <a:latin typeface="Cambria" panose="02040503050406030204" pitchFamily="18" charset="0"/>
+              <a:ea typeface="Cambria" panose="02040503050406030204" pitchFamily="18" charset="0"/>
+            </a:endParaRPr>
           </a:p>
         </p:txBody>
       </p:sp>
       <p:sp>
         <p:nvSpPr>
-          <p:cNvPr id="9" name="Content Placeholder 8">
-            <a:extLst>
-              <a:ext uri="{FF2B5EF4-FFF2-40B4-BE49-F238E27FC236}">
-                <a16:creationId xmlns:a16="http://schemas.microsoft.com/office/drawing/2014/main" id="{5221C61A-8E76-6A29-8DE7-49FB280AB6A8}"/>
-              </a:ext>
-            </a:extLst>
-          </p:cNvPr>
+          <p:cNvPr id="9" name="Content Placeholder 8"/>
           <p:cNvSpPr>
             <a:spLocks noGrp="1"/>
           </p:cNvSpPr>
@@ -13246,6 +12348,13 @@
               </a:rPr>
               <a:t>Infix : (A+B) * (C/D-E)</a:t>
             </a:r>
+            <a:endParaRPr lang="en-US" dirty="0">
+              <a:solidFill>
+                <a:srgbClr val="FFFF00"/>
+              </a:solidFill>
+              <a:latin typeface="Cambria" panose="02040503050406030204" pitchFamily="18" charset="0"/>
+              <a:ea typeface="Cambria" panose="02040503050406030204" pitchFamily="18" charset="0"/>
+            </a:endParaRPr>
           </a:p>
           <a:p>
             <a:pPr marL="0" indent="0">
@@ -13263,23 +12372,11 @@
       </p:sp>
       <p:graphicFrame>
         <p:nvGraphicFramePr>
-          <p:cNvPr id="10" name="Table 10">
-            <a:extLst>
-              <a:ext uri="{FF2B5EF4-FFF2-40B4-BE49-F238E27FC236}">
-                <a16:creationId xmlns:a16="http://schemas.microsoft.com/office/drawing/2014/main" id="{82BD916A-8E5A-9C71-B6A3-97373326CE4A}"/>
-              </a:ext>
-            </a:extLst>
-          </p:cNvPr>
+          <p:cNvPr id="10" name="Table 10"/>
           <p:cNvGraphicFramePr>
             <a:graphicFrameLocks noGrp="1"/>
           </p:cNvGraphicFramePr>
-          <p:nvPr>
-            <p:extLst>
-              <p:ext uri="{D42A27DB-BD31-4B8C-83A1-F6EECF244321}">
-                <p14:modId xmlns:p14="http://schemas.microsoft.com/office/powerpoint/2010/main" val="1645194361"/>
-              </p:ext>
-            </p:extLst>
-          </p:nvPr>
+          <p:nvPr/>
         </p:nvGraphicFramePr>
         <p:xfrm>
           <a:off x="4486745" y="1164759"/>
@@ -13292,27 +12389,9 @@
                 <a:tableStyleId>{073A0DAA-6AF3-43AB-8588-CEC1D06C72B9}</a:tableStyleId>
               </a:tblPr>
               <a:tblGrid>
-                <a:gridCol w="1941755">
-                  <a:extLst>
-                    <a:ext uri="{9D8B030D-6E8A-4147-A177-3AD203B41FA5}">
-                      <a16:colId xmlns:a16="http://schemas.microsoft.com/office/drawing/2014/main" val="1243762914"/>
-                    </a:ext>
-                  </a:extLst>
-                </a:gridCol>
-                <a:gridCol w="1941755">
-                  <a:extLst>
-                    <a:ext uri="{9D8B030D-6E8A-4147-A177-3AD203B41FA5}">
-                      <a16:colId xmlns:a16="http://schemas.microsoft.com/office/drawing/2014/main" val="114464436"/>
-                    </a:ext>
-                  </a:extLst>
-                </a:gridCol>
-                <a:gridCol w="2678744">
-                  <a:extLst>
-                    <a:ext uri="{9D8B030D-6E8A-4147-A177-3AD203B41FA5}">
-                      <a16:colId xmlns:a16="http://schemas.microsoft.com/office/drawing/2014/main" val="2195337335"/>
-                    </a:ext>
-                  </a:extLst>
-                </a:gridCol>
+                <a:gridCol w="1941755"/>
+                <a:gridCol w="1941755"/>
+                <a:gridCol w="2678744"/>
               </a:tblGrid>
               <a:tr h="294086">
                 <a:tc>
@@ -13322,12 +12401,16 @@
                     <a:p>
                       <a:pPr algn="ctr"/>
                       <a:r>
-                        <a:rPr lang="en-US" dirty="0">
+                        <a:rPr lang="en-US" sz="1800" dirty="0">
                           <a:latin typeface="Cambria" panose="02040503050406030204" pitchFamily="18" charset="0"/>
                           <a:ea typeface="Cambria" panose="02040503050406030204" pitchFamily="18" charset="0"/>
                         </a:rPr>
                         <a:t>Symbol</a:t>
                       </a:r>
+                      <a:endParaRPr lang="en-US" sz="1800" dirty="0">
+                        <a:latin typeface="Cambria" panose="02040503050406030204" pitchFamily="18" charset="0"/>
+                        <a:ea typeface="Cambria" panose="02040503050406030204" pitchFamily="18" charset="0"/>
+                      </a:endParaRPr>
                     </a:p>
                   </a:txBody>
                   <a:tcPr/>
@@ -13338,12 +12421,16 @@
                     <a:lstStyle/>
                     <a:p>
                       <a:r>
-                        <a:rPr lang="en-US" dirty="0">
+                        <a:rPr lang="en-US" sz="1800" dirty="0">
                           <a:latin typeface="Cambria" panose="02040503050406030204" pitchFamily="18" charset="0"/>
                           <a:ea typeface="Cambria" panose="02040503050406030204" pitchFamily="18" charset="0"/>
                         </a:rPr>
                         <a:t>Stack</a:t>
                       </a:r>
+                      <a:endParaRPr lang="en-US" sz="1800" dirty="0">
+                        <a:latin typeface="Cambria" panose="02040503050406030204" pitchFamily="18" charset="0"/>
+                        <a:ea typeface="Cambria" panose="02040503050406030204" pitchFamily="18" charset="0"/>
+                      </a:endParaRPr>
                     </a:p>
                   </a:txBody>
                   <a:tcPr/>
@@ -13354,21 +12441,20 @@
                     <a:lstStyle/>
                     <a:p>
                       <a:r>
-                        <a:rPr lang="en-US" dirty="0">
+                        <a:rPr lang="en-US" sz="1800" dirty="0">
                           <a:latin typeface="Cambria" panose="02040503050406030204" pitchFamily="18" charset="0"/>
                           <a:ea typeface="Cambria" panose="02040503050406030204" pitchFamily="18" charset="0"/>
                         </a:rPr>
                         <a:t>Expression</a:t>
                       </a:r>
+                      <a:endParaRPr lang="en-US" sz="1800" dirty="0">
+                        <a:latin typeface="Cambria" panose="02040503050406030204" pitchFamily="18" charset="0"/>
+                        <a:ea typeface="Cambria" panose="02040503050406030204" pitchFamily="18" charset="0"/>
+                      </a:endParaRPr>
                     </a:p>
                   </a:txBody>
                   <a:tcPr/>
                 </a:tc>
-                <a:extLst>
-                  <a:ext uri="{0D108BD9-81ED-4DB2-BD59-A6C34878D82A}">
-                    <a16:rowId xmlns:a16="http://schemas.microsoft.com/office/drawing/2014/main" val="3202657736"/>
-                  </a:ext>
-                </a:extLst>
               </a:tr>
               <a:tr h="294086">
                 <a:tc>
@@ -13378,12 +12464,16 @@
                     <a:p>
                       <a:pPr algn="ctr"/>
                       <a:r>
-                        <a:rPr lang="en-US" dirty="0">
+                        <a:rPr lang="en-US" sz="1800" dirty="0">
                           <a:latin typeface="Cambria" panose="02040503050406030204" pitchFamily="18" charset="0"/>
                           <a:ea typeface="Cambria" panose="02040503050406030204" pitchFamily="18" charset="0"/>
                         </a:rPr>
                         <a:t>(</a:t>
                       </a:r>
+                      <a:endParaRPr lang="en-US" sz="1800" dirty="0">
+                        <a:latin typeface="Cambria" panose="02040503050406030204" pitchFamily="18" charset="0"/>
+                        <a:ea typeface="Cambria" panose="02040503050406030204" pitchFamily="18" charset="0"/>
+                      </a:endParaRPr>
                     </a:p>
                   </a:txBody>
                   <a:tcPr/>
@@ -13395,12 +12485,16 @@
                     <a:p>
                       <a:pPr algn="ctr"/>
                       <a:r>
-                        <a:rPr lang="en-US" dirty="0">
+                        <a:rPr lang="en-US" sz="1800" dirty="0">
                           <a:latin typeface="Cambria" panose="02040503050406030204" pitchFamily="18" charset="0"/>
                           <a:ea typeface="Cambria" panose="02040503050406030204" pitchFamily="18" charset="0"/>
                         </a:rPr>
                         <a:t>(</a:t>
                       </a:r>
+                      <a:endParaRPr lang="en-US" sz="1800" dirty="0">
+                        <a:latin typeface="Cambria" panose="02040503050406030204" pitchFamily="18" charset="0"/>
+                        <a:ea typeface="Cambria" panose="02040503050406030204" pitchFamily="18" charset="0"/>
+                      </a:endParaRPr>
                     </a:p>
                   </a:txBody>
                   <a:tcPr/>
@@ -13410,7 +12504,7 @@
                     <a:bodyPr/>
                     <a:lstStyle/>
                     <a:p>
-                      <a:endParaRPr lang="en-US">
+                      <a:endParaRPr lang="en-US" sz="1800">
                         <a:latin typeface="Cambria" panose="02040503050406030204" pitchFamily="18" charset="0"/>
                         <a:ea typeface="Cambria" panose="02040503050406030204" pitchFamily="18" charset="0"/>
                       </a:endParaRPr>
@@ -13418,11 +12512,6 @@
                   </a:txBody>
                   <a:tcPr/>
                 </a:tc>
-                <a:extLst>
-                  <a:ext uri="{0D108BD9-81ED-4DB2-BD59-A6C34878D82A}">
-                    <a16:rowId xmlns:a16="http://schemas.microsoft.com/office/drawing/2014/main" val="1301268589"/>
-                  </a:ext>
-                </a:extLst>
               </a:tr>
               <a:tr h="294086">
                 <a:tc>
@@ -13432,12 +12521,16 @@
                     <a:p>
                       <a:pPr algn="ctr"/>
                       <a:r>
-                        <a:rPr lang="en-US" dirty="0">
+                        <a:rPr lang="en-US" sz="1800" dirty="0">
                           <a:latin typeface="Cambria" panose="02040503050406030204" pitchFamily="18" charset="0"/>
                           <a:ea typeface="Cambria" panose="02040503050406030204" pitchFamily="18" charset="0"/>
                         </a:rPr>
                         <a:t>A</a:t>
                       </a:r>
+                      <a:endParaRPr lang="en-US" sz="1800" dirty="0">
+                        <a:latin typeface="Cambria" panose="02040503050406030204" pitchFamily="18" charset="0"/>
+                        <a:ea typeface="Cambria" panose="02040503050406030204" pitchFamily="18" charset="0"/>
+                      </a:endParaRPr>
                     </a:p>
                   </a:txBody>
                   <a:tcPr/>
@@ -13449,12 +12542,16 @@
                     <a:p>
                       <a:pPr algn="ctr"/>
                       <a:r>
-                        <a:rPr lang="en-US" dirty="0">
+                        <a:rPr lang="en-US" sz="1800" dirty="0">
                           <a:latin typeface="Cambria" panose="02040503050406030204" pitchFamily="18" charset="0"/>
                           <a:ea typeface="Cambria" panose="02040503050406030204" pitchFamily="18" charset="0"/>
                         </a:rPr>
                         <a:t>(</a:t>
                       </a:r>
+                      <a:endParaRPr lang="en-US" sz="1800" dirty="0">
+                        <a:latin typeface="Cambria" panose="02040503050406030204" pitchFamily="18" charset="0"/>
+                        <a:ea typeface="Cambria" panose="02040503050406030204" pitchFamily="18" charset="0"/>
+                      </a:endParaRPr>
                     </a:p>
                   </a:txBody>
                   <a:tcPr/>
@@ -13465,21 +12562,20 @@
                     <a:lstStyle/>
                     <a:p>
                       <a:r>
-                        <a:rPr lang="en-US" dirty="0">
+                        <a:rPr lang="en-US" sz="1800" dirty="0">
                           <a:latin typeface="Cambria" panose="02040503050406030204" pitchFamily="18" charset="0"/>
                           <a:ea typeface="Cambria" panose="02040503050406030204" pitchFamily="18" charset="0"/>
                         </a:rPr>
                         <a:t>A</a:t>
                       </a:r>
+                      <a:endParaRPr lang="en-US" sz="1800" dirty="0">
+                        <a:latin typeface="Cambria" panose="02040503050406030204" pitchFamily="18" charset="0"/>
+                        <a:ea typeface="Cambria" panose="02040503050406030204" pitchFamily="18" charset="0"/>
+                      </a:endParaRPr>
                     </a:p>
                   </a:txBody>
                   <a:tcPr/>
                 </a:tc>
-                <a:extLst>
-                  <a:ext uri="{0D108BD9-81ED-4DB2-BD59-A6C34878D82A}">
-                    <a16:rowId xmlns:a16="http://schemas.microsoft.com/office/drawing/2014/main" val="727156469"/>
-                  </a:ext>
-                </a:extLst>
               </a:tr>
               <a:tr h="294086">
                 <a:tc>
@@ -13489,12 +12585,16 @@
                     <a:p>
                       <a:pPr algn="ctr"/>
                       <a:r>
-                        <a:rPr lang="en-US" dirty="0">
+                        <a:rPr lang="en-US" sz="1800" dirty="0">
                           <a:latin typeface="Cambria" panose="02040503050406030204" pitchFamily="18" charset="0"/>
                           <a:ea typeface="Cambria" panose="02040503050406030204" pitchFamily="18" charset="0"/>
                         </a:rPr>
                         <a:t>+</a:t>
                       </a:r>
+                      <a:endParaRPr lang="en-US" sz="1800" dirty="0">
+                        <a:latin typeface="Cambria" panose="02040503050406030204" pitchFamily="18" charset="0"/>
+                        <a:ea typeface="Cambria" panose="02040503050406030204" pitchFamily="18" charset="0"/>
+                      </a:endParaRPr>
                     </a:p>
                   </a:txBody>
                   <a:tcPr/>
@@ -13506,12 +12606,16 @@
                     <a:p>
                       <a:pPr algn="ctr"/>
                       <a:r>
-                        <a:rPr lang="en-US" dirty="0">
+                        <a:rPr lang="en-US" sz="1800" dirty="0">
                           <a:latin typeface="Cambria" panose="02040503050406030204" pitchFamily="18" charset="0"/>
                           <a:ea typeface="Cambria" panose="02040503050406030204" pitchFamily="18" charset="0"/>
                         </a:rPr>
                         <a:t>(+</a:t>
                       </a:r>
+                      <a:endParaRPr lang="en-US" sz="1800" dirty="0">
+                        <a:latin typeface="Cambria" panose="02040503050406030204" pitchFamily="18" charset="0"/>
+                        <a:ea typeface="Cambria" panose="02040503050406030204" pitchFamily="18" charset="0"/>
+                      </a:endParaRPr>
                     </a:p>
                   </a:txBody>
                   <a:tcPr/>
@@ -13522,21 +12626,20 @@
                     <a:lstStyle/>
                     <a:p>
                       <a:r>
-                        <a:rPr lang="en-US" dirty="0">
+                        <a:rPr lang="en-US" sz="1800" dirty="0">
                           <a:latin typeface="Cambria" panose="02040503050406030204" pitchFamily="18" charset="0"/>
                           <a:ea typeface="Cambria" panose="02040503050406030204" pitchFamily="18" charset="0"/>
                         </a:rPr>
                         <a:t>A</a:t>
                       </a:r>
+                      <a:endParaRPr lang="en-US" sz="1800" dirty="0">
+                        <a:latin typeface="Cambria" panose="02040503050406030204" pitchFamily="18" charset="0"/>
+                        <a:ea typeface="Cambria" panose="02040503050406030204" pitchFamily="18" charset="0"/>
+                      </a:endParaRPr>
                     </a:p>
                   </a:txBody>
                   <a:tcPr/>
                 </a:tc>
-                <a:extLst>
-                  <a:ext uri="{0D108BD9-81ED-4DB2-BD59-A6C34878D82A}">
-                    <a16:rowId xmlns:a16="http://schemas.microsoft.com/office/drawing/2014/main" val="2580360731"/>
-                  </a:ext>
-                </a:extLst>
               </a:tr>
               <a:tr h="294086">
                 <a:tc>
@@ -13546,12 +12649,16 @@
                     <a:p>
                       <a:pPr algn="ctr"/>
                       <a:r>
-                        <a:rPr lang="en-US" dirty="0">
+                        <a:rPr lang="en-US" sz="1800" dirty="0">
                           <a:latin typeface="Cambria" panose="02040503050406030204" pitchFamily="18" charset="0"/>
                           <a:ea typeface="Cambria" panose="02040503050406030204" pitchFamily="18" charset="0"/>
                         </a:rPr>
                         <a:t>B</a:t>
                       </a:r>
+                      <a:endParaRPr lang="en-US" sz="1800" dirty="0">
+                        <a:latin typeface="Cambria" panose="02040503050406030204" pitchFamily="18" charset="0"/>
+                        <a:ea typeface="Cambria" panose="02040503050406030204" pitchFamily="18" charset="0"/>
+                      </a:endParaRPr>
                     </a:p>
                   </a:txBody>
                   <a:tcPr/>
@@ -13563,12 +12670,16 @@
                     <a:p>
                       <a:pPr algn="ctr"/>
                       <a:r>
-                        <a:rPr lang="en-US" dirty="0">
+                        <a:rPr lang="en-US" sz="1800" dirty="0">
                           <a:latin typeface="Cambria" panose="02040503050406030204" pitchFamily="18" charset="0"/>
                           <a:ea typeface="Cambria" panose="02040503050406030204" pitchFamily="18" charset="0"/>
                         </a:rPr>
                         <a:t>(+</a:t>
                       </a:r>
+                      <a:endParaRPr lang="en-US" sz="1800" dirty="0">
+                        <a:latin typeface="Cambria" panose="02040503050406030204" pitchFamily="18" charset="0"/>
+                        <a:ea typeface="Cambria" panose="02040503050406030204" pitchFamily="18" charset="0"/>
+                      </a:endParaRPr>
                     </a:p>
                   </a:txBody>
                   <a:tcPr/>
@@ -13579,21 +12690,20 @@
                     <a:lstStyle/>
                     <a:p>
                       <a:r>
-                        <a:rPr lang="en-US" dirty="0">
+                        <a:rPr lang="en-US" sz="1800" dirty="0">
                           <a:latin typeface="Cambria" panose="02040503050406030204" pitchFamily="18" charset="0"/>
                           <a:ea typeface="Cambria" panose="02040503050406030204" pitchFamily="18" charset="0"/>
                         </a:rPr>
                         <a:t>AB</a:t>
                       </a:r>
+                      <a:endParaRPr lang="en-US" sz="1800" dirty="0">
+                        <a:latin typeface="Cambria" panose="02040503050406030204" pitchFamily="18" charset="0"/>
+                        <a:ea typeface="Cambria" panose="02040503050406030204" pitchFamily="18" charset="0"/>
+                      </a:endParaRPr>
                     </a:p>
                   </a:txBody>
                   <a:tcPr/>
                 </a:tc>
-                <a:extLst>
-                  <a:ext uri="{0D108BD9-81ED-4DB2-BD59-A6C34878D82A}">
-                    <a16:rowId xmlns:a16="http://schemas.microsoft.com/office/drawing/2014/main" val="239604098"/>
-                  </a:ext>
-                </a:extLst>
               </a:tr>
               <a:tr h="294086">
                 <a:tc>
@@ -13603,12 +12713,16 @@
                     <a:p>
                       <a:pPr algn="ctr"/>
                       <a:r>
-                        <a:rPr lang="en-US" dirty="0">
+                        <a:rPr lang="en-US" sz="1800" dirty="0">
                           <a:latin typeface="Cambria" panose="02040503050406030204" pitchFamily="18" charset="0"/>
                           <a:ea typeface="Cambria" panose="02040503050406030204" pitchFamily="18" charset="0"/>
                         </a:rPr>
                         <a:t>)</a:t>
                       </a:r>
+                      <a:endParaRPr lang="en-US" sz="1800" dirty="0">
+                        <a:latin typeface="Cambria" panose="02040503050406030204" pitchFamily="18" charset="0"/>
+                        <a:ea typeface="Cambria" panose="02040503050406030204" pitchFamily="18" charset="0"/>
+                      </a:endParaRPr>
                     </a:p>
                   </a:txBody>
                   <a:tcPr/>
@@ -13619,6 +12733,1572 @@
                     <a:lstStyle/>
                     <a:p>
                       <a:pPr algn="ctr"/>
+                      <a:endParaRPr lang="en-US" sz="1800" dirty="0">
+                        <a:latin typeface="Cambria" panose="02040503050406030204" pitchFamily="18" charset="0"/>
+                        <a:ea typeface="Cambria" panose="02040503050406030204" pitchFamily="18" charset="0"/>
+                      </a:endParaRPr>
+                    </a:p>
+                  </a:txBody>
+                  <a:tcPr/>
+                </a:tc>
+                <a:tc>
+                  <a:txBody>
+                    <a:bodyPr/>
+                    <a:lstStyle/>
+                    <a:p>
+                      <a:r>
+                        <a:rPr lang="en-US" sz="1800" dirty="0">
+                          <a:latin typeface="Cambria" panose="02040503050406030204" pitchFamily="18" charset="0"/>
+                          <a:ea typeface="Cambria" panose="02040503050406030204" pitchFamily="18" charset="0"/>
+                        </a:rPr>
+                        <a:t>AB+</a:t>
+                      </a:r>
+                      <a:endParaRPr lang="en-US" sz="1800" dirty="0">
+                        <a:latin typeface="Cambria" panose="02040503050406030204" pitchFamily="18" charset="0"/>
+                        <a:ea typeface="Cambria" panose="02040503050406030204" pitchFamily="18" charset="0"/>
+                      </a:endParaRPr>
+                    </a:p>
+                  </a:txBody>
+                  <a:tcPr/>
+                </a:tc>
+              </a:tr>
+              <a:tr h="294086">
+                <a:tc>
+                  <a:txBody>
+                    <a:bodyPr/>
+                    <a:lstStyle/>
+                    <a:p>
+                      <a:pPr algn="ctr"/>
+                      <a:r>
+                        <a:rPr lang="en-US" sz="1800" dirty="0">
+                          <a:latin typeface="Cambria" panose="02040503050406030204" pitchFamily="18" charset="0"/>
+                          <a:ea typeface="Cambria" panose="02040503050406030204" pitchFamily="18" charset="0"/>
+                        </a:rPr>
+                        <a:t>*</a:t>
+                      </a:r>
+                      <a:endParaRPr lang="en-US" sz="1800" dirty="0">
+                        <a:latin typeface="Cambria" panose="02040503050406030204" pitchFamily="18" charset="0"/>
+                        <a:ea typeface="Cambria" panose="02040503050406030204" pitchFamily="18" charset="0"/>
+                      </a:endParaRPr>
+                    </a:p>
+                  </a:txBody>
+                  <a:tcPr/>
+                </a:tc>
+                <a:tc>
+                  <a:txBody>
+                    <a:bodyPr/>
+                    <a:lstStyle/>
+                    <a:p>
+                      <a:pPr algn="ctr"/>
+                      <a:r>
+                        <a:rPr lang="en-US" sz="1800" dirty="0">
+                          <a:latin typeface="Cambria" panose="02040503050406030204" pitchFamily="18" charset="0"/>
+                          <a:ea typeface="Cambria" panose="02040503050406030204" pitchFamily="18" charset="0"/>
+                        </a:rPr>
+                        <a:t>*</a:t>
+                      </a:r>
+                      <a:endParaRPr lang="en-US" sz="1800" dirty="0">
+                        <a:latin typeface="Cambria" panose="02040503050406030204" pitchFamily="18" charset="0"/>
+                        <a:ea typeface="Cambria" panose="02040503050406030204" pitchFamily="18" charset="0"/>
+                      </a:endParaRPr>
+                    </a:p>
+                  </a:txBody>
+                  <a:tcPr/>
+                </a:tc>
+                <a:tc>
+                  <a:txBody>
+                    <a:bodyPr/>
+                    <a:lstStyle/>
+                    <a:p>
+                      <a:r>
+                        <a:rPr lang="en-US" sz="1800" dirty="0">
+                          <a:latin typeface="Cambria" panose="02040503050406030204" pitchFamily="18" charset="0"/>
+                          <a:ea typeface="Cambria" panose="02040503050406030204" pitchFamily="18" charset="0"/>
+                        </a:rPr>
+                        <a:t>AB+</a:t>
+                      </a:r>
+                      <a:endParaRPr lang="en-US" sz="1800" dirty="0">
+                        <a:latin typeface="Cambria" panose="02040503050406030204" pitchFamily="18" charset="0"/>
+                        <a:ea typeface="Cambria" panose="02040503050406030204" pitchFamily="18" charset="0"/>
+                      </a:endParaRPr>
+                    </a:p>
+                  </a:txBody>
+                  <a:tcPr/>
+                </a:tc>
+              </a:tr>
+              <a:tr h="294086">
+                <a:tc>
+                  <a:txBody>
+                    <a:bodyPr/>
+                    <a:lstStyle/>
+                    <a:p>
+                      <a:pPr algn="ctr"/>
+                      <a:r>
+                        <a:rPr lang="en-US" sz="1800" dirty="0">
+                          <a:latin typeface="Cambria" panose="02040503050406030204" pitchFamily="18" charset="0"/>
+                          <a:ea typeface="Cambria" panose="02040503050406030204" pitchFamily="18" charset="0"/>
+                        </a:rPr>
+                        <a:t>(</a:t>
+                      </a:r>
+                      <a:endParaRPr lang="en-US" sz="1800" dirty="0">
+                        <a:latin typeface="Cambria" panose="02040503050406030204" pitchFamily="18" charset="0"/>
+                        <a:ea typeface="Cambria" panose="02040503050406030204" pitchFamily="18" charset="0"/>
+                      </a:endParaRPr>
+                    </a:p>
+                  </a:txBody>
+                  <a:tcPr/>
+                </a:tc>
+                <a:tc>
+                  <a:txBody>
+                    <a:bodyPr/>
+                    <a:lstStyle/>
+                    <a:p>
+                      <a:pPr algn="ctr"/>
+                      <a:r>
+                        <a:rPr lang="en-US" sz="1800" dirty="0">
+                          <a:latin typeface="Cambria" panose="02040503050406030204" pitchFamily="18" charset="0"/>
+                          <a:ea typeface="Cambria" panose="02040503050406030204" pitchFamily="18" charset="0"/>
+                        </a:rPr>
+                        <a:t>*(</a:t>
+                      </a:r>
+                      <a:endParaRPr lang="en-US" sz="1800" dirty="0">
+                        <a:latin typeface="Cambria" panose="02040503050406030204" pitchFamily="18" charset="0"/>
+                        <a:ea typeface="Cambria" panose="02040503050406030204" pitchFamily="18" charset="0"/>
+                      </a:endParaRPr>
+                    </a:p>
+                  </a:txBody>
+                  <a:tcPr/>
+                </a:tc>
+                <a:tc>
+                  <a:txBody>
+                    <a:bodyPr/>
+                    <a:lstStyle/>
+                    <a:p>
+                      <a:r>
+                        <a:rPr lang="en-US" sz="1800" dirty="0">
+                          <a:latin typeface="Cambria" panose="02040503050406030204" pitchFamily="18" charset="0"/>
+                          <a:ea typeface="Cambria" panose="02040503050406030204" pitchFamily="18" charset="0"/>
+                        </a:rPr>
+                        <a:t>AB+</a:t>
+                      </a:r>
+                      <a:endParaRPr lang="en-US" sz="1800" dirty="0">
+                        <a:latin typeface="Cambria" panose="02040503050406030204" pitchFamily="18" charset="0"/>
+                        <a:ea typeface="Cambria" panose="02040503050406030204" pitchFamily="18" charset="0"/>
+                      </a:endParaRPr>
+                    </a:p>
+                  </a:txBody>
+                  <a:tcPr/>
+                </a:tc>
+              </a:tr>
+              <a:tr h="294086">
+                <a:tc>
+                  <a:txBody>
+                    <a:bodyPr/>
+                    <a:lstStyle/>
+                    <a:p>
+                      <a:pPr algn="ctr"/>
+                      <a:r>
+                        <a:rPr lang="en-US" sz="1800" dirty="0">
+                          <a:latin typeface="Cambria" panose="02040503050406030204" pitchFamily="18" charset="0"/>
+                          <a:ea typeface="Cambria" panose="02040503050406030204" pitchFamily="18" charset="0"/>
+                        </a:rPr>
+                        <a:t>C</a:t>
+                      </a:r>
+                      <a:endParaRPr lang="en-US" sz="1800" dirty="0">
+                        <a:latin typeface="Cambria" panose="02040503050406030204" pitchFamily="18" charset="0"/>
+                        <a:ea typeface="Cambria" panose="02040503050406030204" pitchFamily="18" charset="0"/>
+                      </a:endParaRPr>
+                    </a:p>
+                  </a:txBody>
+                  <a:tcPr/>
+                </a:tc>
+                <a:tc>
+                  <a:txBody>
+                    <a:bodyPr/>
+                    <a:lstStyle/>
+                    <a:p>
+                      <a:pPr algn="ctr"/>
+                      <a:r>
+                        <a:rPr lang="en-US" sz="1800" dirty="0">
+                          <a:latin typeface="Cambria" panose="02040503050406030204" pitchFamily="18" charset="0"/>
+                          <a:ea typeface="Cambria" panose="02040503050406030204" pitchFamily="18" charset="0"/>
+                        </a:rPr>
+                        <a:t>*(</a:t>
+                      </a:r>
+                      <a:endParaRPr lang="en-US" sz="1800" dirty="0">
+                        <a:latin typeface="Cambria" panose="02040503050406030204" pitchFamily="18" charset="0"/>
+                        <a:ea typeface="Cambria" panose="02040503050406030204" pitchFamily="18" charset="0"/>
+                      </a:endParaRPr>
+                    </a:p>
+                  </a:txBody>
+                  <a:tcPr/>
+                </a:tc>
+                <a:tc>
+                  <a:txBody>
+                    <a:bodyPr/>
+                    <a:lstStyle/>
+                    <a:p>
+                      <a:r>
+                        <a:rPr lang="en-US" sz="1800" dirty="0">
+                          <a:latin typeface="Cambria" panose="02040503050406030204" pitchFamily="18" charset="0"/>
+                          <a:ea typeface="Cambria" panose="02040503050406030204" pitchFamily="18" charset="0"/>
+                        </a:rPr>
+                        <a:t>AB+C</a:t>
+                      </a:r>
+                      <a:endParaRPr lang="en-US" sz="1800" dirty="0">
+                        <a:latin typeface="Cambria" panose="02040503050406030204" pitchFamily="18" charset="0"/>
+                        <a:ea typeface="Cambria" panose="02040503050406030204" pitchFamily="18" charset="0"/>
+                      </a:endParaRPr>
+                    </a:p>
+                  </a:txBody>
+                  <a:tcPr/>
+                </a:tc>
+              </a:tr>
+              <a:tr h="294086">
+                <a:tc>
+                  <a:txBody>
+                    <a:bodyPr/>
+                    <a:lstStyle/>
+                    <a:p>
+                      <a:pPr algn="ctr"/>
+                      <a:r>
+                        <a:rPr lang="en-US" sz="1800" dirty="0">
+                          <a:latin typeface="Cambria" panose="02040503050406030204" pitchFamily="18" charset="0"/>
+                          <a:ea typeface="Cambria" panose="02040503050406030204" pitchFamily="18" charset="0"/>
+                        </a:rPr>
+                        <a:t>/</a:t>
+                      </a:r>
+                      <a:endParaRPr lang="en-US" sz="1800" dirty="0">
+                        <a:latin typeface="Cambria" panose="02040503050406030204" pitchFamily="18" charset="0"/>
+                        <a:ea typeface="Cambria" panose="02040503050406030204" pitchFamily="18" charset="0"/>
+                      </a:endParaRPr>
+                    </a:p>
+                  </a:txBody>
+                  <a:tcPr/>
+                </a:tc>
+                <a:tc>
+                  <a:txBody>
+                    <a:bodyPr/>
+                    <a:lstStyle/>
+                    <a:p>
+                      <a:pPr algn="ctr"/>
+                      <a:r>
+                        <a:rPr lang="en-US" sz="1800" dirty="0">
+                          <a:latin typeface="Cambria" panose="02040503050406030204" pitchFamily="18" charset="0"/>
+                          <a:ea typeface="Cambria" panose="02040503050406030204" pitchFamily="18" charset="0"/>
+                        </a:rPr>
+                        <a:t>*(/</a:t>
+                      </a:r>
+                      <a:endParaRPr lang="en-US" sz="1800" dirty="0">
+                        <a:latin typeface="Cambria" panose="02040503050406030204" pitchFamily="18" charset="0"/>
+                        <a:ea typeface="Cambria" panose="02040503050406030204" pitchFamily="18" charset="0"/>
+                      </a:endParaRPr>
+                    </a:p>
+                  </a:txBody>
+                  <a:tcPr/>
+                </a:tc>
+                <a:tc>
+                  <a:txBody>
+                    <a:bodyPr/>
+                    <a:lstStyle/>
+                    <a:p>
+                      <a:r>
+                        <a:rPr lang="en-US" sz="1800" dirty="0">
+                          <a:latin typeface="Cambria" panose="02040503050406030204" pitchFamily="18" charset="0"/>
+                          <a:ea typeface="Cambria" panose="02040503050406030204" pitchFamily="18" charset="0"/>
+                        </a:rPr>
+                        <a:t>AB+C</a:t>
+                      </a:r>
+                      <a:endParaRPr lang="en-US" sz="1800" dirty="0">
+                        <a:latin typeface="Cambria" panose="02040503050406030204" pitchFamily="18" charset="0"/>
+                        <a:ea typeface="Cambria" panose="02040503050406030204" pitchFamily="18" charset="0"/>
+                      </a:endParaRPr>
+                    </a:p>
+                  </a:txBody>
+                  <a:tcPr/>
+                </a:tc>
+              </a:tr>
+              <a:tr h="294086">
+                <a:tc>
+                  <a:txBody>
+                    <a:bodyPr/>
+                    <a:lstStyle/>
+                    <a:p>
+                      <a:pPr algn="ctr"/>
+                      <a:r>
+                        <a:rPr lang="en-US" sz="1800" dirty="0">
+                          <a:latin typeface="Cambria" panose="02040503050406030204" pitchFamily="18" charset="0"/>
+                          <a:ea typeface="Cambria" panose="02040503050406030204" pitchFamily="18" charset="0"/>
+                        </a:rPr>
+                        <a:t>D</a:t>
+                      </a:r>
+                      <a:endParaRPr lang="en-US" sz="1800" dirty="0">
+                        <a:latin typeface="Cambria" panose="02040503050406030204" pitchFamily="18" charset="0"/>
+                        <a:ea typeface="Cambria" panose="02040503050406030204" pitchFamily="18" charset="0"/>
+                      </a:endParaRPr>
+                    </a:p>
+                  </a:txBody>
+                  <a:tcPr/>
+                </a:tc>
+                <a:tc>
+                  <a:txBody>
+                    <a:bodyPr/>
+                    <a:lstStyle/>
+                    <a:p>
+                      <a:pPr algn="ctr"/>
+                      <a:r>
+                        <a:rPr lang="en-US" sz="1800" dirty="0">
+                          <a:latin typeface="Cambria" panose="02040503050406030204" pitchFamily="18" charset="0"/>
+                          <a:ea typeface="Cambria" panose="02040503050406030204" pitchFamily="18" charset="0"/>
+                        </a:rPr>
+                        <a:t>*(/</a:t>
+                      </a:r>
+                      <a:endParaRPr lang="en-US" sz="1800" dirty="0">
+                        <a:latin typeface="Cambria" panose="02040503050406030204" pitchFamily="18" charset="0"/>
+                        <a:ea typeface="Cambria" panose="02040503050406030204" pitchFamily="18" charset="0"/>
+                      </a:endParaRPr>
+                    </a:p>
+                  </a:txBody>
+                  <a:tcPr/>
+                </a:tc>
+                <a:tc>
+                  <a:txBody>
+                    <a:bodyPr/>
+                    <a:lstStyle/>
+                    <a:p>
+                      <a:r>
+                        <a:rPr lang="en-US" sz="1800" dirty="0">
+                          <a:latin typeface="Cambria" panose="02040503050406030204" pitchFamily="18" charset="0"/>
+                          <a:ea typeface="Cambria" panose="02040503050406030204" pitchFamily="18" charset="0"/>
+                        </a:rPr>
+                        <a:t>AB+CD</a:t>
+                      </a:r>
+                      <a:endParaRPr lang="en-US" sz="1800" dirty="0">
+                        <a:latin typeface="Cambria" panose="02040503050406030204" pitchFamily="18" charset="0"/>
+                        <a:ea typeface="Cambria" panose="02040503050406030204" pitchFamily="18" charset="0"/>
+                      </a:endParaRPr>
+                    </a:p>
+                  </a:txBody>
+                  <a:tcPr/>
+                </a:tc>
+              </a:tr>
+              <a:tr h="294086">
+                <a:tc>
+                  <a:txBody>
+                    <a:bodyPr/>
+                    <a:lstStyle/>
+                    <a:p>
+                      <a:pPr algn="ctr"/>
+                      <a:r>
+                        <a:rPr lang="en-US" sz="1800" dirty="0">
+                          <a:latin typeface="Cambria" panose="02040503050406030204" pitchFamily="18" charset="0"/>
+                          <a:ea typeface="Cambria" panose="02040503050406030204" pitchFamily="18" charset="0"/>
+                        </a:rPr>
+                        <a:t>-</a:t>
+                      </a:r>
+                      <a:endParaRPr lang="en-US" sz="1800" dirty="0">
+                        <a:latin typeface="Cambria" panose="02040503050406030204" pitchFamily="18" charset="0"/>
+                        <a:ea typeface="Cambria" panose="02040503050406030204" pitchFamily="18" charset="0"/>
+                      </a:endParaRPr>
+                    </a:p>
+                  </a:txBody>
+                  <a:tcPr/>
+                </a:tc>
+                <a:tc>
+                  <a:txBody>
+                    <a:bodyPr/>
+                    <a:lstStyle/>
+                    <a:p>
+                      <a:pPr algn="ctr"/>
+                      <a:r>
+                        <a:rPr lang="en-US" sz="1800" dirty="0">
+                          <a:latin typeface="Cambria" panose="02040503050406030204" pitchFamily="18" charset="0"/>
+                          <a:ea typeface="Cambria" panose="02040503050406030204" pitchFamily="18" charset="0"/>
+                        </a:rPr>
+                        <a:t>*(-</a:t>
+                      </a:r>
+                      <a:endParaRPr lang="en-US" sz="1800" dirty="0">
+                        <a:latin typeface="Cambria" panose="02040503050406030204" pitchFamily="18" charset="0"/>
+                        <a:ea typeface="Cambria" panose="02040503050406030204" pitchFamily="18" charset="0"/>
+                      </a:endParaRPr>
+                    </a:p>
+                  </a:txBody>
+                  <a:tcPr/>
+                </a:tc>
+                <a:tc>
+                  <a:txBody>
+                    <a:bodyPr/>
+                    <a:lstStyle/>
+                    <a:p>
+                      <a:r>
+                        <a:rPr lang="en-US" sz="1800" dirty="0">
+                          <a:latin typeface="Cambria" panose="02040503050406030204" pitchFamily="18" charset="0"/>
+                          <a:ea typeface="Cambria" panose="02040503050406030204" pitchFamily="18" charset="0"/>
+                        </a:rPr>
+                        <a:t>AB+CD/</a:t>
+                      </a:r>
+                      <a:endParaRPr lang="en-US" sz="1800" dirty="0">
+                        <a:latin typeface="Cambria" panose="02040503050406030204" pitchFamily="18" charset="0"/>
+                        <a:ea typeface="Cambria" panose="02040503050406030204" pitchFamily="18" charset="0"/>
+                      </a:endParaRPr>
+                    </a:p>
+                  </a:txBody>
+                  <a:tcPr/>
+                </a:tc>
+              </a:tr>
+              <a:tr h="294086">
+                <a:tc>
+                  <a:txBody>
+                    <a:bodyPr/>
+                    <a:lstStyle/>
+                    <a:p>
+                      <a:pPr algn="ctr"/>
+                      <a:r>
+                        <a:rPr lang="en-US" sz="1800" dirty="0">
+                          <a:latin typeface="Cambria" panose="02040503050406030204" pitchFamily="18" charset="0"/>
+                          <a:ea typeface="Cambria" panose="02040503050406030204" pitchFamily="18" charset="0"/>
+                        </a:rPr>
+                        <a:t>E</a:t>
+                      </a:r>
+                      <a:endParaRPr lang="en-US" sz="1800" dirty="0">
+                        <a:latin typeface="Cambria" panose="02040503050406030204" pitchFamily="18" charset="0"/>
+                        <a:ea typeface="Cambria" panose="02040503050406030204" pitchFamily="18" charset="0"/>
+                      </a:endParaRPr>
+                    </a:p>
+                  </a:txBody>
+                  <a:tcPr/>
+                </a:tc>
+                <a:tc>
+                  <a:txBody>
+                    <a:bodyPr/>
+                    <a:lstStyle/>
+                    <a:p>
+                      <a:pPr algn="ctr"/>
+                      <a:r>
+                        <a:rPr lang="en-US" sz="1800" dirty="0">
+                          <a:latin typeface="Cambria" panose="02040503050406030204" pitchFamily="18" charset="0"/>
+                          <a:ea typeface="Cambria" panose="02040503050406030204" pitchFamily="18" charset="0"/>
+                        </a:rPr>
+                        <a:t>*(-</a:t>
+                      </a:r>
+                      <a:endParaRPr lang="en-US" sz="1800" dirty="0">
+                        <a:latin typeface="Cambria" panose="02040503050406030204" pitchFamily="18" charset="0"/>
+                        <a:ea typeface="Cambria" panose="02040503050406030204" pitchFamily="18" charset="0"/>
+                      </a:endParaRPr>
+                    </a:p>
+                  </a:txBody>
+                  <a:tcPr/>
+                </a:tc>
+                <a:tc>
+                  <a:txBody>
+                    <a:bodyPr/>
+                    <a:lstStyle/>
+                    <a:p>
+                      <a:r>
+                        <a:rPr lang="en-US" sz="1800" dirty="0">
+                          <a:latin typeface="Cambria" panose="02040503050406030204" pitchFamily="18" charset="0"/>
+                          <a:ea typeface="Cambria" panose="02040503050406030204" pitchFamily="18" charset="0"/>
+                        </a:rPr>
+                        <a:t>AB+CD/E</a:t>
+                      </a:r>
+                      <a:endParaRPr lang="en-US" sz="1800" dirty="0">
+                        <a:latin typeface="Cambria" panose="02040503050406030204" pitchFamily="18" charset="0"/>
+                        <a:ea typeface="Cambria" panose="02040503050406030204" pitchFamily="18" charset="0"/>
+                      </a:endParaRPr>
+                    </a:p>
+                  </a:txBody>
+                  <a:tcPr/>
+                </a:tc>
+              </a:tr>
+              <a:tr h="294086">
+                <a:tc>
+                  <a:txBody>
+                    <a:bodyPr/>
+                    <a:lstStyle/>
+                    <a:p>
+                      <a:pPr algn="ctr"/>
+                      <a:r>
+                        <a:rPr lang="en-US" sz="1800" dirty="0">
+                          <a:latin typeface="Cambria" panose="02040503050406030204" pitchFamily="18" charset="0"/>
+                          <a:ea typeface="Cambria" panose="02040503050406030204" pitchFamily="18" charset="0"/>
+                        </a:rPr>
+                        <a:t>)</a:t>
+                      </a:r>
+                      <a:endParaRPr lang="en-US" sz="1800" dirty="0">
+                        <a:latin typeface="Cambria" panose="02040503050406030204" pitchFamily="18" charset="0"/>
+                        <a:ea typeface="Cambria" panose="02040503050406030204" pitchFamily="18" charset="0"/>
+                      </a:endParaRPr>
+                    </a:p>
+                  </a:txBody>
+                  <a:tcPr/>
+                </a:tc>
+                <a:tc>
+                  <a:txBody>
+                    <a:bodyPr/>
+                    <a:lstStyle/>
+                    <a:p>
+                      <a:pPr algn="ctr"/>
+                      <a:r>
+                        <a:rPr lang="en-US" sz="1800" dirty="0">
+                          <a:latin typeface="Cambria" panose="02040503050406030204" pitchFamily="18" charset="0"/>
+                          <a:ea typeface="Cambria" panose="02040503050406030204" pitchFamily="18" charset="0"/>
+                        </a:rPr>
+                        <a:t>*</a:t>
+                      </a:r>
+                      <a:endParaRPr lang="en-US" sz="1800" dirty="0">
+                        <a:latin typeface="Cambria" panose="02040503050406030204" pitchFamily="18" charset="0"/>
+                        <a:ea typeface="Cambria" panose="02040503050406030204" pitchFamily="18" charset="0"/>
+                      </a:endParaRPr>
+                    </a:p>
+                  </a:txBody>
+                  <a:tcPr/>
+                </a:tc>
+                <a:tc>
+                  <a:txBody>
+                    <a:bodyPr/>
+                    <a:lstStyle/>
+                    <a:p>
+                      <a:r>
+                        <a:rPr lang="en-US" sz="1800" dirty="0">
+                          <a:latin typeface="Cambria" panose="02040503050406030204" pitchFamily="18" charset="0"/>
+                          <a:ea typeface="Cambria" panose="02040503050406030204" pitchFamily="18" charset="0"/>
+                        </a:rPr>
+                        <a:t>AB+CD/E-</a:t>
+                      </a:r>
+                      <a:endParaRPr lang="en-US" sz="1800" dirty="0">
+                        <a:latin typeface="Cambria" panose="02040503050406030204" pitchFamily="18" charset="0"/>
+                        <a:ea typeface="Cambria" panose="02040503050406030204" pitchFamily="18" charset="0"/>
+                      </a:endParaRPr>
+                    </a:p>
+                  </a:txBody>
+                  <a:tcPr/>
+                </a:tc>
+              </a:tr>
+              <a:tr h="294086">
+                <a:tc>
+                  <a:txBody>
+                    <a:bodyPr/>
+                    <a:lstStyle/>
+                    <a:p>
+                      <a:endParaRPr lang="en-US" sz="1800">
+                        <a:latin typeface="Cambria" panose="02040503050406030204" pitchFamily="18" charset="0"/>
+                        <a:ea typeface="Cambria" panose="02040503050406030204" pitchFamily="18" charset="0"/>
+                      </a:endParaRPr>
+                    </a:p>
+                  </a:txBody>
+                  <a:tcPr/>
+                </a:tc>
+                <a:tc>
+                  <a:txBody>
+                    <a:bodyPr/>
+                    <a:lstStyle/>
+                    <a:p>
+                      <a:endParaRPr lang="en-US" sz="1800" dirty="0">
+                        <a:latin typeface="Cambria" panose="02040503050406030204" pitchFamily="18" charset="0"/>
+                        <a:ea typeface="Cambria" panose="02040503050406030204" pitchFamily="18" charset="0"/>
+                      </a:endParaRPr>
+                    </a:p>
+                  </a:txBody>
+                  <a:tcPr/>
+                </a:tc>
+                <a:tc>
+                  <a:txBody>
+                    <a:bodyPr/>
+                    <a:lstStyle/>
+                    <a:p>
+                      <a:r>
+                        <a:rPr lang="en-US" sz="1800" dirty="0">
+                          <a:latin typeface="Cambria" panose="02040503050406030204" pitchFamily="18" charset="0"/>
+                          <a:ea typeface="Cambria" panose="02040503050406030204" pitchFamily="18" charset="0"/>
+                        </a:rPr>
+                        <a:t>AB+CD/E-*</a:t>
+                      </a:r>
+                      <a:endParaRPr lang="en-US" sz="1800" dirty="0">
+                        <a:latin typeface="Cambria" panose="02040503050406030204" pitchFamily="18" charset="0"/>
+                        <a:ea typeface="Cambria" panose="02040503050406030204" pitchFamily="18" charset="0"/>
+                      </a:endParaRPr>
+                    </a:p>
+                  </a:txBody>
+                  <a:tcPr/>
+                </a:tc>
+              </a:tr>
+            </a:tbl>
+          </a:graphicData>
+        </a:graphic>
+      </p:graphicFrame>
+    </p:spTree>
+  </p:cSld>
+  <p:clrMapOvr>
+    <a:masterClrMapping/>
+  </p:clrMapOvr>
+  <mc:AlternateContent xmlns:mc="http://schemas.openxmlformats.org/markup-compatibility/2006">
+    <mc:Choice xmlns:p14="http://schemas.microsoft.com/office/powerpoint/2010/main" Requires="p14">
+      <p:transition spd="slow" p14:dur="2500">
+        <p:checker/>
+      </p:transition>
+    </mc:Choice>
+    <mc:Fallback>
+      <p:transition spd="slow">
+        <p:checker/>
+      </p:transition>
+    </mc:Fallback>
+  </mc:AlternateContent>
+</p:sld>
+</file>
+
+<file path=ppt/slides/slide5.xml><?xml version="1.0" encoding="utf-8"?>
+<p:sld xmlns:a="http://schemas.openxmlformats.org/drawingml/2006/main" xmlns:r="http://schemas.openxmlformats.org/officeDocument/2006/relationships" xmlns:p="http://schemas.openxmlformats.org/presentationml/2006/main">
+  <p:cSld>
+    <p:spTree>
+      <p:nvGrpSpPr>
+        <p:cNvPr id="1" name=""/>
+        <p:cNvGrpSpPr/>
+        <p:nvPr/>
+      </p:nvGrpSpPr>
+      <p:grpSpPr>
+        <a:xfrm>
+          <a:off x="0" y="0"/>
+          <a:ext cx="0" cy="0"/>
+          <a:chOff x="0" y="0"/>
+          <a:chExt cx="0" cy="0"/>
+        </a:xfrm>
+      </p:grpSpPr>
+      <p:sp>
+        <p:nvSpPr>
+          <p:cNvPr id="2" name="Title 1"/>
+          <p:cNvSpPr>
+            <a:spLocks noGrp="1"/>
+          </p:cNvSpPr>
+          <p:nvPr>
+            <p:ph type="title"/>
+          </p:nvPr>
+        </p:nvSpPr>
+        <p:spPr>
+          <a:xfrm>
+            <a:off x="1141412" y="170281"/>
+            <a:ext cx="9905998" cy="896517"/>
+          </a:xfrm>
+        </p:spPr>
+        <p:txBody>
+          <a:bodyPr>
+            <a:normAutofit fontScale="90000"/>
+          </a:bodyPr>
+          <a:lstStyle/>
+          <a:p>
+            <a:pPr algn="ctr"/>
+            <a:r>
+              <a:rPr lang="en-US" sz="6000" dirty="0">
+                <a:latin typeface="Cambria" panose="02040503050406030204" pitchFamily="18" charset="0"/>
+                <a:ea typeface="Cambria" panose="02040503050406030204" pitchFamily="18" charset="0"/>
+              </a:rPr>
+              <a:t>Postfix to infix</a:t>
+            </a:r>
+            <a:endParaRPr lang="en-US" sz="6000" dirty="0">
+              <a:latin typeface="Cambria" panose="02040503050406030204" pitchFamily="18" charset="0"/>
+              <a:ea typeface="Cambria" panose="02040503050406030204" pitchFamily="18" charset="0"/>
+            </a:endParaRPr>
+          </a:p>
+        </p:txBody>
+      </p:sp>
+      <p:sp>
+        <p:nvSpPr>
+          <p:cNvPr id="3" name="Content Placeholder 2"/>
+          <p:cNvSpPr>
+            <a:spLocks noGrp="1"/>
+          </p:cNvSpPr>
+          <p:nvPr>
+            <p:ph idx="1"/>
+          </p:nvPr>
+        </p:nvSpPr>
+        <p:spPr>
+          <a:xfrm>
+            <a:off x="1141412" y="914400"/>
+            <a:ext cx="9905999" cy="4876801"/>
+          </a:xfrm>
+        </p:spPr>
+        <p:txBody>
+          <a:bodyPr/>
+          <a:lstStyle/>
+          <a:p>
+            <a:pPr marL="0" indent="0">
+              <a:buNone/>
+            </a:pPr>
+            <a:r>
+              <a:rPr lang="en-US" dirty="0">
+                <a:solidFill>
+                  <a:srgbClr val="FFFF00"/>
+                </a:solidFill>
+                <a:latin typeface="Cambria" panose="02040503050406030204" pitchFamily="18" charset="0"/>
+                <a:ea typeface="Cambria" panose="02040503050406030204" pitchFamily="18" charset="0"/>
+              </a:rPr>
+              <a:t>Postfix : AB+CD/E-*</a:t>
+            </a:r>
+            <a:endParaRPr lang="en-US" dirty="0">
+              <a:solidFill>
+                <a:srgbClr val="FFFF00"/>
+              </a:solidFill>
+              <a:latin typeface="Cambria" panose="02040503050406030204" pitchFamily="18" charset="0"/>
+              <a:ea typeface="Cambria" panose="02040503050406030204" pitchFamily="18" charset="0"/>
+            </a:endParaRPr>
+          </a:p>
+          <a:p>
+            <a:pPr marL="0" indent="0">
+              <a:buNone/>
+            </a:pPr>
+            <a:endParaRPr lang="en-US" dirty="0">
+              <a:solidFill>
+                <a:srgbClr val="FFFF00"/>
+              </a:solidFill>
+            </a:endParaRPr>
+          </a:p>
+        </p:txBody>
+      </p:sp>
+      <p:graphicFrame>
+        <p:nvGraphicFramePr>
+          <p:cNvPr id="5" name="Table 5"/>
+          <p:cNvGraphicFramePr>
+            <a:graphicFrameLocks noGrp="1"/>
+          </p:cNvGraphicFramePr>
+          <p:nvPr/>
+        </p:nvGraphicFramePr>
+        <p:xfrm>
+          <a:off x="1870635" y="1586753"/>
+          <a:ext cx="8128000" cy="3962400"/>
+        </p:xfrm>
+        <a:graphic>
+          <a:graphicData uri="http://schemas.openxmlformats.org/drawingml/2006/table">
+            <a:tbl>
+              <a:tblPr firstRow="1" bandRow="1">
+                <a:tableStyleId>{073A0DAA-6AF3-43AB-8588-CEC1D06C72B9}</a:tableStyleId>
+              </a:tblPr>
+              <a:tblGrid>
+                <a:gridCol w="2360706"/>
+                <a:gridCol w="5767294"/>
+              </a:tblGrid>
+              <a:tr h="337471">
+                <a:tc>
+                  <a:txBody>
+                    <a:bodyPr/>
+                    <a:lstStyle/>
+                    <a:p>
+                      <a:r>
+                        <a:rPr lang="en-US" sz="2000" dirty="0">
+                          <a:latin typeface="Cambria" panose="02040503050406030204" pitchFamily="18" charset="0"/>
+                          <a:ea typeface="Cambria" panose="02040503050406030204" pitchFamily="18" charset="0"/>
+                        </a:rPr>
+                        <a:t>Symbol</a:t>
+                      </a:r>
+                      <a:endParaRPr lang="en-US" sz="2000" dirty="0">
+                        <a:latin typeface="Cambria" panose="02040503050406030204" pitchFamily="18" charset="0"/>
+                        <a:ea typeface="Cambria" panose="02040503050406030204" pitchFamily="18" charset="0"/>
+                      </a:endParaRPr>
+                    </a:p>
+                  </a:txBody>
+                  <a:tcPr/>
+                </a:tc>
+                <a:tc>
+                  <a:txBody>
+                    <a:bodyPr/>
+                    <a:lstStyle/>
+                    <a:p>
+                      <a:r>
+                        <a:rPr lang="en-US" sz="2000" dirty="0">
+                          <a:latin typeface="Cambria" panose="02040503050406030204" pitchFamily="18" charset="0"/>
+                          <a:ea typeface="Cambria" panose="02040503050406030204" pitchFamily="18" charset="0"/>
+                        </a:rPr>
+                        <a:t>Stack</a:t>
+                      </a:r>
+                      <a:endParaRPr lang="en-US" sz="2000" dirty="0">
+                        <a:latin typeface="Cambria" panose="02040503050406030204" pitchFamily="18" charset="0"/>
+                        <a:ea typeface="Cambria" panose="02040503050406030204" pitchFamily="18" charset="0"/>
+                      </a:endParaRPr>
+                    </a:p>
+                  </a:txBody>
+                  <a:tcPr/>
+                </a:tc>
+              </a:tr>
+              <a:tr h="370840">
+                <a:tc>
+                  <a:txBody>
+                    <a:bodyPr/>
+                    <a:lstStyle/>
+                    <a:p>
+                      <a:r>
+                        <a:rPr lang="en-US" sz="2000" dirty="0">
+                          <a:latin typeface="Cambria" panose="02040503050406030204" pitchFamily="18" charset="0"/>
+                          <a:ea typeface="Cambria" panose="02040503050406030204" pitchFamily="18" charset="0"/>
+                        </a:rPr>
+                        <a:t>A</a:t>
+                      </a:r>
+                      <a:endParaRPr lang="en-US" sz="2000" dirty="0">
+                        <a:latin typeface="Cambria" panose="02040503050406030204" pitchFamily="18" charset="0"/>
+                        <a:ea typeface="Cambria" panose="02040503050406030204" pitchFamily="18" charset="0"/>
+                      </a:endParaRPr>
+                    </a:p>
+                  </a:txBody>
+                  <a:tcPr/>
+                </a:tc>
+                <a:tc>
+                  <a:txBody>
+                    <a:bodyPr/>
+                    <a:lstStyle/>
+                    <a:p>
+                      <a:r>
+                        <a:rPr lang="en-US" sz="2000" dirty="0">
+                          <a:latin typeface="Cambria" panose="02040503050406030204" pitchFamily="18" charset="0"/>
+                          <a:ea typeface="Cambria" panose="02040503050406030204" pitchFamily="18" charset="0"/>
+                        </a:rPr>
+                        <a:t>A</a:t>
+                      </a:r>
+                      <a:endParaRPr lang="en-US" sz="2000" dirty="0">
+                        <a:latin typeface="Cambria" panose="02040503050406030204" pitchFamily="18" charset="0"/>
+                        <a:ea typeface="Cambria" panose="02040503050406030204" pitchFamily="18" charset="0"/>
+                      </a:endParaRPr>
+                    </a:p>
+                  </a:txBody>
+                  <a:tcPr/>
+                </a:tc>
+              </a:tr>
+              <a:tr h="370840">
+                <a:tc>
+                  <a:txBody>
+                    <a:bodyPr/>
+                    <a:lstStyle/>
+                    <a:p>
+                      <a:r>
+                        <a:rPr lang="en-US" sz="2000" dirty="0">
+                          <a:latin typeface="Cambria" panose="02040503050406030204" pitchFamily="18" charset="0"/>
+                          <a:ea typeface="Cambria" panose="02040503050406030204" pitchFamily="18" charset="0"/>
+                        </a:rPr>
+                        <a:t>B</a:t>
+                      </a:r>
+                      <a:endParaRPr lang="en-US" sz="2000" dirty="0">
+                        <a:latin typeface="Cambria" panose="02040503050406030204" pitchFamily="18" charset="0"/>
+                        <a:ea typeface="Cambria" panose="02040503050406030204" pitchFamily="18" charset="0"/>
+                      </a:endParaRPr>
+                    </a:p>
+                  </a:txBody>
+                  <a:tcPr/>
+                </a:tc>
+                <a:tc>
+                  <a:txBody>
+                    <a:bodyPr/>
+                    <a:lstStyle/>
+                    <a:p>
+                      <a:r>
+                        <a:rPr lang="en-US" sz="2000" dirty="0">
+                          <a:latin typeface="Cambria" panose="02040503050406030204" pitchFamily="18" charset="0"/>
+                          <a:ea typeface="Cambria" panose="02040503050406030204" pitchFamily="18" charset="0"/>
+                        </a:rPr>
+                        <a:t>A | B</a:t>
+                      </a:r>
+                      <a:endParaRPr lang="en-US" sz="2000" dirty="0">
+                        <a:latin typeface="Cambria" panose="02040503050406030204" pitchFamily="18" charset="0"/>
+                        <a:ea typeface="Cambria" panose="02040503050406030204" pitchFamily="18" charset="0"/>
+                      </a:endParaRPr>
+                    </a:p>
+                  </a:txBody>
+                  <a:tcPr/>
+                </a:tc>
+              </a:tr>
+              <a:tr h="370840">
+                <a:tc>
+                  <a:txBody>
+                    <a:bodyPr/>
+                    <a:lstStyle/>
+                    <a:p>
+                      <a:r>
+                        <a:rPr lang="en-US" sz="2000" dirty="0">
+                          <a:latin typeface="Cambria" panose="02040503050406030204" pitchFamily="18" charset="0"/>
+                          <a:ea typeface="Cambria" panose="02040503050406030204" pitchFamily="18" charset="0"/>
+                        </a:rPr>
+                        <a:t>+</a:t>
+                      </a:r>
+                      <a:endParaRPr lang="en-US" sz="2000" dirty="0">
+                        <a:latin typeface="Cambria" panose="02040503050406030204" pitchFamily="18" charset="0"/>
+                        <a:ea typeface="Cambria" panose="02040503050406030204" pitchFamily="18" charset="0"/>
+                      </a:endParaRPr>
+                    </a:p>
+                  </a:txBody>
+                  <a:tcPr/>
+                </a:tc>
+                <a:tc>
+                  <a:txBody>
+                    <a:bodyPr/>
+                    <a:lstStyle/>
+                    <a:p>
+                      <a:r>
+                        <a:rPr lang="en-US" sz="2000" dirty="0">
+                          <a:latin typeface="Cambria" panose="02040503050406030204" pitchFamily="18" charset="0"/>
+                          <a:ea typeface="Cambria" panose="02040503050406030204" pitchFamily="18" charset="0"/>
+                        </a:rPr>
+                        <a:t>A+B</a:t>
+                      </a:r>
+                      <a:endParaRPr lang="en-US" sz="2000" dirty="0">
+                        <a:latin typeface="Cambria" panose="02040503050406030204" pitchFamily="18" charset="0"/>
+                        <a:ea typeface="Cambria" panose="02040503050406030204" pitchFamily="18" charset="0"/>
+                      </a:endParaRPr>
+                    </a:p>
+                  </a:txBody>
+                  <a:tcPr/>
+                </a:tc>
+              </a:tr>
+              <a:tr h="370840">
+                <a:tc>
+                  <a:txBody>
+                    <a:bodyPr/>
+                    <a:lstStyle/>
+                    <a:p>
+                      <a:r>
+                        <a:rPr lang="en-US" sz="2000" dirty="0">
+                          <a:latin typeface="Cambria" panose="02040503050406030204" pitchFamily="18" charset="0"/>
+                          <a:ea typeface="Cambria" panose="02040503050406030204" pitchFamily="18" charset="0"/>
+                        </a:rPr>
+                        <a:t>C</a:t>
+                      </a:r>
+                      <a:endParaRPr lang="en-US" sz="2000" dirty="0">
+                        <a:latin typeface="Cambria" panose="02040503050406030204" pitchFamily="18" charset="0"/>
+                        <a:ea typeface="Cambria" panose="02040503050406030204" pitchFamily="18" charset="0"/>
+                      </a:endParaRPr>
+                    </a:p>
+                  </a:txBody>
+                  <a:tcPr/>
+                </a:tc>
+                <a:tc>
+                  <a:txBody>
+                    <a:bodyPr/>
+                    <a:lstStyle/>
+                    <a:p>
+                      <a:r>
+                        <a:rPr lang="en-US" sz="2000" dirty="0">
+                          <a:latin typeface="Cambria" panose="02040503050406030204" pitchFamily="18" charset="0"/>
+                          <a:ea typeface="Cambria" panose="02040503050406030204" pitchFamily="18" charset="0"/>
+                        </a:rPr>
+                        <a:t>(A+B) | C</a:t>
+                      </a:r>
+                      <a:endParaRPr lang="en-US" sz="2000" dirty="0">
+                        <a:latin typeface="Cambria" panose="02040503050406030204" pitchFamily="18" charset="0"/>
+                        <a:ea typeface="Cambria" panose="02040503050406030204" pitchFamily="18" charset="0"/>
+                      </a:endParaRPr>
+                    </a:p>
+                  </a:txBody>
+                  <a:tcPr/>
+                </a:tc>
+              </a:tr>
+              <a:tr h="370840">
+                <a:tc>
+                  <a:txBody>
+                    <a:bodyPr/>
+                    <a:lstStyle/>
+                    <a:p>
+                      <a:r>
+                        <a:rPr lang="en-US" sz="2000" dirty="0">
+                          <a:latin typeface="Cambria" panose="02040503050406030204" pitchFamily="18" charset="0"/>
+                          <a:ea typeface="Cambria" panose="02040503050406030204" pitchFamily="18" charset="0"/>
+                        </a:rPr>
+                        <a:t>D</a:t>
+                      </a:r>
+                      <a:endParaRPr lang="en-US" sz="2000" dirty="0">
+                        <a:latin typeface="Cambria" panose="02040503050406030204" pitchFamily="18" charset="0"/>
+                        <a:ea typeface="Cambria" panose="02040503050406030204" pitchFamily="18" charset="0"/>
+                      </a:endParaRPr>
+                    </a:p>
+                  </a:txBody>
+                  <a:tcPr/>
+                </a:tc>
+                <a:tc>
+                  <a:txBody>
+                    <a:bodyPr/>
+                    <a:lstStyle/>
+                    <a:p>
+                      <a:r>
+                        <a:rPr lang="en-US" sz="2000" dirty="0">
+                          <a:latin typeface="Cambria" panose="02040503050406030204" pitchFamily="18" charset="0"/>
+                          <a:ea typeface="Cambria" panose="02040503050406030204" pitchFamily="18" charset="0"/>
+                        </a:rPr>
+                        <a:t>(A+B) | C | D</a:t>
+                      </a:r>
+                      <a:endParaRPr lang="en-US" sz="2000" dirty="0">
+                        <a:latin typeface="Cambria" panose="02040503050406030204" pitchFamily="18" charset="0"/>
+                        <a:ea typeface="Cambria" panose="02040503050406030204" pitchFamily="18" charset="0"/>
+                      </a:endParaRPr>
+                    </a:p>
+                  </a:txBody>
+                  <a:tcPr/>
+                </a:tc>
+              </a:tr>
+              <a:tr h="370840">
+                <a:tc>
+                  <a:txBody>
+                    <a:bodyPr/>
+                    <a:lstStyle/>
+                    <a:p>
+                      <a:r>
+                        <a:rPr lang="en-US" sz="2000" dirty="0">
+                          <a:latin typeface="Cambria" panose="02040503050406030204" pitchFamily="18" charset="0"/>
+                          <a:ea typeface="Cambria" panose="02040503050406030204" pitchFamily="18" charset="0"/>
+                        </a:rPr>
+                        <a:t>/</a:t>
+                      </a:r>
+                      <a:endParaRPr lang="en-US" sz="2000" dirty="0">
+                        <a:latin typeface="Cambria" panose="02040503050406030204" pitchFamily="18" charset="0"/>
+                        <a:ea typeface="Cambria" panose="02040503050406030204" pitchFamily="18" charset="0"/>
+                      </a:endParaRPr>
+                    </a:p>
+                  </a:txBody>
+                  <a:tcPr/>
+                </a:tc>
+                <a:tc>
+                  <a:txBody>
+                    <a:bodyPr/>
+                    <a:lstStyle/>
+                    <a:p>
+                      <a:r>
+                        <a:rPr lang="en-US" sz="2000" dirty="0">
+                          <a:latin typeface="Cambria" panose="02040503050406030204" pitchFamily="18" charset="0"/>
+                          <a:ea typeface="Cambria" panose="02040503050406030204" pitchFamily="18" charset="0"/>
+                        </a:rPr>
+                        <a:t>(A+B) | (C/D)</a:t>
+                      </a:r>
+                      <a:endParaRPr lang="en-US" sz="2000" dirty="0">
+                        <a:latin typeface="Cambria" panose="02040503050406030204" pitchFamily="18" charset="0"/>
+                        <a:ea typeface="Cambria" panose="02040503050406030204" pitchFamily="18" charset="0"/>
+                      </a:endParaRPr>
+                    </a:p>
+                  </a:txBody>
+                  <a:tcPr/>
+                </a:tc>
+              </a:tr>
+              <a:tr h="370840">
+                <a:tc>
+                  <a:txBody>
+                    <a:bodyPr/>
+                    <a:lstStyle/>
+                    <a:p>
+                      <a:r>
+                        <a:rPr lang="en-US" sz="2000" dirty="0">
+                          <a:latin typeface="Cambria" panose="02040503050406030204" pitchFamily="18" charset="0"/>
+                          <a:ea typeface="Cambria" panose="02040503050406030204" pitchFamily="18" charset="0"/>
+                        </a:rPr>
+                        <a:t>E</a:t>
+                      </a:r>
+                      <a:endParaRPr lang="en-US" sz="2000" dirty="0">
+                        <a:latin typeface="Cambria" panose="02040503050406030204" pitchFamily="18" charset="0"/>
+                        <a:ea typeface="Cambria" panose="02040503050406030204" pitchFamily="18" charset="0"/>
+                      </a:endParaRPr>
+                    </a:p>
+                  </a:txBody>
+                  <a:tcPr/>
+                </a:tc>
+                <a:tc>
+                  <a:txBody>
+                    <a:bodyPr/>
+                    <a:lstStyle/>
+                    <a:p>
+                      <a:r>
+                        <a:rPr lang="en-US" sz="2000" dirty="0">
+                          <a:latin typeface="Cambria" panose="02040503050406030204" pitchFamily="18" charset="0"/>
+                          <a:ea typeface="Cambria" panose="02040503050406030204" pitchFamily="18" charset="0"/>
+                        </a:rPr>
+                        <a:t>(A+B) | (C/D) | E</a:t>
+                      </a:r>
+                      <a:endParaRPr lang="en-US" sz="2000" dirty="0">
+                        <a:latin typeface="Cambria" panose="02040503050406030204" pitchFamily="18" charset="0"/>
+                        <a:ea typeface="Cambria" panose="02040503050406030204" pitchFamily="18" charset="0"/>
+                      </a:endParaRPr>
+                    </a:p>
+                  </a:txBody>
+                  <a:tcPr/>
+                </a:tc>
+              </a:tr>
+              <a:tr h="370840">
+                <a:tc>
+                  <a:txBody>
+                    <a:bodyPr/>
+                    <a:lstStyle/>
+                    <a:p>
+                      <a:r>
+                        <a:rPr lang="en-US" sz="2000" dirty="0">
+                          <a:latin typeface="Cambria" panose="02040503050406030204" pitchFamily="18" charset="0"/>
+                          <a:ea typeface="Cambria" panose="02040503050406030204" pitchFamily="18" charset="0"/>
+                        </a:rPr>
+                        <a:t>-</a:t>
+                      </a:r>
+                      <a:endParaRPr lang="en-US" sz="2000" dirty="0">
+                        <a:latin typeface="Cambria" panose="02040503050406030204" pitchFamily="18" charset="0"/>
+                        <a:ea typeface="Cambria" panose="02040503050406030204" pitchFamily="18" charset="0"/>
+                      </a:endParaRPr>
+                    </a:p>
+                  </a:txBody>
+                  <a:tcPr/>
+                </a:tc>
+                <a:tc>
+                  <a:txBody>
+                    <a:bodyPr/>
+                    <a:lstStyle/>
+                    <a:p>
+                      <a:r>
+                        <a:rPr lang="en-US" sz="2000" dirty="0">
+                          <a:latin typeface="Cambria" panose="02040503050406030204" pitchFamily="18" charset="0"/>
+                          <a:ea typeface="Cambria" panose="02040503050406030204" pitchFamily="18" charset="0"/>
+                        </a:rPr>
+                        <a:t>(A+B) | ((C/D) – E)</a:t>
+                      </a:r>
+                      <a:endParaRPr lang="en-US" sz="2000" dirty="0">
+                        <a:latin typeface="Cambria" panose="02040503050406030204" pitchFamily="18" charset="0"/>
+                        <a:ea typeface="Cambria" panose="02040503050406030204" pitchFamily="18" charset="0"/>
+                      </a:endParaRPr>
+                    </a:p>
+                  </a:txBody>
+                  <a:tcPr/>
+                </a:tc>
+              </a:tr>
+              <a:tr h="370840">
+                <a:tc>
+                  <a:txBody>
+                    <a:bodyPr/>
+                    <a:lstStyle/>
+                    <a:p>
+                      <a:r>
+                        <a:rPr lang="en-US" sz="2000" dirty="0">
+                          <a:latin typeface="Cambria" panose="02040503050406030204" pitchFamily="18" charset="0"/>
+                          <a:ea typeface="Cambria" panose="02040503050406030204" pitchFamily="18" charset="0"/>
+                        </a:rPr>
+                        <a:t>*</a:t>
+                      </a:r>
+                      <a:endParaRPr lang="en-US" sz="2000" dirty="0">
+                        <a:latin typeface="Cambria" panose="02040503050406030204" pitchFamily="18" charset="0"/>
+                        <a:ea typeface="Cambria" panose="02040503050406030204" pitchFamily="18" charset="0"/>
+                      </a:endParaRPr>
+                    </a:p>
+                  </a:txBody>
+                  <a:tcPr/>
+                </a:tc>
+                <a:tc>
+                  <a:txBody>
+                    <a:bodyPr/>
+                    <a:lstStyle/>
+                    <a:p>
+                      <a:pPr marL="0" marR="0" lvl="0" indent="0" algn="l" defTabSz="914400" rtl="0" eaLnBrk="1" fontAlgn="auto" latinLnBrk="0" hangingPunct="1">
+                        <a:lnSpc>
+                          <a:spcPct val="100000"/>
+                        </a:lnSpc>
+                        <a:spcBef>
+                          <a:spcPts val="0"/>
+                        </a:spcBef>
+                        <a:spcAft>
+                          <a:spcPts val="0"/>
+                        </a:spcAft>
+                        <a:buClrTx/>
+                        <a:buSzTx/>
+                        <a:buFontTx/>
+                        <a:buNone/>
+                        <a:defRPr/>
+                      </a:pPr>
+                      <a:r>
+                        <a:rPr lang="en-US" sz="2000" dirty="0">
+                          <a:latin typeface="Cambria" panose="02040503050406030204" pitchFamily="18" charset="0"/>
+                          <a:ea typeface="Cambria" panose="02040503050406030204" pitchFamily="18" charset="0"/>
+                        </a:rPr>
+                        <a:t>((A+B) * ((C/D) – E))</a:t>
+                      </a:r>
+                      <a:endParaRPr lang="en-US" sz="2000" dirty="0">
+                        <a:latin typeface="Cambria" panose="02040503050406030204" pitchFamily="18" charset="0"/>
+                        <a:ea typeface="Cambria" panose="02040503050406030204" pitchFamily="18" charset="0"/>
+                      </a:endParaRPr>
+                    </a:p>
+                  </a:txBody>
+                  <a:tcPr/>
+                </a:tc>
+              </a:tr>
+            </a:tbl>
+          </a:graphicData>
+        </a:graphic>
+      </p:graphicFrame>
+    </p:spTree>
+  </p:cSld>
+  <p:clrMapOvr>
+    <a:masterClrMapping/>
+  </p:clrMapOvr>
+  <mc:AlternateContent xmlns:mc="http://schemas.openxmlformats.org/markup-compatibility/2006">
+    <mc:Choice xmlns:p15="http://schemas.microsoft.com/office/powerpoint/2012/main" Requires="p15">
+      <p:transition xmlns:p14="http://schemas.microsoft.com/office/powerpoint/2010/main" spd="slow" Requires="p14" p14:dur="1250">
+        <p15:prstTrans prst="airplane"/>
+      </p:transition>
+    </mc:Choice>
+    <mc:Fallback>
+      <p:transition spd="slow">
+        <p:fade/>
+      </p:transition>
+    </mc:Fallback>
+  </mc:AlternateContent>
+</p:sld>
+</file>
+
+<file path=ppt/slides/slide6.xml><?xml version="1.0" encoding="utf-8"?>
+<p:sld xmlns:a="http://schemas.openxmlformats.org/drawingml/2006/main" xmlns:r="http://schemas.openxmlformats.org/officeDocument/2006/relationships" xmlns:p="http://schemas.openxmlformats.org/presentationml/2006/main">
+  <p:cSld>
+    <p:spTree>
+      <p:nvGrpSpPr>
+        <p:cNvPr id="1" name=""/>
+        <p:cNvGrpSpPr/>
+        <p:nvPr/>
+      </p:nvGrpSpPr>
+      <p:grpSpPr>
+        <a:xfrm>
+          <a:off x="0" y="0"/>
+          <a:ext cx="0" cy="0"/>
+          <a:chOff x="0" y="0"/>
+          <a:chExt cx="0" cy="0"/>
+        </a:xfrm>
+      </p:grpSpPr>
+      <p:sp>
+        <p:nvSpPr>
+          <p:cNvPr id="2" name="Title 1"/>
+          <p:cNvSpPr>
+            <a:spLocks noGrp="1"/>
+          </p:cNvSpPr>
+          <p:nvPr>
+            <p:ph type="title"/>
+          </p:nvPr>
+        </p:nvSpPr>
+        <p:spPr>
+          <a:xfrm>
+            <a:off x="1544825" y="89601"/>
+            <a:ext cx="9239716" cy="717223"/>
+          </a:xfrm>
+        </p:spPr>
+        <p:txBody>
+          <a:bodyPr>
+            <a:normAutofit fontScale="90000"/>
+          </a:bodyPr>
+          <a:lstStyle/>
+          <a:p>
+            <a:pPr algn="ctr"/>
+            <a:r>
+              <a:rPr lang="en-US" sz="6000" dirty="0">
+                <a:latin typeface="Cambria" panose="02040503050406030204" pitchFamily="18" charset="0"/>
+                <a:ea typeface="Cambria" panose="02040503050406030204" pitchFamily="18" charset="0"/>
+              </a:rPr>
+              <a:t>INFIX TO PREFIX</a:t>
+            </a:r>
+            <a:endParaRPr lang="en-US" sz="6000" dirty="0">
+              <a:latin typeface="Cambria" panose="02040503050406030204" pitchFamily="18" charset="0"/>
+              <a:ea typeface="Cambria" panose="02040503050406030204" pitchFamily="18" charset="0"/>
+            </a:endParaRPr>
+          </a:p>
+        </p:txBody>
+      </p:sp>
+      <p:sp>
+        <p:nvSpPr>
+          <p:cNvPr id="3" name="Content Placeholder 2"/>
+          <p:cNvSpPr>
+            <a:spLocks noGrp="1"/>
+          </p:cNvSpPr>
+          <p:nvPr>
+            <p:ph idx="1"/>
+          </p:nvPr>
+        </p:nvSpPr>
+        <p:spPr>
+          <a:xfrm>
+            <a:off x="1143000" y="950306"/>
+            <a:ext cx="9905999" cy="5836023"/>
+          </a:xfrm>
+        </p:spPr>
+        <p:txBody>
+          <a:bodyPr numCol="1"/>
+          <a:lstStyle/>
+          <a:p>
+            <a:pPr marL="0" indent="0">
+              <a:lnSpc>
+                <a:spcPct val="100000"/>
+              </a:lnSpc>
+              <a:buNone/>
+            </a:pPr>
+            <a:r>
+              <a:rPr lang="en-US" sz="1800" dirty="0">
+                <a:latin typeface="Cambria" panose="02040503050406030204" pitchFamily="18" charset="0"/>
+                <a:ea typeface="Cambria" panose="02040503050406030204" pitchFamily="18" charset="0"/>
+              </a:rPr>
+              <a:t>Step-1 : Reverse</a:t>
+            </a:r>
+            <a:endParaRPr lang="en-US" sz="1800" dirty="0">
+              <a:latin typeface="Cambria" panose="02040503050406030204" pitchFamily="18" charset="0"/>
+              <a:ea typeface="Cambria" panose="02040503050406030204" pitchFamily="18" charset="0"/>
+            </a:endParaRPr>
+          </a:p>
+          <a:p>
+            <a:pPr marL="0" indent="0">
+              <a:lnSpc>
+                <a:spcPct val="100000"/>
+              </a:lnSpc>
+              <a:buNone/>
+            </a:pPr>
+            <a:r>
+              <a:rPr lang="en-US" sz="1800" dirty="0">
+                <a:latin typeface="Cambria" panose="02040503050406030204" pitchFamily="18" charset="0"/>
+                <a:ea typeface="Cambria" panose="02040503050406030204" pitchFamily="18" charset="0"/>
+              </a:rPr>
+              <a:t>Step-2 : Convert into Postfix</a:t>
+            </a:r>
+            <a:endParaRPr lang="en-US" sz="1800" dirty="0">
+              <a:latin typeface="Cambria" panose="02040503050406030204" pitchFamily="18" charset="0"/>
+              <a:ea typeface="Cambria" panose="02040503050406030204" pitchFamily="18" charset="0"/>
+            </a:endParaRPr>
+          </a:p>
+          <a:p>
+            <a:pPr marL="0" indent="0">
+              <a:lnSpc>
+                <a:spcPct val="100000"/>
+              </a:lnSpc>
+              <a:buNone/>
+            </a:pPr>
+            <a:r>
+              <a:rPr lang="en-US" sz="1800" dirty="0">
+                <a:latin typeface="Cambria" panose="02040503050406030204" pitchFamily="18" charset="0"/>
+                <a:ea typeface="Cambria" panose="02040503050406030204" pitchFamily="18" charset="0"/>
+              </a:rPr>
+              <a:t>Step-3 : Again Reverse</a:t>
+            </a:r>
+            <a:endParaRPr lang="en-US" sz="1800" dirty="0">
+              <a:latin typeface="Cambria" panose="02040503050406030204" pitchFamily="18" charset="0"/>
+              <a:ea typeface="Cambria" panose="02040503050406030204" pitchFamily="18" charset="0"/>
+            </a:endParaRPr>
+          </a:p>
+          <a:p>
+            <a:pPr marL="0" indent="0">
+              <a:lnSpc>
+                <a:spcPct val="100000"/>
+              </a:lnSpc>
+              <a:buNone/>
+            </a:pPr>
+            <a:r>
+              <a:rPr lang="en-US" sz="1800" dirty="0">
+                <a:solidFill>
+                  <a:srgbClr val="FFFF00"/>
+                </a:solidFill>
+                <a:latin typeface="Cambria" panose="02040503050406030204" pitchFamily="18" charset="0"/>
+                <a:ea typeface="Cambria" panose="02040503050406030204" pitchFamily="18" charset="0"/>
+              </a:rPr>
+              <a:t>Infix Expression: (A+B) * C-D</a:t>
+            </a:r>
+            <a:endParaRPr lang="en-US" sz="1800" dirty="0">
+              <a:solidFill>
+                <a:srgbClr val="FFFF00"/>
+              </a:solidFill>
+              <a:latin typeface="Cambria" panose="02040503050406030204" pitchFamily="18" charset="0"/>
+              <a:ea typeface="Cambria" panose="02040503050406030204" pitchFamily="18" charset="0"/>
+            </a:endParaRPr>
+          </a:p>
+          <a:p>
+            <a:pPr marL="0" indent="0">
+              <a:lnSpc>
+                <a:spcPct val="100000"/>
+              </a:lnSpc>
+              <a:buNone/>
+            </a:pPr>
+            <a:r>
+              <a:rPr lang="en-US" sz="1800" dirty="0">
+                <a:solidFill>
+                  <a:schemeClr val="accent4">
+                    <a:lumMod val="60000"/>
+                    <a:lumOff val="40000"/>
+                  </a:schemeClr>
+                </a:solidFill>
+                <a:latin typeface="Cambria" panose="02040503050406030204" pitchFamily="18" charset="0"/>
+                <a:ea typeface="Cambria" panose="02040503050406030204" pitchFamily="18" charset="0"/>
+              </a:rPr>
+              <a:t>Reverse: D-C*(B+A)</a:t>
+            </a:r>
+            <a:endParaRPr lang="en-US" sz="1800" dirty="0">
+              <a:solidFill>
+                <a:schemeClr val="accent4">
+                  <a:lumMod val="60000"/>
+                  <a:lumOff val="40000"/>
+                </a:schemeClr>
+              </a:solidFill>
+              <a:latin typeface="Cambria" panose="02040503050406030204" pitchFamily="18" charset="0"/>
+              <a:ea typeface="Cambria" panose="02040503050406030204" pitchFamily="18" charset="0"/>
+            </a:endParaRPr>
+          </a:p>
+          <a:p>
+            <a:pPr marL="0" indent="0">
+              <a:lnSpc>
+                <a:spcPct val="100000"/>
+              </a:lnSpc>
+              <a:buNone/>
+            </a:pPr>
+            <a:endParaRPr lang="en-US" sz="1800" dirty="0">
+              <a:latin typeface="Cambria" panose="02040503050406030204" pitchFamily="18" charset="0"/>
+              <a:ea typeface="Cambria" panose="02040503050406030204" pitchFamily="18" charset="0"/>
+            </a:endParaRPr>
+          </a:p>
+          <a:p>
+            <a:pPr marL="0" indent="0">
+              <a:lnSpc>
+                <a:spcPct val="100000"/>
+              </a:lnSpc>
+              <a:buNone/>
+            </a:pPr>
+            <a:endParaRPr lang="en-US" sz="1800" dirty="0">
+              <a:latin typeface="Cambria" panose="02040503050406030204" pitchFamily="18" charset="0"/>
+              <a:ea typeface="Cambria" panose="02040503050406030204" pitchFamily="18" charset="0"/>
+            </a:endParaRPr>
+          </a:p>
+          <a:p>
+            <a:pPr marL="0" indent="0">
+              <a:lnSpc>
+                <a:spcPct val="100000"/>
+              </a:lnSpc>
+              <a:buNone/>
+            </a:pPr>
+            <a:endParaRPr lang="en-US" sz="1800" dirty="0">
+              <a:latin typeface="Cambria" panose="02040503050406030204" pitchFamily="18" charset="0"/>
+              <a:ea typeface="Cambria" panose="02040503050406030204" pitchFamily="18" charset="0"/>
+            </a:endParaRPr>
+          </a:p>
+          <a:p>
+            <a:pPr marL="0" indent="0">
+              <a:lnSpc>
+                <a:spcPct val="100000"/>
+              </a:lnSpc>
+              <a:buNone/>
+            </a:pPr>
+            <a:endParaRPr lang="en-US" sz="1800" dirty="0">
+              <a:latin typeface="Cambria" panose="02040503050406030204" pitchFamily="18" charset="0"/>
+              <a:ea typeface="Cambria" panose="02040503050406030204" pitchFamily="18" charset="0"/>
+            </a:endParaRPr>
+          </a:p>
+          <a:p>
+            <a:pPr marL="0" indent="0">
+              <a:lnSpc>
+                <a:spcPct val="100000"/>
+              </a:lnSpc>
+              <a:buNone/>
+            </a:pPr>
+            <a:endParaRPr lang="en-US" sz="1800" dirty="0">
+              <a:latin typeface="Cambria" panose="02040503050406030204" pitchFamily="18" charset="0"/>
+              <a:ea typeface="Cambria" panose="02040503050406030204" pitchFamily="18" charset="0"/>
+            </a:endParaRPr>
+          </a:p>
+          <a:p>
+            <a:pPr marL="0" indent="0">
+              <a:lnSpc>
+                <a:spcPct val="100000"/>
+              </a:lnSpc>
+              <a:buNone/>
+            </a:pPr>
+            <a:endParaRPr lang="en-US" sz="1800" dirty="0">
+              <a:latin typeface="Cambria" panose="02040503050406030204" pitchFamily="18" charset="0"/>
+              <a:ea typeface="Cambria" panose="02040503050406030204" pitchFamily="18" charset="0"/>
+            </a:endParaRPr>
+          </a:p>
+          <a:p>
+            <a:pPr marL="0" indent="0">
+              <a:lnSpc>
+                <a:spcPct val="100000"/>
+              </a:lnSpc>
+              <a:buNone/>
+            </a:pPr>
+            <a:endParaRPr lang="en-US" sz="1800" dirty="0">
+              <a:latin typeface="Cambria" panose="02040503050406030204" pitchFamily="18" charset="0"/>
+              <a:ea typeface="Cambria" panose="02040503050406030204" pitchFamily="18" charset="0"/>
+            </a:endParaRPr>
+          </a:p>
+          <a:p>
+            <a:pPr marL="0" indent="0">
+              <a:lnSpc>
+                <a:spcPct val="100000"/>
+              </a:lnSpc>
+              <a:buNone/>
+            </a:pPr>
+            <a:r>
+              <a:rPr lang="en-US" sz="1800" dirty="0">
+                <a:solidFill>
+                  <a:schemeClr val="accent4">
+                    <a:lumMod val="60000"/>
+                    <a:lumOff val="40000"/>
+                  </a:schemeClr>
+                </a:solidFill>
+                <a:latin typeface="Cambria" panose="02040503050406030204" pitchFamily="18" charset="0"/>
+                <a:ea typeface="Cambria" panose="02040503050406030204" pitchFamily="18" charset="0"/>
+              </a:rPr>
+              <a:t>Reverse again : -*+ABCD</a:t>
+            </a:r>
+            <a:endParaRPr lang="en-US" sz="1800" dirty="0">
+              <a:solidFill>
+                <a:schemeClr val="accent4">
+                  <a:lumMod val="60000"/>
+                  <a:lumOff val="40000"/>
+                </a:schemeClr>
+              </a:solidFill>
+              <a:latin typeface="Cambria" panose="02040503050406030204" pitchFamily="18" charset="0"/>
+              <a:ea typeface="Cambria" panose="02040503050406030204" pitchFamily="18" charset="0"/>
+            </a:endParaRPr>
+          </a:p>
+          <a:p>
+            <a:pPr marL="0" indent="0">
+              <a:lnSpc>
+                <a:spcPct val="100000"/>
+              </a:lnSpc>
+              <a:buNone/>
+            </a:pPr>
+            <a:r>
+              <a:rPr lang="en-US" sz="1800" dirty="0">
+                <a:latin typeface="Cambria" panose="02040503050406030204" pitchFamily="18" charset="0"/>
+                <a:ea typeface="Cambria" panose="02040503050406030204" pitchFamily="18" charset="0"/>
+              </a:rPr>
+              <a:t>So, -*+ABCD is the Prefix expression</a:t>
+            </a:r>
+            <a:endParaRPr lang="en-US" sz="1800" dirty="0">
+              <a:latin typeface="Cambria" panose="02040503050406030204" pitchFamily="18" charset="0"/>
+              <a:ea typeface="Cambria" panose="02040503050406030204" pitchFamily="18" charset="0"/>
+            </a:endParaRPr>
+          </a:p>
+          <a:p>
+            <a:pPr marL="0" indent="0">
+              <a:buNone/>
+            </a:pPr>
+            <a:endParaRPr lang="en-US" dirty="0"/>
+          </a:p>
+        </p:txBody>
+      </p:sp>
+      <p:graphicFrame>
+        <p:nvGraphicFramePr>
+          <p:cNvPr id="5" name="Table 5"/>
+          <p:cNvGraphicFramePr>
+            <a:graphicFrameLocks noGrp="1"/>
+          </p:cNvGraphicFramePr>
+          <p:nvPr/>
+        </p:nvGraphicFramePr>
+        <p:xfrm>
+          <a:off x="4703343" y="1089511"/>
+          <a:ext cx="6648870" cy="4389120"/>
+        </p:xfrm>
+        <a:graphic>
+          <a:graphicData uri="http://schemas.openxmlformats.org/drawingml/2006/table">
+            <a:tbl>
+              <a:tblPr firstRow="1" bandRow="1">
+                <a:tableStyleId>{073A0DAA-6AF3-43AB-8588-CEC1D06C72B9}</a:tableStyleId>
+              </a:tblPr>
+              <a:tblGrid>
+                <a:gridCol w="1736210"/>
+                <a:gridCol w="1739153"/>
+                <a:gridCol w="3173507"/>
+              </a:tblGrid>
+              <a:tr h="0">
+                <a:tc>
+                  <a:txBody>
+                    <a:bodyPr/>
+                    <a:lstStyle/>
+                    <a:p>
+                      <a:r>
+                        <a:rPr lang="en-US" dirty="0">
+                          <a:latin typeface="Cambria" panose="02040503050406030204" pitchFamily="18" charset="0"/>
+                          <a:ea typeface="Cambria" panose="02040503050406030204" pitchFamily="18" charset="0"/>
+                        </a:rPr>
+                        <a:t>Symbol</a:t>
+                      </a:r>
                       <a:endParaRPr lang="en-US" dirty="0">
                         <a:latin typeface="Cambria" panose="02040503050406030204" pitchFamily="18" charset="0"/>
                         <a:ea typeface="Cambria" panose="02040503050406030204" pitchFamily="18" charset="0"/>
@@ -13637,49 +14317,12 @@
                           <a:latin typeface="Cambria" panose="02040503050406030204" pitchFamily="18" charset="0"/>
                           <a:ea typeface="Cambria" panose="02040503050406030204" pitchFamily="18" charset="0"/>
                         </a:rPr>
-                        <a:t>AB+</a:t>
+                        <a:t>Stack</a:t>
                       </a:r>
-                    </a:p>
-                  </a:txBody>
-                  <a:tcPr/>
-                </a:tc>
-                <a:extLst>
-                  <a:ext uri="{0D108BD9-81ED-4DB2-BD59-A6C34878D82A}">
-                    <a16:rowId xmlns:a16="http://schemas.microsoft.com/office/drawing/2014/main" val="1650356180"/>
-                  </a:ext>
-                </a:extLst>
-              </a:tr>
-              <a:tr h="294086">
-                <a:tc>
-                  <a:txBody>
-                    <a:bodyPr/>
-                    <a:lstStyle/>
-                    <a:p>
-                      <a:pPr algn="ctr"/>
-                      <a:r>
-                        <a:rPr lang="en-US" dirty="0">
-                          <a:latin typeface="Cambria" panose="02040503050406030204" pitchFamily="18" charset="0"/>
-                          <a:ea typeface="Cambria" panose="02040503050406030204" pitchFamily="18" charset="0"/>
-                        </a:rPr>
-                        <a:t>*</a:t>
-                      </a:r>
-                    </a:p>
-                  </a:txBody>
-                  <a:tcPr/>
-                </a:tc>
-                <a:tc>
-                  <a:txBody>
-                    <a:bodyPr/>
-                    <a:lstStyle/>
-                    <a:p>
-                      <a:pPr algn="ctr"/>
-                      <a:r>
-                        <a:rPr lang="en-US" dirty="0">
-                          <a:latin typeface="Cambria" panose="02040503050406030204" pitchFamily="18" charset="0"/>
-                          <a:ea typeface="Cambria" panose="02040503050406030204" pitchFamily="18" charset="0"/>
-                        </a:rPr>
-                        <a:t>*</a:t>
-                      </a:r>
+                      <a:endParaRPr lang="en-US" dirty="0">
+                        <a:latin typeface="Cambria" panose="02040503050406030204" pitchFamily="18" charset="0"/>
+                        <a:ea typeface="Cambria" panose="02040503050406030204" pitchFamily="18" charset="0"/>
+                      </a:endParaRPr>
                     </a:p>
                   </a:txBody>
                   <a:tcPr/>
@@ -13694,53 +14337,18 @@
                           <a:latin typeface="Cambria" panose="02040503050406030204" pitchFamily="18" charset="0"/>
                           <a:ea typeface="Cambria" panose="02040503050406030204" pitchFamily="18" charset="0"/>
                         </a:rPr>
-                        <a:t>AB+</a:t>
+                        <a:t>Expression</a:t>
                       </a:r>
+                      <a:endParaRPr lang="en-US" dirty="0">
+                        <a:latin typeface="Cambria" panose="02040503050406030204" pitchFamily="18" charset="0"/>
+                        <a:ea typeface="Cambria" panose="02040503050406030204" pitchFamily="18" charset="0"/>
+                      </a:endParaRPr>
                     </a:p>
                   </a:txBody>
                   <a:tcPr/>
                 </a:tc>
-                <a:extLst>
-                  <a:ext uri="{0D108BD9-81ED-4DB2-BD59-A6C34878D82A}">
-                    <a16:rowId xmlns:a16="http://schemas.microsoft.com/office/drawing/2014/main" val="3275032366"/>
-                  </a:ext>
-                </a:extLst>
               </a:tr>
-              <a:tr h="294086">
-                <a:tc>
-                  <a:txBody>
-                    <a:bodyPr/>
-                    <a:lstStyle/>
-                    <a:p>
-                      <a:pPr algn="ctr"/>
-                      <a:r>
-                        <a:rPr lang="en-US" dirty="0">
-                          <a:latin typeface="Cambria" panose="02040503050406030204" pitchFamily="18" charset="0"/>
-                          <a:ea typeface="Cambria" panose="02040503050406030204" pitchFamily="18" charset="0"/>
-                        </a:rPr>
-                        <a:t>(</a:t>
-                      </a:r>
-                    </a:p>
-                  </a:txBody>
-                  <a:tcPr/>
-                </a:tc>
-                <a:tc>
-                  <a:txBody>
-                    <a:bodyPr/>
-                    <a:lstStyle/>
-                    <a:p>
-                      <a:pPr algn="ctr"/>
-                      <a:r>
-                        <a:rPr lang="en-US" dirty="0">
-                          <a:latin typeface="Cambria" panose="02040503050406030204" pitchFamily="18" charset="0"/>
-                          <a:ea typeface="Cambria" panose="02040503050406030204" pitchFamily="18" charset="0"/>
-                        </a:rPr>
-                        <a:t>*(</a:t>
-                      </a:r>
-                    </a:p>
-                  </a:txBody>
-                  <a:tcPr/>
-                </a:tc>
+              <a:tr h="339084">
                 <a:tc>
                   <a:txBody>
                     <a:bodyPr/>
@@ -13751,367 +14359,9 @@
                           <a:latin typeface="Cambria" panose="02040503050406030204" pitchFamily="18" charset="0"/>
                           <a:ea typeface="Cambria" panose="02040503050406030204" pitchFamily="18" charset="0"/>
                         </a:rPr>
-                        <a:t>AB+</a:t>
-                      </a:r>
-                    </a:p>
-                  </a:txBody>
-                  <a:tcPr/>
-                </a:tc>
-                <a:extLst>
-                  <a:ext uri="{0D108BD9-81ED-4DB2-BD59-A6C34878D82A}">
-                    <a16:rowId xmlns:a16="http://schemas.microsoft.com/office/drawing/2014/main" val="1508979664"/>
-                  </a:ext>
-                </a:extLst>
-              </a:tr>
-              <a:tr h="294086">
-                <a:tc>
-                  <a:txBody>
-                    <a:bodyPr/>
-                    <a:lstStyle/>
-                    <a:p>
-                      <a:pPr algn="ctr"/>
-                      <a:r>
-                        <a:rPr lang="en-US" dirty="0">
-                          <a:latin typeface="Cambria" panose="02040503050406030204" pitchFamily="18" charset="0"/>
-                          <a:ea typeface="Cambria" panose="02040503050406030204" pitchFamily="18" charset="0"/>
-                        </a:rPr>
-                        <a:t>C</a:t>
-                      </a:r>
-                    </a:p>
-                  </a:txBody>
-                  <a:tcPr/>
-                </a:tc>
-                <a:tc>
-                  <a:txBody>
-                    <a:bodyPr/>
-                    <a:lstStyle/>
-                    <a:p>
-                      <a:pPr algn="ctr"/>
-                      <a:r>
-                        <a:rPr lang="en-US" dirty="0">
-                          <a:latin typeface="Cambria" panose="02040503050406030204" pitchFamily="18" charset="0"/>
-                          <a:ea typeface="Cambria" panose="02040503050406030204" pitchFamily="18" charset="0"/>
-                        </a:rPr>
-                        <a:t>*(</a:t>
-                      </a:r>
-                    </a:p>
-                  </a:txBody>
-                  <a:tcPr/>
-                </a:tc>
-                <a:tc>
-                  <a:txBody>
-                    <a:bodyPr/>
-                    <a:lstStyle/>
-                    <a:p>
-                      <a:r>
-                        <a:rPr lang="en-US" dirty="0">
-                          <a:latin typeface="Cambria" panose="02040503050406030204" pitchFamily="18" charset="0"/>
-                          <a:ea typeface="Cambria" panose="02040503050406030204" pitchFamily="18" charset="0"/>
-                        </a:rPr>
-                        <a:t>AB+C</a:t>
-                      </a:r>
-                    </a:p>
-                  </a:txBody>
-                  <a:tcPr/>
-                </a:tc>
-                <a:extLst>
-                  <a:ext uri="{0D108BD9-81ED-4DB2-BD59-A6C34878D82A}">
-                    <a16:rowId xmlns:a16="http://schemas.microsoft.com/office/drawing/2014/main" val="317031261"/>
-                  </a:ext>
-                </a:extLst>
-              </a:tr>
-              <a:tr h="294086">
-                <a:tc>
-                  <a:txBody>
-                    <a:bodyPr/>
-                    <a:lstStyle/>
-                    <a:p>
-                      <a:pPr algn="ctr"/>
-                      <a:r>
-                        <a:rPr lang="en-US" dirty="0">
-                          <a:latin typeface="Cambria" panose="02040503050406030204" pitchFamily="18" charset="0"/>
-                          <a:ea typeface="Cambria" panose="02040503050406030204" pitchFamily="18" charset="0"/>
-                        </a:rPr>
-                        <a:t>/</a:t>
-                      </a:r>
-                    </a:p>
-                  </a:txBody>
-                  <a:tcPr/>
-                </a:tc>
-                <a:tc>
-                  <a:txBody>
-                    <a:bodyPr/>
-                    <a:lstStyle/>
-                    <a:p>
-                      <a:pPr algn="ctr"/>
-                      <a:r>
-                        <a:rPr lang="en-US" dirty="0">
-                          <a:latin typeface="Cambria" panose="02040503050406030204" pitchFamily="18" charset="0"/>
-                          <a:ea typeface="Cambria" panose="02040503050406030204" pitchFamily="18" charset="0"/>
-                        </a:rPr>
-                        <a:t>*(/</a:t>
-                      </a:r>
-                    </a:p>
-                  </a:txBody>
-                  <a:tcPr/>
-                </a:tc>
-                <a:tc>
-                  <a:txBody>
-                    <a:bodyPr/>
-                    <a:lstStyle/>
-                    <a:p>
-                      <a:r>
-                        <a:rPr lang="en-US" dirty="0">
-                          <a:latin typeface="Cambria" panose="02040503050406030204" pitchFamily="18" charset="0"/>
-                          <a:ea typeface="Cambria" panose="02040503050406030204" pitchFamily="18" charset="0"/>
-                        </a:rPr>
-                        <a:t>AB+C</a:t>
-                      </a:r>
-                    </a:p>
-                  </a:txBody>
-                  <a:tcPr/>
-                </a:tc>
-                <a:extLst>
-                  <a:ext uri="{0D108BD9-81ED-4DB2-BD59-A6C34878D82A}">
-                    <a16:rowId xmlns:a16="http://schemas.microsoft.com/office/drawing/2014/main" val="110697315"/>
-                  </a:ext>
-                </a:extLst>
-              </a:tr>
-              <a:tr h="294086">
-                <a:tc>
-                  <a:txBody>
-                    <a:bodyPr/>
-                    <a:lstStyle/>
-                    <a:p>
-                      <a:pPr algn="ctr"/>
-                      <a:r>
-                        <a:rPr lang="en-US" dirty="0">
-                          <a:latin typeface="Cambria" panose="02040503050406030204" pitchFamily="18" charset="0"/>
-                          <a:ea typeface="Cambria" panose="02040503050406030204" pitchFamily="18" charset="0"/>
-                        </a:rPr>
                         <a:t>D</a:t>
                       </a:r>
-                    </a:p>
-                  </a:txBody>
-                  <a:tcPr/>
-                </a:tc>
-                <a:tc>
-                  <a:txBody>
-                    <a:bodyPr/>
-                    <a:lstStyle/>
-                    <a:p>
-                      <a:pPr algn="ctr"/>
-                      <a:r>
-                        <a:rPr lang="en-US" dirty="0">
-                          <a:latin typeface="Cambria" panose="02040503050406030204" pitchFamily="18" charset="0"/>
-                          <a:ea typeface="Cambria" panose="02040503050406030204" pitchFamily="18" charset="0"/>
-                        </a:rPr>
-                        <a:t>*(/</a:t>
-                      </a:r>
-                    </a:p>
-                  </a:txBody>
-                  <a:tcPr/>
-                </a:tc>
-                <a:tc>
-                  <a:txBody>
-                    <a:bodyPr/>
-                    <a:lstStyle/>
-                    <a:p>
-                      <a:r>
-                        <a:rPr lang="en-US" dirty="0">
-                          <a:latin typeface="Cambria" panose="02040503050406030204" pitchFamily="18" charset="0"/>
-                          <a:ea typeface="Cambria" panose="02040503050406030204" pitchFamily="18" charset="0"/>
-                        </a:rPr>
-                        <a:t>AB+CD</a:t>
-                      </a:r>
-                    </a:p>
-                  </a:txBody>
-                  <a:tcPr/>
-                </a:tc>
-                <a:extLst>
-                  <a:ext uri="{0D108BD9-81ED-4DB2-BD59-A6C34878D82A}">
-                    <a16:rowId xmlns:a16="http://schemas.microsoft.com/office/drawing/2014/main" val="1067399888"/>
-                  </a:ext>
-                </a:extLst>
-              </a:tr>
-              <a:tr h="294086">
-                <a:tc>
-                  <a:txBody>
-                    <a:bodyPr/>
-                    <a:lstStyle/>
-                    <a:p>
-                      <a:pPr algn="ctr"/>
-                      <a:r>
-                        <a:rPr lang="en-US" dirty="0">
-                          <a:latin typeface="Cambria" panose="02040503050406030204" pitchFamily="18" charset="0"/>
-                          <a:ea typeface="Cambria" panose="02040503050406030204" pitchFamily="18" charset="0"/>
-                        </a:rPr>
-                        <a:t>-</a:t>
-                      </a:r>
-                    </a:p>
-                  </a:txBody>
-                  <a:tcPr/>
-                </a:tc>
-                <a:tc>
-                  <a:txBody>
-                    <a:bodyPr/>
-                    <a:lstStyle/>
-                    <a:p>
-                      <a:pPr algn="ctr"/>
-                      <a:r>
-                        <a:rPr lang="en-US" dirty="0">
-                          <a:latin typeface="Cambria" panose="02040503050406030204" pitchFamily="18" charset="0"/>
-                          <a:ea typeface="Cambria" panose="02040503050406030204" pitchFamily="18" charset="0"/>
-                        </a:rPr>
-                        <a:t>*(-</a:t>
-                      </a:r>
-                    </a:p>
-                  </a:txBody>
-                  <a:tcPr/>
-                </a:tc>
-                <a:tc>
-                  <a:txBody>
-                    <a:bodyPr/>
-                    <a:lstStyle/>
-                    <a:p>
-                      <a:r>
-                        <a:rPr lang="en-US" dirty="0">
-                          <a:latin typeface="Cambria" panose="02040503050406030204" pitchFamily="18" charset="0"/>
-                          <a:ea typeface="Cambria" panose="02040503050406030204" pitchFamily="18" charset="0"/>
-                        </a:rPr>
-                        <a:t>AB+CD/</a:t>
-                      </a:r>
-                    </a:p>
-                  </a:txBody>
-                  <a:tcPr/>
-                </a:tc>
-                <a:extLst>
-                  <a:ext uri="{0D108BD9-81ED-4DB2-BD59-A6C34878D82A}">
-                    <a16:rowId xmlns:a16="http://schemas.microsoft.com/office/drawing/2014/main" val="2276524575"/>
-                  </a:ext>
-                </a:extLst>
-              </a:tr>
-              <a:tr h="294086">
-                <a:tc>
-                  <a:txBody>
-                    <a:bodyPr/>
-                    <a:lstStyle/>
-                    <a:p>
-                      <a:pPr algn="ctr"/>
-                      <a:r>
-                        <a:rPr lang="en-US" dirty="0">
-                          <a:latin typeface="Cambria" panose="02040503050406030204" pitchFamily="18" charset="0"/>
-                          <a:ea typeface="Cambria" panose="02040503050406030204" pitchFamily="18" charset="0"/>
-                        </a:rPr>
-                        <a:t>E</a:t>
-                      </a:r>
-                    </a:p>
-                  </a:txBody>
-                  <a:tcPr/>
-                </a:tc>
-                <a:tc>
-                  <a:txBody>
-                    <a:bodyPr/>
-                    <a:lstStyle/>
-                    <a:p>
-                      <a:pPr algn="ctr"/>
-                      <a:r>
-                        <a:rPr lang="en-US" dirty="0">
-                          <a:latin typeface="Cambria" panose="02040503050406030204" pitchFamily="18" charset="0"/>
-                          <a:ea typeface="Cambria" panose="02040503050406030204" pitchFamily="18" charset="0"/>
-                        </a:rPr>
-                        <a:t>*(-</a:t>
-                      </a:r>
-                    </a:p>
-                  </a:txBody>
-                  <a:tcPr/>
-                </a:tc>
-                <a:tc>
-                  <a:txBody>
-                    <a:bodyPr/>
-                    <a:lstStyle/>
-                    <a:p>
-                      <a:r>
-                        <a:rPr lang="en-US" dirty="0">
-                          <a:latin typeface="Cambria" panose="02040503050406030204" pitchFamily="18" charset="0"/>
-                          <a:ea typeface="Cambria" panose="02040503050406030204" pitchFamily="18" charset="0"/>
-                        </a:rPr>
-                        <a:t>AB+CD/E</a:t>
-                      </a:r>
-                    </a:p>
-                  </a:txBody>
-                  <a:tcPr/>
-                </a:tc>
-                <a:extLst>
-                  <a:ext uri="{0D108BD9-81ED-4DB2-BD59-A6C34878D82A}">
-                    <a16:rowId xmlns:a16="http://schemas.microsoft.com/office/drawing/2014/main" val="2894577507"/>
-                  </a:ext>
-                </a:extLst>
-              </a:tr>
-              <a:tr h="294086">
-                <a:tc>
-                  <a:txBody>
-                    <a:bodyPr/>
-                    <a:lstStyle/>
-                    <a:p>
-                      <a:pPr algn="ctr"/>
-                      <a:r>
-                        <a:rPr lang="en-US" dirty="0">
-                          <a:latin typeface="Cambria" panose="02040503050406030204" pitchFamily="18" charset="0"/>
-                          <a:ea typeface="Cambria" panose="02040503050406030204" pitchFamily="18" charset="0"/>
-                        </a:rPr>
-                        <a:t>)</a:t>
-                      </a:r>
-                    </a:p>
-                  </a:txBody>
-                  <a:tcPr/>
-                </a:tc>
-                <a:tc>
-                  <a:txBody>
-                    <a:bodyPr/>
-                    <a:lstStyle/>
-                    <a:p>
-                      <a:pPr algn="ctr"/>
-                      <a:r>
-                        <a:rPr lang="en-US" dirty="0">
-                          <a:latin typeface="Cambria" panose="02040503050406030204" pitchFamily="18" charset="0"/>
-                          <a:ea typeface="Cambria" panose="02040503050406030204" pitchFamily="18" charset="0"/>
-                        </a:rPr>
-                        <a:t>*</a:t>
-                      </a:r>
-                    </a:p>
-                  </a:txBody>
-                  <a:tcPr/>
-                </a:tc>
-                <a:tc>
-                  <a:txBody>
-                    <a:bodyPr/>
-                    <a:lstStyle/>
-                    <a:p>
-                      <a:r>
-                        <a:rPr lang="en-US" dirty="0">
-                          <a:latin typeface="Cambria" panose="02040503050406030204" pitchFamily="18" charset="0"/>
-                          <a:ea typeface="Cambria" panose="02040503050406030204" pitchFamily="18" charset="0"/>
-                        </a:rPr>
-                        <a:t>AB+CD/E-</a:t>
-                      </a:r>
-                    </a:p>
-                  </a:txBody>
-                  <a:tcPr/>
-                </a:tc>
-                <a:extLst>
-                  <a:ext uri="{0D108BD9-81ED-4DB2-BD59-A6C34878D82A}">
-                    <a16:rowId xmlns:a16="http://schemas.microsoft.com/office/drawing/2014/main" val="2826639743"/>
-                  </a:ext>
-                </a:extLst>
-              </a:tr>
-              <a:tr h="294086">
-                <a:tc>
-                  <a:txBody>
-                    <a:bodyPr/>
-                    <a:lstStyle/>
-                    <a:p>
-                      <a:endParaRPr lang="en-US">
+                      <a:endParaRPr lang="en-US" dirty="0">
                         <a:latin typeface="Cambria" panose="02040503050406030204" pitchFamily="18" charset="0"/>
                         <a:ea typeface="Cambria" panose="02040503050406030204" pitchFamily="18" charset="0"/>
                       </a:endParaRPr>
@@ -14142,960 +14392,18 @@
                           <a:latin typeface="Cambria" panose="02040503050406030204" pitchFamily="18" charset="0"/>
                           <a:ea typeface="Cambria" panose="02040503050406030204" pitchFamily="18" charset="0"/>
                         </a:rPr>
-                        <a:t>AB+CD/E-*</a:t>
+                        <a:t>D</a:t>
                       </a:r>
+                      <a:endParaRPr lang="en-US" dirty="0">
+                        <a:latin typeface="Cambria" panose="02040503050406030204" pitchFamily="18" charset="0"/>
+                        <a:ea typeface="Cambria" panose="02040503050406030204" pitchFamily="18" charset="0"/>
+                      </a:endParaRPr>
                     </a:p>
                   </a:txBody>
                   <a:tcPr/>
                 </a:tc>
-                <a:extLst>
-                  <a:ext uri="{0D108BD9-81ED-4DB2-BD59-A6C34878D82A}">
-                    <a16:rowId xmlns:a16="http://schemas.microsoft.com/office/drawing/2014/main" val="3212761899"/>
-                  </a:ext>
-                </a:extLst>
               </a:tr>
-            </a:tbl>
-          </a:graphicData>
-        </a:graphic>
-      </p:graphicFrame>
-    </p:spTree>
-    <p:extLst>
-      <p:ext uri="{BB962C8B-B14F-4D97-AF65-F5344CB8AC3E}">
-        <p14:creationId xmlns:p14="http://schemas.microsoft.com/office/powerpoint/2010/main" val="826766197"/>
-      </p:ext>
-    </p:extLst>
-  </p:cSld>
-  <p:clrMapOvr>
-    <a:masterClrMapping/>
-  </p:clrMapOvr>
-</p:sld>
-</file>
-
-<file path=ppt/slides/slide5.xml><?xml version="1.0" encoding="utf-8"?>
-<p:sld xmlns:a="http://schemas.openxmlformats.org/drawingml/2006/main" xmlns:r="http://schemas.openxmlformats.org/officeDocument/2006/relationships" xmlns:p="http://schemas.openxmlformats.org/presentationml/2006/main">
-  <p:cSld>
-    <p:spTree>
-      <p:nvGrpSpPr>
-        <p:cNvPr id="1" name=""/>
-        <p:cNvGrpSpPr/>
-        <p:nvPr/>
-      </p:nvGrpSpPr>
-      <p:grpSpPr>
-        <a:xfrm>
-          <a:off x="0" y="0"/>
-          <a:ext cx="0" cy="0"/>
-          <a:chOff x="0" y="0"/>
-          <a:chExt cx="0" cy="0"/>
-        </a:xfrm>
-      </p:grpSpPr>
-      <p:sp>
-        <p:nvSpPr>
-          <p:cNvPr id="2" name="Title 1">
-            <a:extLst>
-              <a:ext uri="{FF2B5EF4-FFF2-40B4-BE49-F238E27FC236}">
-                <a16:creationId xmlns:a16="http://schemas.microsoft.com/office/drawing/2014/main" id="{2A53436E-1274-59C8-EEB8-3FA795E9DAA0}"/>
-              </a:ext>
-            </a:extLst>
-          </p:cNvPr>
-          <p:cNvSpPr>
-            <a:spLocks noGrp="1"/>
-          </p:cNvSpPr>
-          <p:nvPr>
-            <p:ph type="title"/>
-          </p:nvPr>
-        </p:nvSpPr>
-        <p:spPr>
-          <a:xfrm>
-            <a:off x="1141412" y="170281"/>
-            <a:ext cx="9905998" cy="896517"/>
-          </a:xfrm>
-        </p:spPr>
-        <p:txBody>
-          <a:bodyPr>
-            <a:normAutofit fontScale="90000"/>
-          </a:bodyPr>
-          <a:lstStyle/>
-          <a:p>
-            <a:pPr algn="ctr"/>
-            <a:r>
-              <a:rPr lang="en-US" sz="6000" dirty="0">
-                <a:latin typeface="Cambria" panose="02040503050406030204" pitchFamily="18" charset="0"/>
-                <a:ea typeface="Cambria" panose="02040503050406030204" pitchFamily="18" charset="0"/>
-              </a:rPr>
-              <a:t>Postfix to infix</a:t>
-            </a:r>
-          </a:p>
-        </p:txBody>
-      </p:sp>
-      <p:sp>
-        <p:nvSpPr>
-          <p:cNvPr id="3" name="Content Placeholder 2">
-            <a:extLst>
-              <a:ext uri="{FF2B5EF4-FFF2-40B4-BE49-F238E27FC236}">
-                <a16:creationId xmlns:a16="http://schemas.microsoft.com/office/drawing/2014/main" id="{DDC52AB2-A62E-55ED-D52D-A2622B38C064}"/>
-              </a:ext>
-            </a:extLst>
-          </p:cNvPr>
-          <p:cNvSpPr>
-            <a:spLocks noGrp="1"/>
-          </p:cNvSpPr>
-          <p:nvPr>
-            <p:ph idx="1"/>
-          </p:nvPr>
-        </p:nvSpPr>
-        <p:spPr>
-          <a:xfrm>
-            <a:off x="1141412" y="914400"/>
-            <a:ext cx="9905999" cy="4876801"/>
-          </a:xfrm>
-        </p:spPr>
-        <p:txBody>
-          <a:bodyPr/>
-          <a:lstStyle/>
-          <a:p>
-            <a:pPr marL="0" indent="0">
-              <a:buNone/>
-            </a:pPr>
-            <a:r>
-              <a:rPr lang="en-US" dirty="0">
-                <a:solidFill>
-                  <a:srgbClr val="FFFF00"/>
-                </a:solidFill>
-                <a:latin typeface="Cambria" panose="02040503050406030204" pitchFamily="18" charset="0"/>
-                <a:ea typeface="Cambria" panose="02040503050406030204" pitchFamily="18" charset="0"/>
-              </a:rPr>
-              <a:t>Postfix : AB+CD/E-*</a:t>
-            </a:r>
-          </a:p>
-          <a:p>
-            <a:pPr marL="0" indent="0">
-              <a:buNone/>
-            </a:pPr>
-            <a:endParaRPr lang="en-US" dirty="0">
-              <a:solidFill>
-                <a:srgbClr val="FFFF00"/>
-              </a:solidFill>
-            </a:endParaRPr>
-          </a:p>
-        </p:txBody>
-      </p:sp>
-      <p:graphicFrame>
-        <p:nvGraphicFramePr>
-          <p:cNvPr id="5" name="Table 5">
-            <a:extLst>
-              <a:ext uri="{FF2B5EF4-FFF2-40B4-BE49-F238E27FC236}">
-                <a16:creationId xmlns:a16="http://schemas.microsoft.com/office/drawing/2014/main" id="{F4108861-E472-B1B2-E31B-1BC5D141E11D}"/>
-              </a:ext>
-            </a:extLst>
-          </p:cNvPr>
-          <p:cNvGraphicFramePr>
-            <a:graphicFrameLocks noGrp="1"/>
-          </p:cNvGraphicFramePr>
-          <p:nvPr>
-            <p:extLst>
-              <p:ext uri="{D42A27DB-BD31-4B8C-83A1-F6EECF244321}">
-                <p14:modId xmlns:p14="http://schemas.microsoft.com/office/powerpoint/2010/main" val="2420977358"/>
-              </p:ext>
-            </p:extLst>
-          </p:nvPr>
-        </p:nvGraphicFramePr>
-        <p:xfrm>
-          <a:off x="1870635" y="1586753"/>
-          <a:ext cx="8128000" cy="3962400"/>
-        </p:xfrm>
-        <a:graphic>
-          <a:graphicData uri="http://schemas.openxmlformats.org/drawingml/2006/table">
-            <a:tbl>
-              <a:tblPr firstRow="1" bandRow="1">
-                <a:tableStyleId>{073A0DAA-6AF3-43AB-8588-CEC1D06C72B9}</a:tableStyleId>
-              </a:tblPr>
-              <a:tblGrid>
-                <a:gridCol w="2360706">
-                  <a:extLst>
-                    <a:ext uri="{9D8B030D-6E8A-4147-A177-3AD203B41FA5}">
-                      <a16:colId xmlns:a16="http://schemas.microsoft.com/office/drawing/2014/main" val="255243297"/>
-                    </a:ext>
-                  </a:extLst>
-                </a:gridCol>
-                <a:gridCol w="5767294">
-                  <a:extLst>
-                    <a:ext uri="{9D8B030D-6E8A-4147-A177-3AD203B41FA5}">
-                      <a16:colId xmlns:a16="http://schemas.microsoft.com/office/drawing/2014/main" val="484624053"/>
-                    </a:ext>
-                  </a:extLst>
-                </a:gridCol>
-              </a:tblGrid>
-              <a:tr h="337471">
-                <a:tc>
-                  <a:txBody>
-                    <a:bodyPr/>
-                    <a:lstStyle/>
-                    <a:p>
-                      <a:r>
-                        <a:rPr lang="en-US" sz="2000" dirty="0">
-                          <a:latin typeface="Cambria" panose="02040503050406030204" pitchFamily="18" charset="0"/>
-                          <a:ea typeface="Cambria" panose="02040503050406030204" pitchFamily="18" charset="0"/>
-                        </a:rPr>
-                        <a:t>Symbol</a:t>
-                      </a:r>
-                    </a:p>
-                  </a:txBody>
-                  <a:tcPr/>
-                </a:tc>
-                <a:tc>
-                  <a:txBody>
-                    <a:bodyPr/>
-                    <a:lstStyle/>
-                    <a:p>
-                      <a:r>
-                        <a:rPr lang="en-US" sz="2000" dirty="0">
-                          <a:latin typeface="Cambria" panose="02040503050406030204" pitchFamily="18" charset="0"/>
-                          <a:ea typeface="Cambria" panose="02040503050406030204" pitchFamily="18" charset="0"/>
-                        </a:rPr>
-                        <a:t>Stack</a:t>
-                      </a:r>
-                    </a:p>
-                  </a:txBody>
-                  <a:tcPr/>
-                </a:tc>
-                <a:extLst>
-                  <a:ext uri="{0D108BD9-81ED-4DB2-BD59-A6C34878D82A}">
-                    <a16:rowId xmlns:a16="http://schemas.microsoft.com/office/drawing/2014/main" val="993862906"/>
-                  </a:ext>
-                </a:extLst>
-              </a:tr>
-              <a:tr h="370840">
-                <a:tc>
-                  <a:txBody>
-                    <a:bodyPr/>
-                    <a:lstStyle/>
-                    <a:p>
-                      <a:r>
-                        <a:rPr lang="en-US" sz="2000" dirty="0">
-                          <a:latin typeface="Cambria" panose="02040503050406030204" pitchFamily="18" charset="0"/>
-                          <a:ea typeface="Cambria" panose="02040503050406030204" pitchFamily="18" charset="0"/>
-                        </a:rPr>
-                        <a:t>A</a:t>
-                      </a:r>
-                    </a:p>
-                  </a:txBody>
-                  <a:tcPr/>
-                </a:tc>
-                <a:tc>
-                  <a:txBody>
-                    <a:bodyPr/>
-                    <a:lstStyle/>
-                    <a:p>
-                      <a:r>
-                        <a:rPr lang="en-US" sz="2000" dirty="0">
-                          <a:latin typeface="Cambria" panose="02040503050406030204" pitchFamily="18" charset="0"/>
-                          <a:ea typeface="Cambria" panose="02040503050406030204" pitchFamily="18" charset="0"/>
-                        </a:rPr>
-                        <a:t>A</a:t>
-                      </a:r>
-                    </a:p>
-                  </a:txBody>
-                  <a:tcPr/>
-                </a:tc>
-                <a:extLst>
-                  <a:ext uri="{0D108BD9-81ED-4DB2-BD59-A6C34878D82A}">
-                    <a16:rowId xmlns:a16="http://schemas.microsoft.com/office/drawing/2014/main" val="1568115424"/>
-                  </a:ext>
-                </a:extLst>
-              </a:tr>
-              <a:tr h="370840">
-                <a:tc>
-                  <a:txBody>
-                    <a:bodyPr/>
-                    <a:lstStyle/>
-                    <a:p>
-                      <a:r>
-                        <a:rPr lang="en-US" sz="2000" dirty="0">
-                          <a:latin typeface="Cambria" panose="02040503050406030204" pitchFamily="18" charset="0"/>
-                          <a:ea typeface="Cambria" panose="02040503050406030204" pitchFamily="18" charset="0"/>
-                        </a:rPr>
-                        <a:t>B</a:t>
-                      </a:r>
-                    </a:p>
-                  </a:txBody>
-                  <a:tcPr/>
-                </a:tc>
-                <a:tc>
-                  <a:txBody>
-                    <a:bodyPr/>
-                    <a:lstStyle/>
-                    <a:p>
-                      <a:r>
-                        <a:rPr lang="en-US" sz="2000" dirty="0">
-                          <a:latin typeface="Cambria" panose="02040503050406030204" pitchFamily="18" charset="0"/>
-                          <a:ea typeface="Cambria" panose="02040503050406030204" pitchFamily="18" charset="0"/>
-                        </a:rPr>
-                        <a:t>A | B</a:t>
-                      </a:r>
-                    </a:p>
-                  </a:txBody>
-                  <a:tcPr/>
-                </a:tc>
-                <a:extLst>
-                  <a:ext uri="{0D108BD9-81ED-4DB2-BD59-A6C34878D82A}">
-                    <a16:rowId xmlns:a16="http://schemas.microsoft.com/office/drawing/2014/main" val="1576094780"/>
-                  </a:ext>
-                </a:extLst>
-              </a:tr>
-              <a:tr h="370840">
-                <a:tc>
-                  <a:txBody>
-                    <a:bodyPr/>
-                    <a:lstStyle/>
-                    <a:p>
-                      <a:r>
-                        <a:rPr lang="en-US" sz="2000" dirty="0">
-                          <a:latin typeface="Cambria" panose="02040503050406030204" pitchFamily="18" charset="0"/>
-                          <a:ea typeface="Cambria" panose="02040503050406030204" pitchFamily="18" charset="0"/>
-                        </a:rPr>
-                        <a:t>+</a:t>
-                      </a:r>
-                    </a:p>
-                  </a:txBody>
-                  <a:tcPr/>
-                </a:tc>
-                <a:tc>
-                  <a:txBody>
-                    <a:bodyPr/>
-                    <a:lstStyle/>
-                    <a:p>
-                      <a:r>
-                        <a:rPr lang="en-US" sz="2000" dirty="0">
-                          <a:latin typeface="Cambria" panose="02040503050406030204" pitchFamily="18" charset="0"/>
-                          <a:ea typeface="Cambria" panose="02040503050406030204" pitchFamily="18" charset="0"/>
-                        </a:rPr>
-                        <a:t>A+B</a:t>
-                      </a:r>
-                    </a:p>
-                  </a:txBody>
-                  <a:tcPr/>
-                </a:tc>
-                <a:extLst>
-                  <a:ext uri="{0D108BD9-81ED-4DB2-BD59-A6C34878D82A}">
-                    <a16:rowId xmlns:a16="http://schemas.microsoft.com/office/drawing/2014/main" val="2457842877"/>
-                  </a:ext>
-                </a:extLst>
-              </a:tr>
-              <a:tr h="370840">
-                <a:tc>
-                  <a:txBody>
-                    <a:bodyPr/>
-                    <a:lstStyle/>
-                    <a:p>
-                      <a:r>
-                        <a:rPr lang="en-US" sz="2000" dirty="0">
-                          <a:latin typeface="Cambria" panose="02040503050406030204" pitchFamily="18" charset="0"/>
-                          <a:ea typeface="Cambria" panose="02040503050406030204" pitchFamily="18" charset="0"/>
-                        </a:rPr>
-                        <a:t>C</a:t>
-                      </a:r>
-                    </a:p>
-                  </a:txBody>
-                  <a:tcPr/>
-                </a:tc>
-                <a:tc>
-                  <a:txBody>
-                    <a:bodyPr/>
-                    <a:lstStyle/>
-                    <a:p>
-                      <a:r>
-                        <a:rPr lang="en-US" sz="2000" dirty="0">
-                          <a:latin typeface="Cambria" panose="02040503050406030204" pitchFamily="18" charset="0"/>
-                          <a:ea typeface="Cambria" panose="02040503050406030204" pitchFamily="18" charset="0"/>
-                        </a:rPr>
-                        <a:t>(A+B) | C</a:t>
-                      </a:r>
-                    </a:p>
-                  </a:txBody>
-                  <a:tcPr/>
-                </a:tc>
-                <a:extLst>
-                  <a:ext uri="{0D108BD9-81ED-4DB2-BD59-A6C34878D82A}">
-                    <a16:rowId xmlns:a16="http://schemas.microsoft.com/office/drawing/2014/main" val="1425447862"/>
-                  </a:ext>
-                </a:extLst>
-              </a:tr>
-              <a:tr h="370840">
-                <a:tc>
-                  <a:txBody>
-                    <a:bodyPr/>
-                    <a:lstStyle/>
-                    <a:p>
-                      <a:r>
-                        <a:rPr lang="en-US" sz="2000" dirty="0">
-                          <a:latin typeface="Cambria" panose="02040503050406030204" pitchFamily="18" charset="0"/>
-                          <a:ea typeface="Cambria" panose="02040503050406030204" pitchFamily="18" charset="0"/>
-                        </a:rPr>
-                        <a:t>D</a:t>
-                      </a:r>
-                    </a:p>
-                  </a:txBody>
-                  <a:tcPr/>
-                </a:tc>
-                <a:tc>
-                  <a:txBody>
-                    <a:bodyPr/>
-                    <a:lstStyle/>
-                    <a:p>
-                      <a:r>
-                        <a:rPr lang="en-US" sz="2000" dirty="0">
-                          <a:latin typeface="Cambria" panose="02040503050406030204" pitchFamily="18" charset="0"/>
-                          <a:ea typeface="Cambria" panose="02040503050406030204" pitchFamily="18" charset="0"/>
-                        </a:rPr>
-                        <a:t>(A+B) | C | D</a:t>
-                      </a:r>
-                    </a:p>
-                  </a:txBody>
-                  <a:tcPr/>
-                </a:tc>
-                <a:extLst>
-                  <a:ext uri="{0D108BD9-81ED-4DB2-BD59-A6C34878D82A}">
-                    <a16:rowId xmlns:a16="http://schemas.microsoft.com/office/drawing/2014/main" val="3926855818"/>
-                  </a:ext>
-                </a:extLst>
-              </a:tr>
-              <a:tr h="370840">
-                <a:tc>
-                  <a:txBody>
-                    <a:bodyPr/>
-                    <a:lstStyle/>
-                    <a:p>
-                      <a:r>
-                        <a:rPr lang="en-US" sz="2000" dirty="0">
-                          <a:latin typeface="Cambria" panose="02040503050406030204" pitchFamily="18" charset="0"/>
-                          <a:ea typeface="Cambria" panose="02040503050406030204" pitchFamily="18" charset="0"/>
-                        </a:rPr>
-                        <a:t>/</a:t>
-                      </a:r>
-                    </a:p>
-                  </a:txBody>
-                  <a:tcPr/>
-                </a:tc>
-                <a:tc>
-                  <a:txBody>
-                    <a:bodyPr/>
-                    <a:lstStyle/>
-                    <a:p>
-                      <a:r>
-                        <a:rPr lang="en-US" sz="2000" dirty="0">
-                          <a:latin typeface="Cambria" panose="02040503050406030204" pitchFamily="18" charset="0"/>
-                          <a:ea typeface="Cambria" panose="02040503050406030204" pitchFamily="18" charset="0"/>
-                        </a:rPr>
-                        <a:t>(A+B) | (C/D)</a:t>
-                      </a:r>
-                    </a:p>
-                  </a:txBody>
-                  <a:tcPr/>
-                </a:tc>
-                <a:extLst>
-                  <a:ext uri="{0D108BD9-81ED-4DB2-BD59-A6C34878D82A}">
-                    <a16:rowId xmlns:a16="http://schemas.microsoft.com/office/drawing/2014/main" val="2525852941"/>
-                  </a:ext>
-                </a:extLst>
-              </a:tr>
-              <a:tr h="370840">
-                <a:tc>
-                  <a:txBody>
-                    <a:bodyPr/>
-                    <a:lstStyle/>
-                    <a:p>
-                      <a:r>
-                        <a:rPr lang="en-US" sz="2000" dirty="0">
-                          <a:latin typeface="Cambria" panose="02040503050406030204" pitchFamily="18" charset="0"/>
-                          <a:ea typeface="Cambria" panose="02040503050406030204" pitchFamily="18" charset="0"/>
-                        </a:rPr>
-                        <a:t>E</a:t>
-                      </a:r>
-                    </a:p>
-                  </a:txBody>
-                  <a:tcPr/>
-                </a:tc>
-                <a:tc>
-                  <a:txBody>
-                    <a:bodyPr/>
-                    <a:lstStyle/>
-                    <a:p>
-                      <a:r>
-                        <a:rPr lang="en-US" sz="2000" dirty="0">
-                          <a:latin typeface="Cambria" panose="02040503050406030204" pitchFamily="18" charset="0"/>
-                          <a:ea typeface="Cambria" panose="02040503050406030204" pitchFamily="18" charset="0"/>
-                        </a:rPr>
-                        <a:t>(A+B) | (C/D) | E</a:t>
-                      </a:r>
-                    </a:p>
-                  </a:txBody>
-                  <a:tcPr/>
-                </a:tc>
-                <a:extLst>
-                  <a:ext uri="{0D108BD9-81ED-4DB2-BD59-A6C34878D82A}">
-                    <a16:rowId xmlns:a16="http://schemas.microsoft.com/office/drawing/2014/main" val="124932047"/>
-                  </a:ext>
-                </a:extLst>
-              </a:tr>
-              <a:tr h="370840">
-                <a:tc>
-                  <a:txBody>
-                    <a:bodyPr/>
-                    <a:lstStyle/>
-                    <a:p>
-                      <a:r>
-                        <a:rPr lang="en-US" sz="2000" dirty="0">
-                          <a:latin typeface="Cambria" panose="02040503050406030204" pitchFamily="18" charset="0"/>
-                          <a:ea typeface="Cambria" panose="02040503050406030204" pitchFamily="18" charset="0"/>
-                        </a:rPr>
-                        <a:t>-</a:t>
-                      </a:r>
-                    </a:p>
-                  </a:txBody>
-                  <a:tcPr/>
-                </a:tc>
-                <a:tc>
-                  <a:txBody>
-                    <a:bodyPr/>
-                    <a:lstStyle/>
-                    <a:p>
-                      <a:r>
-                        <a:rPr lang="en-US" sz="2000" dirty="0">
-                          <a:latin typeface="Cambria" panose="02040503050406030204" pitchFamily="18" charset="0"/>
-                          <a:ea typeface="Cambria" panose="02040503050406030204" pitchFamily="18" charset="0"/>
-                        </a:rPr>
-                        <a:t>(A+B) | ((C/D) – E)</a:t>
-                      </a:r>
-                    </a:p>
-                  </a:txBody>
-                  <a:tcPr/>
-                </a:tc>
-                <a:extLst>
-                  <a:ext uri="{0D108BD9-81ED-4DB2-BD59-A6C34878D82A}">
-                    <a16:rowId xmlns:a16="http://schemas.microsoft.com/office/drawing/2014/main" val="2841032311"/>
-                  </a:ext>
-                </a:extLst>
-              </a:tr>
-              <a:tr h="370840">
-                <a:tc>
-                  <a:txBody>
-                    <a:bodyPr/>
-                    <a:lstStyle/>
-                    <a:p>
-                      <a:r>
-                        <a:rPr lang="en-US" sz="2000" dirty="0">
-                          <a:latin typeface="Cambria" panose="02040503050406030204" pitchFamily="18" charset="0"/>
-                          <a:ea typeface="Cambria" panose="02040503050406030204" pitchFamily="18" charset="0"/>
-                        </a:rPr>
-                        <a:t>*</a:t>
-                      </a:r>
-                    </a:p>
-                  </a:txBody>
-                  <a:tcPr/>
-                </a:tc>
-                <a:tc>
-                  <a:txBody>
-                    <a:bodyPr/>
-                    <a:lstStyle/>
-                    <a:p>
-                      <a:pPr marL="0" marR="0" lvl="0" indent="0" algn="l" defTabSz="914400" rtl="0" eaLnBrk="1" fontAlgn="auto" latinLnBrk="0" hangingPunct="1">
-                        <a:lnSpc>
-                          <a:spcPct val="100000"/>
-                        </a:lnSpc>
-                        <a:spcBef>
-                          <a:spcPts val="0"/>
-                        </a:spcBef>
-                        <a:spcAft>
-                          <a:spcPts val="0"/>
-                        </a:spcAft>
-                        <a:buClrTx/>
-                        <a:buSzTx/>
-                        <a:buFontTx/>
-                        <a:buNone/>
-                        <a:tabLst/>
-                        <a:defRPr/>
-                      </a:pPr>
-                      <a:r>
-                        <a:rPr lang="en-US" sz="2000" dirty="0">
-                          <a:latin typeface="Cambria" panose="02040503050406030204" pitchFamily="18" charset="0"/>
-                          <a:ea typeface="Cambria" panose="02040503050406030204" pitchFamily="18" charset="0"/>
-                        </a:rPr>
-                        <a:t>((A+B) * ((C/D) – E))</a:t>
-                      </a:r>
-                    </a:p>
-                  </a:txBody>
-                  <a:tcPr/>
-                </a:tc>
-                <a:extLst>
-                  <a:ext uri="{0D108BD9-81ED-4DB2-BD59-A6C34878D82A}">
-                    <a16:rowId xmlns:a16="http://schemas.microsoft.com/office/drawing/2014/main" val="1366809470"/>
-                  </a:ext>
-                </a:extLst>
-              </a:tr>
-            </a:tbl>
-          </a:graphicData>
-        </a:graphic>
-      </p:graphicFrame>
-    </p:spTree>
-    <p:extLst>
-      <p:ext uri="{BB962C8B-B14F-4D97-AF65-F5344CB8AC3E}">
-        <p14:creationId xmlns:p14="http://schemas.microsoft.com/office/powerpoint/2010/main" val="3451145180"/>
-      </p:ext>
-    </p:extLst>
-  </p:cSld>
-  <p:clrMapOvr>
-    <a:masterClrMapping/>
-  </p:clrMapOvr>
-</p:sld>
-</file>
-
-<file path=ppt/slides/slide6.xml><?xml version="1.0" encoding="utf-8"?>
-<p:sld xmlns:a="http://schemas.openxmlformats.org/drawingml/2006/main" xmlns:r="http://schemas.openxmlformats.org/officeDocument/2006/relationships" xmlns:p="http://schemas.openxmlformats.org/presentationml/2006/main">
-  <p:cSld>
-    <p:spTree>
-      <p:nvGrpSpPr>
-        <p:cNvPr id="1" name=""/>
-        <p:cNvGrpSpPr/>
-        <p:nvPr/>
-      </p:nvGrpSpPr>
-      <p:grpSpPr>
-        <a:xfrm>
-          <a:off x="0" y="0"/>
-          <a:ext cx="0" cy="0"/>
-          <a:chOff x="0" y="0"/>
-          <a:chExt cx="0" cy="0"/>
-        </a:xfrm>
-      </p:grpSpPr>
-      <p:sp>
-        <p:nvSpPr>
-          <p:cNvPr id="2" name="Title 1">
-            <a:extLst>
-              <a:ext uri="{FF2B5EF4-FFF2-40B4-BE49-F238E27FC236}">
-                <a16:creationId xmlns:a16="http://schemas.microsoft.com/office/drawing/2014/main" id="{4D434F11-8E38-D4BB-7DAE-1C11E87765ED}"/>
-              </a:ext>
-            </a:extLst>
-          </p:cNvPr>
-          <p:cNvSpPr>
-            <a:spLocks noGrp="1"/>
-          </p:cNvSpPr>
-          <p:nvPr>
-            <p:ph type="title"/>
-          </p:nvPr>
-        </p:nvSpPr>
-        <p:spPr>
-          <a:xfrm>
-            <a:off x="1544825" y="89601"/>
-            <a:ext cx="9239716" cy="717223"/>
-          </a:xfrm>
-        </p:spPr>
-        <p:txBody>
-          <a:bodyPr>
-            <a:normAutofit fontScale="90000"/>
-          </a:bodyPr>
-          <a:lstStyle/>
-          <a:p>
-            <a:pPr algn="ctr"/>
-            <a:r>
-              <a:rPr lang="en-US" sz="6000" dirty="0">
-                <a:latin typeface="Cambria" panose="02040503050406030204" pitchFamily="18" charset="0"/>
-                <a:ea typeface="Cambria" panose="02040503050406030204" pitchFamily="18" charset="0"/>
-              </a:rPr>
-              <a:t>INFIX TO PREFIX</a:t>
-            </a:r>
-          </a:p>
-        </p:txBody>
-      </p:sp>
-      <p:sp>
-        <p:nvSpPr>
-          <p:cNvPr id="3" name="Content Placeholder 2">
-            <a:extLst>
-              <a:ext uri="{FF2B5EF4-FFF2-40B4-BE49-F238E27FC236}">
-                <a16:creationId xmlns:a16="http://schemas.microsoft.com/office/drawing/2014/main" id="{52BFBABD-D39D-56DC-7696-96188563D93C}"/>
-              </a:ext>
-            </a:extLst>
-          </p:cNvPr>
-          <p:cNvSpPr>
-            <a:spLocks noGrp="1"/>
-          </p:cNvSpPr>
-          <p:nvPr>
-            <p:ph idx="1"/>
-          </p:nvPr>
-        </p:nvSpPr>
-        <p:spPr>
-          <a:xfrm>
-            <a:off x="1143000" y="950306"/>
-            <a:ext cx="9905999" cy="5836023"/>
-          </a:xfrm>
-        </p:spPr>
-        <p:txBody>
-          <a:bodyPr numCol="1"/>
-          <a:lstStyle/>
-          <a:p>
-            <a:pPr marL="0" indent="0">
-              <a:lnSpc>
-                <a:spcPct val="100000"/>
-              </a:lnSpc>
-              <a:buNone/>
-            </a:pPr>
-            <a:r>
-              <a:rPr lang="en-US" sz="1800" dirty="0">
-                <a:latin typeface="Cambria" panose="02040503050406030204" pitchFamily="18" charset="0"/>
-                <a:ea typeface="Cambria" panose="02040503050406030204" pitchFamily="18" charset="0"/>
-              </a:rPr>
-              <a:t>Step-1 : Reverse</a:t>
-            </a:r>
-          </a:p>
-          <a:p>
-            <a:pPr marL="0" indent="0">
-              <a:lnSpc>
-                <a:spcPct val="100000"/>
-              </a:lnSpc>
-              <a:buNone/>
-            </a:pPr>
-            <a:r>
-              <a:rPr lang="en-US" sz="1800" dirty="0">
-                <a:latin typeface="Cambria" panose="02040503050406030204" pitchFamily="18" charset="0"/>
-                <a:ea typeface="Cambria" panose="02040503050406030204" pitchFamily="18" charset="0"/>
-              </a:rPr>
-              <a:t>Step-2 : Convert into Postfix</a:t>
-            </a:r>
-          </a:p>
-          <a:p>
-            <a:pPr marL="0" indent="0">
-              <a:lnSpc>
-                <a:spcPct val="100000"/>
-              </a:lnSpc>
-              <a:buNone/>
-            </a:pPr>
-            <a:r>
-              <a:rPr lang="en-US" sz="1800" dirty="0">
-                <a:latin typeface="Cambria" panose="02040503050406030204" pitchFamily="18" charset="0"/>
-                <a:ea typeface="Cambria" panose="02040503050406030204" pitchFamily="18" charset="0"/>
-              </a:rPr>
-              <a:t>Step-3 : Again Reverse</a:t>
-            </a:r>
-          </a:p>
-          <a:p>
-            <a:pPr marL="0" indent="0">
-              <a:lnSpc>
-                <a:spcPct val="100000"/>
-              </a:lnSpc>
-              <a:buNone/>
-            </a:pPr>
-            <a:r>
-              <a:rPr lang="en-US" sz="1800" dirty="0">
-                <a:solidFill>
-                  <a:srgbClr val="FFFF00"/>
-                </a:solidFill>
-                <a:latin typeface="Cambria" panose="02040503050406030204" pitchFamily="18" charset="0"/>
-                <a:ea typeface="Cambria" panose="02040503050406030204" pitchFamily="18" charset="0"/>
-              </a:rPr>
-              <a:t>Infix Expression: (A+B) * C-D</a:t>
-            </a:r>
-          </a:p>
-          <a:p>
-            <a:pPr marL="0" indent="0">
-              <a:lnSpc>
-                <a:spcPct val="100000"/>
-              </a:lnSpc>
-              <a:buNone/>
-            </a:pPr>
-            <a:r>
-              <a:rPr lang="en-US" sz="1800" dirty="0">
-                <a:solidFill>
-                  <a:schemeClr val="accent4">
-                    <a:lumMod val="60000"/>
-                    <a:lumOff val="40000"/>
-                  </a:schemeClr>
-                </a:solidFill>
-                <a:latin typeface="Cambria" panose="02040503050406030204" pitchFamily="18" charset="0"/>
-                <a:ea typeface="Cambria" panose="02040503050406030204" pitchFamily="18" charset="0"/>
-              </a:rPr>
-              <a:t>Reverse: D-C*(B+A)</a:t>
-            </a:r>
-          </a:p>
-          <a:p>
-            <a:pPr marL="0" indent="0">
-              <a:lnSpc>
-                <a:spcPct val="100000"/>
-              </a:lnSpc>
-              <a:buNone/>
-            </a:pPr>
-            <a:endParaRPr lang="en-US" sz="1800" dirty="0">
-              <a:latin typeface="Cambria" panose="02040503050406030204" pitchFamily="18" charset="0"/>
-              <a:ea typeface="Cambria" panose="02040503050406030204" pitchFamily="18" charset="0"/>
-            </a:endParaRPr>
-          </a:p>
-          <a:p>
-            <a:pPr marL="0" indent="0">
-              <a:lnSpc>
-                <a:spcPct val="100000"/>
-              </a:lnSpc>
-              <a:buNone/>
-            </a:pPr>
-            <a:endParaRPr lang="en-US" sz="1800" dirty="0">
-              <a:latin typeface="Cambria" panose="02040503050406030204" pitchFamily="18" charset="0"/>
-              <a:ea typeface="Cambria" panose="02040503050406030204" pitchFamily="18" charset="0"/>
-            </a:endParaRPr>
-          </a:p>
-          <a:p>
-            <a:pPr marL="0" indent="0">
-              <a:lnSpc>
-                <a:spcPct val="100000"/>
-              </a:lnSpc>
-              <a:buNone/>
-            </a:pPr>
-            <a:endParaRPr lang="en-US" sz="1800" dirty="0">
-              <a:latin typeface="Cambria" panose="02040503050406030204" pitchFamily="18" charset="0"/>
-              <a:ea typeface="Cambria" panose="02040503050406030204" pitchFamily="18" charset="0"/>
-            </a:endParaRPr>
-          </a:p>
-          <a:p>
-            <a:pPr marL="0" indent="0">
-              <a:lnSpc>
-                <a:spcPct val="100000"/>
-              </a:lnSpc>
-              <a:buNone/>
-            </a:pPr>
-            <a:endParaRPr lang="en-US" sz="1800" dirty="0">
-              <a:latin typeface="Cambria" panose="02040503050406030204" pitchFamily="18" charset="0"/>
-              <a:ea typeface="Cambria" panose="02040503050406030204" pitchFamily="18" charset="0"/>
-            </a:endParaRPr>
-          </a:p>
-          <a:p>
-            <a:pPr marL="0" indent="0">
-              <a:lnSpc>
-                <a:spcPct val="100000"/>
-              </a:lnSpc>
-              <a:buNone/>
-            </a:pPr>
-            <a:endParaRPr lang="en-US" sz="1800" dirty="0">
-              <a:latin typeface="Cambria" panose="02040503050406030204" pitchFamily="18" charset="0"/>
-              <a:ea typeface="Cambria" panose="02040503050406030204" pitchFamily="18" charset="0"/>
-            </a:endParaRPr>
-          </a:p>
-          <a:p>
-            <a:pPr marL="0" indent="0">
-              <a:lnSpc>
-                <a:spcPct val="100000"/>
-              </a:lnSpc>
-              <a:buNone/>
-            </a:pPr>
-            <a:endParaRPr lang="en-US" sz="1800" dirty="0">
-              <a:latin typeface="Cambria" panose="02040503050406030204" pitchFamily="18" charset="0"/>
-              <a:ea typeface="Cambria" panose="02040503050406030204" pitchFamily="18" charset="0"/>
-            </a:endParaRPr>
-          </a:p>
-          <a:p>
-            <a:pPr marL="0" indent="0">
-              <a:lnSpc>
-                <a:spcPct val="100000"/>
-              </a:lnSpc>
-              <a:buNone/>
-            </a:pPr>
-            <a:endParaRPr lang="en-US" sz="1800" dirty="0">
-              <a:latin typeface="Cambria" panose="02040503050406030204" pitchFamily="18" charset="0"/>
-              <a:ea typeface="Cambria" panose="02040503050406030204" pitchFamily="18" charset="0"/>
-            </a:endParaRPr>
-          </a:p>
-          <a:p>
-            <a:pPr marL="0" indent="0">
-              <a:lnSpc>
-                <a:spcPct val="100000"/>
-              </a:lnSpc>
-              <a:buNone/>
-            </a:pPr>
-            <a:r>
-              <a:rPr lang="en-US" sz="1800" dirty="0">
-                <a:solidFill>
-                  <a:schemeClr val="accent4">
-                    <a:lumMod val="60000"/>
-                    <a:lumOff val="40000"/>
-                  </a:schemeClr>
-                </a:solidFill>
-                <a:latin typeface="Cambria" panose="02040503050406030204" pitchFamily="18" charset="0"/>
-                <a:ea typeface="Cambria" panose="02040503050406030204" pitchFamily="18" charset="0"/>
-              </a:rPr>
-              <a:t>Reverse again : -*+ABCD</a:t>
-            </a:r>
-          </a:p>
-          <a:p>
-            <a:pPr marL="0" indent="0">
-              <a:lnSpc>
-                <a:spcPct val="100000"/>
-              </a:lnSpc>
-              <a:buNone/>
-            </a:pPr>
-            <a:r>
-              <a:rPr lang="en-US" sz="1800" dirty="0">
-                <a:latin typeface="Cambria" panose="02040503050406030204" pitchFamily="18" charset="0"/>
-                <a:ea typeface="Cambria" panose="02040503050406030204" pitchFamily="18" charset="0"/>
-              </a:rPr>
-              <a:t>So, -*+ABCD is the Prefix expression</a:t>
-            </a:r>
-          </a:p>
-          <a:p>
-            <a:pPr marL="0" indent="0">
-              <a:buNone/>
-            </a:pPr>
-            <a:endParaRPr lang="en-US" dirty="0"/>
-          </a:p>
-        </p:txBody>
-      </p:sp>
-      <p:graphicFrame>
-        <p:nvGraphicFramePr>
-          <p:cNvPr id="5" name="Table 5">
-            <a:extLst>
-              <a:ext uri="{FF2B5EF4-FFF2-40B4-BE49-F238E27FC236}">
-                <a16:creationId xmlns:a16="http://schemas.microsoft.com/office/drawing/2014/main" id="{3CF2944B-A43E-1B68-104D-63087CE90248}"/>
-              </a:ext>
-            </a:extLst>
-          </p:cNvPr>
-          <p:cNvGraphicFramePr>
-            <a:graphicFrameLocks noGrp="1"/>
-          </p:cNvGraphicFramePr>
-          <p:nvPr>
-            <p:extLst>
-              <p:ext uri="{D42A27DB-BD31-4B8C-83A1-F6EECF244321}">
-                <p14:modId xmlns:p14="http://schemas.microsoft.com/office/powerpoint/2010/main" val="2140970260"/>
-              </p:ext>
-            </p:extLst>
-          </p:nvPr>
-        </p:nvGraphicFramePr>
-        <p:xfrm>
-          <a:off x="4703343" y="1089511"/>
-          <a:ext cx="6648870" cy="4389120"/>
-        </p:xfrm>
-        <a:graphic>
-          <a:graphicData uri="http://schemas.openxmlformats.org/drawingml/2006/table">
-            <a:tbl>
-              <a:tblPr firstRow="1" bandRow="1">
-                <a:tableStyleId>{073A0DAA-6AF3-43AB-8588-CEC1D06C72B9}</a:tableStyleId>
-              </a:tblPr>
-              <a:tblGrid>
-                <a:gridCol w="1736210">
-                  <a:extLst>
-                    <a:ext uri="{9D8B030D-6E8A-4147-A177-3AD203B41FA5}">
-                      <a16:colId xmlns:a16="http://schemas.microsoft.com/office/drawing/2014/main" val="1476367891"/>
-                    </a:ext>
-                  </a:extLst>
-                </a:gridCol>
-                <a:gridCol w="1739153">
-                  <a:extLst>
-                    <a:ext uri="{9D8B030D-6E8A-4147-A177-3AD203B41FA5}">
-                      <a16:colId xmlns:a16="http://schemas.microsoft.com/office/drawing/2014/main" val="1834808773"/>
-                    </a:ext>
-                  </a:extLst>
-                </a:gridCol>
-                <a:gridCol w="3173507">
-                  <a:extLst>
-                    <a:ext uri="{9D8B030D-6E8A-4147-A177-3AD203B41FA5}">
-                      <a16:colId xmlns:a16="http://schemas.microsoft.com/office/drawing/2014/main" val="2450233017"/>
-                    </a:ext>
-                  </a:extLst>
-                </a:gridCol>
-              </a:tblGrid>
-              <a:tr h="0">
+              <a:tr h="339084">
                 <a:tc>
                   <a:txBody>
                     <a:bodyPr/>
@@ -15106,8 +14414,12 @@
                           <a:latin typeface="Cambria" panose="02040503050406030204" pitchFamily="18" charset="0"/>
                           <a:ea typeface="Cambria" panose="02040503050406030204" pitchFamily="18" charset="0"/>
                         </a:rPr>
-                        <a:t>Symbol</a:t>
+                        <a:t>-</a:t>
                       </a:r>
+                      <a:endParaRPr lang="en-US" dirty="0">
+                        <a:latin typeface="Cambria" panose="02040503050406030204" pitchFamily="18" charset="0"/>
+                        <a:ea typeface="Cambria" panose="02040503050406030204" pitchFamily="18" charset="0"/>
+                      </a:endParaRPr>
                     </a:p>
                   </a:txBody>
                   <a:tcPr/>
@@ -15122,56 +14434,8 @@
                           <a:latin typeface="Cambria" panose="02040503050406030204" pitchFamily="18" charset="0"/>
                           <a:ea typeface="Cambria" panose="02040503050406030204" pitchFamily="18" charset="0"/>
                         </a:rPr>
-                        <a:t>Stack</a:t>
+                        <a:t>-</a:t>
                       </a:r>
-                    </a:p>
-                  </a:txBody>
-                  <a:tcPr/>
-                </a:tc>
-                <a:tc>
-                  <a:txBody>
-                    <a:bodyPr/>
-                    <a:lstStyle/>
-                    <a:p>
-                      <a:r>
-                        <a:rPr lang="en-US" dirty="0">
-                          <a:latin typeface="Cambria" panose="02040503050406030204" pitchFamily="18" charset="0"/>
-                          <a:ea typeface="Cambria" panose="02040503050406030204" pitchFamily="18" charset="0"/>
-                        </a:rPr>
-                        <a:t>Expression</a:t>
-                      </a:r>
-                    </a:p>
-                  </a:txBody>
-                  <a:tcPr/>
-                </a:tc>
-                <a:extLst>
-                  <a:ext uri="{0D108BD9-81ED-4DB2-BD59-A6C34878D82A}">
-                    <a16:rowId xmlns:a16="http://schemas.microsoft.com/office/drawing/2014/main" val="1176799939"/>
-                  </a:ext>
-                </a:extLst>
-              </a:tr>
-              <a:tr h="339084">
-                <a:tc>
-                  <a:txBody>
-                    <a:bodyPr/>
-                    <a:lstStyle/>
-                    <a:p>
-                      <a:r>
-                        <a:rPr lang="en-US" dirty="0">
-                          <a:latin typeface="Cambria" panose="02040503050406030204" pitchFamily="18" charset="0"/>
-                          <a:ea typeface="Cambria" panose="02040503050406030204" pitchFamily="18" charset="0"/>
-                        </a:rPr>
-                        <a:t>D</a:t>
-                      </a:r>
-                    </a:p>
-                  </a:txBody>
-                  <a:tcPr/>
-                </a:tc>
-                <a:tc>
-                  <a:txBody>
-                    <a:bodyPr/>
-                    <a:lstStyle/>
-                    <a:p>
                       <a:endParaRPr lang="en-US" dirty="0">
                         <a:latin typeface="Cambria" panose="02040503050406030204" pitchFamily="18" charset="0"/>
                         <a:ea typeface="Cambria" panose="02040503050406030204" pitchFamily="18" charset="0"/>
@@ -15192,15 +14456,14 @@
                         </a:rPr>
                         <a:t>D</a:t>
                       </a:r>
+                      <a:endParaRPr lang="en-US" dirty="0">
+                        <a:latin typeface="Cambria" panose="02040503050406030204" pitchFamily="18" charset="0"/>
+                        <a:ea typeface="Cambria" panose="02040503050406030204" pitchFamily="18" charset="0"/>
+                      </a:endParaRPr>
                     </a:p>
                   </a:txBody>
                   <a:tcPr/>
                 </a:tc>
-                <a:extLst>
-                  <a:ext uri="{0D108BD9-81ED-4DB2-BD59-A6C34878D82A}">
-                    <a16:rowId xmlns:a16="http://schemas.microsoft.com/office/drawing/2014/main" val="1083867778"/>
-                  </a:ext>
-                </a:extLst>
               </a:tr>
               <a:tr h="339084">
                 <a:tc>
@@ -15213,8 +14476,12 @@
                           <a:latin typeface="Cambria" panose="02040503050406030204" pitchFamily="18" charset="0"/>
                           <a:ea typeface="Cambria" panose="02040503050406030204" pitchFamily="18" charset="0"/>
                         </a:rPr>
-                        <a:t>-</a:t>
+                        <a:t>C</a:t>
                       </a:r>
+                      <a:endParaRPr lang="en-US" dirty="0">
+                        <a:latin typeface="Cambria" panose="02040503050406030204" pitchFamily="18" charset="0"/>
+                        <a:ea typeface="Cambria" panose="02040503050406030204" pitchFamily="18" charset="0"/>
+                      </a:endParaRPr>
                     </a:p>
                   </a:txBody>
                   <a:tcPr/>
@@ -15231,61 +14498,10 @@
                         </a:rPr>
                         <a:t>-</a:t>
                       </a:r>
-                    </a:p>
-                  </a:txBody>
-                  <a:tcPr/>
-                </a:tc>
-                <a:tc>
-                  <a:txBody>
-                    <a:bodyPr/>
-                    <a:lstStyle/>
-                    <a:p>
-                      <a:r>
-                        <a:rPr lang="en-US" dirty="0">
-                          <a:latin typeface="Cambria" panose="02040503050406030204" pitchFamily="18" charset="0"/>
-                          <a:ea typeface="Cambria" panose="02040503050406030204" pitchFamily="18" charset="0"/>
-                        </a:rPr>
-                        <a:t>D</a:t>
-                      </a:r>
-                    </a:p>
-                  </a:txBody>
-                  <a:tcPr/>
-                </a:tc>
-                <a:extLst>
-                  <a:ext uri="{0D108BD9-81ED-4DB2-BD59-A6C34878D82A}">
-                    <a16:rowId xmlns:a16="http://schemas.microsoft.com/office/drawing/2014/main" val="2073974788"/>
-                  </a:ext>
-                </a:extLst>
-              </a:tr>
-              <a:tr h="339084">
-                <a:tc>
-                  <a:txBody>
-                    <a:bodyPr/>
-                    <a:lstStyle/>
-                    <a:p>
-                      <a:r>
-                        <a:rPr lang="en-US" dirty="0">
-                          <a:latin typeface="Cambria" panose="02040503050406030204" pitchFamily="18" charset="0"/>
-                          <a:ea typeface="Cambria" panose="02040503050406030204" pitchFamily="18" charset="0"/>
-                        </a:rPr>
-                        <a:t>C</a:t>
-                      </a:r>
-                    </a:p>
-                  </a:txBody>
-                  <a:tcPr/>
-                </a:tc>
-                <a:tc>
-                  <a:txBody>
-                    <a:bodyPr/>
-                    <a:lstStyle/>
-                    <a:p>
-                      <a:r>
-                        <a:rPr lang="en-US" dirty="0">
-                          <a:latin typeface="Cambria" panose="02040503050406030204" pitchFamily="18" charset="0"/>
-                          <a:ea typeface="Cambria" panose="02040503050406030204" pitchFamily="18" charset="0"/>
-                        </a:rPr>
-                        <a:t>-</a:t>
-                      </a:r>
+                      <a:endParaRPr lang="en-US" dirty="0">
+                        <a:latin typeface="Cambria" panose="02040503050406030204" pitchFamily="18" charset="0"/>
+                        <a:ea typeface="Cambria" panose="02040503050406030204" pitchFamily="18" charset="0"/>
+                      </a:endParaRPr>
                     </a:p>
                   </a:txBody>
                   <a:tcPr/>
@@ -15302,15 +14518,14 @@
                         </a:rPr>
                         <a:t>DC</a:t>
                       </a:r>
+                      <a:endParaRPr lang="en-US" dirty="0">
+                        <a:latin typeface="Cambria" panose="02040503050406030204" pitchFamily="18" charset="0"/>
+                        <a:ea typeface="Cambria" panose="02040503050406030204" pitchFamily="18" charset="0"/>
+                      </a:endParaRPr>
                     </a:p>
                   </a:txBody>
                   <a:tcPr/>
                 </a:tc>
-                <a:extLst>
-                  <a:ext uri="{0D108BD9-81ED-4DB2-BD59-A6C34878D82A}">
-                    <a16:rowId xmlns:a16="http://schemas.microsoft.com/office/drawing/2014/main" val="3633792162"/>
-                  </a:ext>
-                </a:extLst>
               </a:tr>
               <a:tr h="339084">
                 <a:tc>
@@ -15325,6 +14540,10 @@
                         </a:rPr>
                         <a:t>*</a:t>
                       </a:r>
+                      <a:endParaRPr lang="en-US" dirty="0">
+                        <a:latin typeface="Cambria" panose="02040503050406030204" pitchFamily="18" charset="0"/>
+                        <a:ea typeface="Cambria" panose="02040503050406030204" pitchFamily="18" charset="0"/>
+                      </a:endParaRPr>
                     </a:p>
                   </a:txBody>
                   <a:tcPr/>
@@ -15341,6 +14560,10 @@
                         </a:rPr>
                         <a:t>-*</a:t>
                       </a:r>
+                      <a:endParaRPr lang="en-US" dirty="0">
+                        <a:latin typeface="Cambria" panose="02040503050406030204" pitchFamily="18" charset="0"/>
+                        <a:ea typeface="Cambria" panose="02040503050406030204" pitchFamily="18" charset="0"/>
+                      </a:endParaRPr>
                     </a:p>
                   </a:txBody>
                   <a:tcPr/>
@@ -15357,15 +14580,14 @@
                         </a:rPr>
                         <a:t>DC</a:t>
                       </a:r>
+                      <a:endParaRPr lang="en-US" dirty="0">
+                        <a:latin typeface="Cambria" panose="02040503050406030204" pitchFamily="18" charset="0"/>
+                        <a:ea typeface="Cambria" panose="02040503050406030204" pitchFamily="18" charset="0"/>
+                      </a:endParaRPr>
                     </a:p>
                   </a:txBody>
                   <a:tcPr/>
                 </a:tc>
-                <a:extLst>
-                  <a:ext uri="{0D108BD9-81ED-4DB2-BD59-A6C34878D82A}">
-                    <a16:rowId xmlns:a16="http://schemas.microsoft.com/office/drawing/2014/main" val="4279390013"/>
-                  </a:ext>
-                </a:extLst>
               </a:tr>
               <a:tr h="339084">
                 <a:tc>
@@ -15380,6 +14602,10 @@
                         </a:rPr>
                         <a:t>(</a:t>
                       </a:r>
+                      <a:endParaRPr lang="en-US" dirty="0">
+                        <a:latin typeface="Cambria" panose="02040503050406030204" pitchFamily="18" charset="0"/>
+                        <a:ea typeface="Cambria" panose="02040503050406030204" pitchFamily="18" charset="0"/>
+                      </a:endParaRPr>
                     </a:p>
                   </a:txBody>
                   <a:tcPr/>
@@ -15396,6 +14622,10 @@
                         </a:rPr>
                         <a:t>-*(</a:t>
                       </a:r>
+                      <a:endParaRPr lang="en-US" dirty="0">
+                        <a:latin typeface="Cambria" panose="02040503050406030204" pitchFamily="18" charset="0"/>
+                        <a:ea typeface="Cambria" panose="02040503050406030204" pitchFamily="18" charset="0"/>
+                      </a:endParaRPr>
                     </a:p>
                   </a:txBody>
                   <a:tcPr/>
@@ -15412,15 +14642,14 @@
                         </a:rPr>
                         <a:t>DC</a:t>
                       </a:r>
+                      <a:endParaRPr lang="en-US" dirty="0">
+                        <a:latin typeface="Cambria" panose="02040503050406030204" pitchFamily="18" charset="0"/>
+                        <a:ea typeface="Cambria" panose="02040503050406030204" pitchFamily="18" charset="0"/>
+                      </a:endParaRPr>
                     </a:p>
                   </a:txBody>
                   <a:tcPr/>
                 </a:tc>
-                <a:extLst>
-                  <a:ext uri="{0D108BD9-81ED-4DB2-BD59-A6C34878D82A}">
-                    <a16:rowId xmlns:a16="http://schemas.microsoft.com/office/drawing/2014/main" val="591925769"/>
-                  </a:ext>
-                </a:extLst>
               </a:tr>
               <a:tr h="339084">
                 <a:tc>
@@ -15435,6 +14664,10 @@
                         </a:rPr>
                         <a:t>B</a:t>
                       </a:r>
+                      <a:endParaRPr lang="en-US" dirty="0">
+                        <a:latin typeface="Cambria" panose="02040503050406030204" pitchFamily="18" charset="0"/>
+                        <a:ea typeface="Cambria" panose="02040503050406030204" pitchFamily="18" charset="0"/>
+                      </a:endParaRPr>
                     </a:p>
                   </a:txBody>
                   <a:tcPr/>
@@ -15451,6 +14684,10 @@
                         </a:rPr>
                         <a:t>-*(</a:t>
                       </a:r>
+                      <a:endParaRPr lang="en-US" dirty="0">
+                        <a:latin typeface="Cambria" panose="02040503050406030204" pitchFamily="18" charset="0"/>
+                        <a:ea typeface="Cambria" panose="02040503050406030204" pitchFamily="18" charset="0"/>
+                      </a:endParaRPr>
                     </a:p>
                   </a:txBody>
                   <a:tcPr/>
@@ -15467,15 +14704,14 @@
                         </a:rPr>
                         <a:t>DCB</a:t>
                       </a:r>
+                      <a:endParaRPr lang="en-US" dirty="0">
+                        <a:latin typeface="Cambria" panose="02040503050406030204" pitchFamily="18" charset="0"/>
+                        <a:ea typeface="Cambria" panose="02040503050406030204" pitchFamily="18" charset="0"/>
+                      </a:endParaRPr>
                     </a:p>
                   </a:txBody>
                   <a:tcPr/>
                 </a:tc>
-                <a:extLst>
-                  <a:ext uri="{0D108BD9-81ED-4DB2-BD59-A6C34878D82A}">
-                    <a16:rowId xmlns:a16="http://schemas.microsoft.com/office/drawing/2014/main" val="2442366876"/>
-                  </a:ext>
-                </a:extLst>
               </a:tr>
               <a:tr h="339084">
                 <a:tc>
@@ -15490,6 +14726,10 @@
                         </a:rPr>
                         <a:t>+</a:t>
                       </a:r>
+                      <a:endParaRPr lang="en-US" dirty="0">
+                        <a:latin typeface="Cambria" panose="02040503050406030204" pitchFamily="18" charset="0"/>
+                        <a:ea typeface="Cambria" panose="02040503050406030204" pitchFamily="18" charset="0"/>
+                      </a:endParaRPr>
                     </a:p>
                   </a:txBody>
                   <a:tcPr/>
@@ -15506,6 +14746,10 @@
                         </a:rPr>
                         <a:t>-*(+</a:t>
                       </a:r>
+                      <a:endParaRPr lang="en-US" dirty="0">
+                        <a:latin typeface="Cambria" panose="02040503050406030204" pitchFamily="18" charset="0"/>
+                        <a:ea typeface="Cambria" panose="02040503050406030204" pitchFamily="18" charset="0"/>
+                      </a:endParaRPr>
                     </a:p>
                   </a:txBody>
                   <a:tcPr/>
@@ -15522,15 +14766,14 @@
                         </a:rPr>
                         <a:t>DCB</a:t>
                       </a:r>
+                      <a:endParaRPr lang="en-US" dirty="0">
+                        <a:latin typeface="Cambria" panose="02040503050406030204" pitchFamily="18" charset="0"/>
+                        <a:ea typeface="Cambria" panose="02040503050406030204" pitchFamily="18" charset="0"/>
+                      </a:endParaRPr>
                     </a:p>
                   </a:txBody>
                   <a:tcPr/>
                 </a:tc>
-                <a:extLst>
-                  <a:ext uri="{0D108BD9-81ED-4DB2-BD59-A6C34878D82A}">
-                    <a16:rowId xmlns:a16="http://schemas.microsoft.com/office/drawing/2014/main" val="2585293818"/>
-                  </a:ext>
-                </a:extLst>
               </a:tr>
               <a:tr h="339084">
                 <a:tc>
@@ -15545,6 +14788,10 @@
                         </a:rPr>
                         <a:t>A</a:t>
                       </a:r>
+                      <a:endParaRPr lang="en-US" dirty="0">
+                        <a:latin typeface="Cambria" panose="02040503050406030204" pitchFamily="18" charset="0"/>
+                        <a:ea typeface="Cambria" panose="02040503050406030204" pitchFamily="18" charset="0"/>
+                      </a:endParaRPr>
                     </a:p>
                   </a:txBody>
                   <a:tcPr/>
@@ -15561,6 +14808,10 @@
                         </a:rPr>
                         <a:t>-*(+</a:t>
                       </a:r>
+                      <a:endParaRPr lang="en-US" dirty="0">
+                        <a:latin typeface="Cambria" panose="02040503050406030204" pitchFamily="18" charset="0"/>
+                        <a:ea typeface="Cambria" panose="02040503050406030204" pitchFamily="18" charset="0"/>
+                      </a:endParaRPr>
                     </a:p>
                   </a:txBody>
                   <a:tcPr/>
@@ -15577,15 +14828,14 @@
                         </a:rPr>
                         <a:t>DCBA</a:t>
                       </a:r>
+                      <a:endParaRPr lang="en-US" dirty="0">
+                        <a:latin typeface="Cambria" panose="02040503050406030204" pitchFamily="18" charset="0"/>
+                        <a:ea typeface="Cambria" panose="02040503050406030204" pitchFamily="18" charset="0"/>
+                      </a:endParaRPr>
                     </a:p>
                   </a:txBody>
                   <a:tcPr/>
                 </a:tc>
-                <a:extLst>
-                  <a:ext uri="{0D108BD9-81ED-4DB2-BD59-A6C34878D82A}">
-                    <a16:rowId xmlns:a16="http://schemas.microsoft.com/office/drawing/2014/main" val="3481457573"/>
-                  </a:ext>
-                </a:extLst>
               </a:tr>
               <a:tr h="334439">
                 <a:tc>
@@ -15600,6 +14850,10 @@
                         </a:rPr>
                         <a:t>)</a:t>
                       </a:r>
+                      <a:endParaRPr lang="en-US" dirty="0">
+                        <a:latin typeface="Cambria" panose="02040503050406030204" pitchFamily="18" charset="0"/>
+                        <a:ea typeface="Cambria" panose="02040503050406030204" pitchFamily="18" charset="0"/>
+                      </a:endParaRPr>
                     </a:p>
                   </a:txBody>
                   <a:tcPr/>
@@ -15616,6 +14870,10 @@
                         </a:rPr>
                         <a:t>-*</a:t>
                       </a:r>
+                      <a:endParaRPr lang="en-US" dirty="0">
+                        <a:latin typeface="Cambria" panose="02040503050406030204" pitchFamily="18" charset="0"/>
+                        <a:ea typeface="Cambria" panose="02040503050406030204" pitchFamily="18" charset="0"/>
+                      </a:endParaRPr>
                     </a:p>
                   </a:txBody>
                   <a:tcPr/>
@@ -15632,15 +14890,14 @@
                         </a:rPr>
                         <a:t>DCBA+</a:t>
                       </a:r>
+                      <a:endParaRPr lang="en-US" dirty="0">
+                        <a:latin typeface="Cambria" panose="02040503050406030204" pitchFamily="18" charset="0"/>
+                        <a:ea typeface="Cambria" panose="02040503050406030204" pitchFamily="18" charset="0"/>
+                      </a:endParaRPr>
                     </a:p>
                   </a:txBody>
                   <a:tcPr/>
                 </a:tc>
-                <a:extLst>
-                  <a:ext uri="{0D108BD9-81ED-4DB2-BD59-A6C34878D82A}">
-                    <a16:rowId xmlns:a16="http://schemas.microsoft.com/office/drawing/2014/main" val="2637836952"/>
-                  </a:ext>
-                </a:extLst>
               </a:tr>
               <a:tr h="339084">
                 <a:tc>
@@ -15681,15 +14938,14 @@
                         </a:rPr>
                         <a:t>DCBA+*-</a:t>
                       </a:r>
+                      <a:endParaRPr lang="en-US" dirty="0">
+                        <a:latin typeface="Cambria" panose="02040503050406030204" pitchFamily="18" charset="0"/>
+                        <a:ea typeface="Cambria" panose="02040503050406030204" pitchFamily="18" charset="0"/>
+                      </a:endParaRPr>
                     </a:p>
                   </a:txBody>
                   <a:tcPr/>
                 </a:tc>
-                <a:extLst>
-                  <a:ext uri="{0D108BD9-81ED-4DB2-BD59-A6C34878D82A}">
-                    <a16:rowId xmlns:a16="http://schemas.microsoft.com/office/drawing/2014/main" val="806566506"/>
-                  </a:ext>
-                </a:extLst>
               </a:tr>
               <a:tr h="339084">
                 <a:tc>
@@ -15731,26 +14987,28 @@
                   </a:txBody>
                   <a:tcPr/>
                 </a:tc>
-                <a:extLst>
-                  <a:ext uri="{0D108BD9-81ED-4DB2-BD59-A6C34878D82A}">
-                    <a16:rowId xmlns:a16="http://schemas.microsoft.com/office/drawing/2014/main" val="2034833647"/>
-                  </a:ext>
-                </a:extLst>
               </a:tr>
             </a:tbl>
           </a:graphicData>
         </a:graphic>
       </p:graphicFrame>
     </p:spTree>
-    <p:extLst>
-      <p:ext uri="{BB962C8B-B14F-4D97-AF65-F5344CB8AC3E}">
-        <p14:creationId xmlns:p14="http://schemas.microsoft.com/office/powerpoint/2010/main" val="2620775723"/>
-      </p:ext>
-    </p:extLst>
   </p:cSld>
   <p:clrMapOvr>
     <a:masterClrMapping/>
   </p:clrMapOvr>
+  <mc:AlternateContent xmlns:mc="http://schemas.openxmlformats.org/markup-compatibility/2006">
+    <mc:Choice xmlns:p15="http://schemas.microsoft.com/office/powerpoint/2012/main" Requires="p15">
+      <p:transition xmlns:p14="http://schemas.microsoft.com/office/powerpoint/2010/main" spd="slow" Requires="p14" p14:dur="1250">
+        <p15:prstTrans prst="pageCurlDouble"/>
+      </p:transition>
+    </mc:Choice>
+    <mc:Fallback>
+      <p:transition spd="slow">
+        <p:fade/>
+      </p:transition>
+    </mc:Fallback>
+  </mc:AlternateContent>
 </p:sld>
 </file>
 
@@ -15773,13 +15031,7 @@
       </p:grpSpPr>
       <p:sp>
         <p:nvSpPr>
-          <p:cNvPr id="2" name="Title 1">
-            <a:extLst>
-              <a:ext uri="{FF2B5EF4-FFF2-40B4-BE49-F238E27FC236}">
-                <a16:creationId xmlns:a16="http://schemas.microsoft.com/office/drawing/2014/main" id="{14FB9189-85ED-4C83-B613-54581085138A}"/>
-              </a:ext>
-            </a:extLst>
-          </p:cNvPr>
+          <p:cNvPr id="2" name="Title 1"/>
           <p:cNvSpPr>
             <a:spLocks noGrp="1"/>
           </p:cNvSpPr>
@@ -15807,18 +15059,16 @@
               </a:rPr>
               <a:t>Prefix to infix</a:t>
             </a:r>
+            <a:endParaRPr lang="en-US" sz="6000" dirty="0">
+              <a:latin typeface="Cambria" panose="02040503050406030204" pitchFamily="18" charset="0"/>
+              <a:ea typeface="Cambria" panose="02040503050406030204" pitchFamily="18" charset="0"/>
+            </a:endParaRPr>
           </a:p>
         </p:txBody>
       </p:sp>
       <p:sp>
         <p:nvSpPr>
-          <p:cNvPr id="3" name="Content Placeholder 2">
-            <a:extLst>
-              <a:ext uri="{FF2B5EF4-FFF2-40B4-BE49-F238E27FC236}">
-                <a16:creationId xmlns:a16="http://schemas.microsoft.com/office/drawing/2014/main" id="{7FFF6D95-8391-54AD-0076-ED3E278706BF}"/>
-              </a:ext>
-            </a:extLst>
-          </p:cNvPr>
+          <p:cNvPr id="3" name="Content Placeholder 2"/>
           <p:cNvSpPr>
             <a:spLocks noGrp="1"/>
           </p:cNvSpPr>
@@ -15845,27 +15095,35 @@
               <a:buNone/>
             </a:pPr>
             <a:r>
-              <a:rPr lang="en-US" sz="2000" dirty="0">
+              <a:rPr lang="en-US" dirty="0">
                 <a:latin typeface="Cambria" panose="02040503050406030204" pitchFamily="18" charset="0"/>
                 <a:ea typeface="Cambria" panose="02040503050406030204" pitchFamily="18" charset="0"/>
               </a:rPr>
               <a:t>Step-1: Reverse</a:t>
             </a:r>
+            <a:endParaRPr lang="en-US" dirty="0">
+              <a:latin typeface="Cambria" panose="02040503050406030204" pitchFamily="18" charset="0"/>
+              <a:ea typeface="Cambria" panose="02040503050406030204" pitchFamily="18" charset="0"/>
+            </a:endParaRPr>
           </a:p>
           <a:p>
             <a:pPr marL="0" indent="0">
               <a:lnSpc>
-                <a:spcPct val="100000"/>
+                <a:spcPct val="50000"/>
               </a:lnSpc>
               <a:buNone/>
             </a:pPr>
             <a:r>
-              <a:rPr lang="en-US" sz="2000" dirty="0">
+              <a:rPr lang="en-US" dirty="0">
                 <a:latin typeface="Cambria" panose="02040503050406030204" pitchFamily="18" charset="0"/>
                 <a:ea typeface="Cambria" panose="02040503050406030204" pitchFamily="18" charset="0"/>
               </a:rPr>
               <a:t>Step-2 : Convert</a:t>
             </a:r>
+            <a:endParaRPr lang="en-US" dirty="0">
+              <a:latin typeface="Cambria" panose="02040503050406030204" pitchFamily="18" charset="0"/>
+              <a:ea typeface="Cambria" panose="02040503050406030204" pitchFamily="18" charset="0"/>
+            </a:endParaRPr>
           </a:p>
           <a:p>
             <a:pPr marL="0" indent="0">
@@ -15875,7 +15133,31 @@
               <a:buNone/>
             </a:pPr>
             <a:r>
-              <a:rPr lang="en-US" sz="2000" dirty="0">
+              <a:rPr lang="en-US" i="1" dirty="0">
+                <a:solidFill>
+                  <a:schemeClr val="tx1">
+                    <a:lumMod val="85000"/>
+                  </a:schemeClr>
+                </a:solidFill>
+                <a:latin typeface="Cambria" panose="02040503050406030204" pitchFamily="18" charset="0"/>
+                <a:ea typeface="Cambria" panose="02040503050406030204" pitchFamily="18" charset="0"/>
+              </a:rPr>
+              <a:t>Example:</a:t>
+            </a:r>
+            <a:endParaRPr lang="en-US" i="1" dirty="0">
+              <a:latin typeface="Cambria" panose="02040503050406030204" pitchFamily="18" charset="0"/>
+              <a:ea typeface="Cambria" panose="02040503050406030204" pitchFamily="18" charset="0"/>
+            </a:endParaRPr>
+          </a:p>
+          <a:p>
+            <a:pPr marL="457200" lvl="1" indent="0">
+              <a:lnSpc>
+                <a:spcPct val="80000"/>
+              </a:lnSpc>
+              <a:buNone/>
+            </a:pPr>
+            <a:r>
+              <a:rPr lang="en-US" sz="2400" dirty="0">
                 <a:solidFill>
                   <a:srgbClr val="FFFF00"/>
                 </a:solidFill>
@@ -15884,43 +15166,42 @@
               </a:rPr>
               <a:t>Prefix : *-AB+CD</a:t>
             </a:r>
-          </a:p>
-          <a:p>
-            <a:pPr marL="0" indent="0">
+            <a:endParaRPr lang="en-US" sz="2400" dirty="0">
+              <a:solidFill>
+                <a:srgbClr val="FFFF00"/>
+              </a:solidFill>
+              <a:latin typeface="Cambria" panose="02040503050406030204" pitchFamily="18" charset="0"/>
+              <a:ea typeface="Cambria" panose="02040503050406030204" pitchFamily="18" charset="0"/>
+            </a:endParaRPr>
+          </a:p>
+          <a:p>
+            <a:pPr marL="457200" lvl="1" indent="0">
               <a:lnSpc>
-                <a:spcPct val="100000"/>
+                <a:spcPct val="80000"/>
               </a:lnSpc>
               <a:buNone/>
             </a:pPr>
             <a:r>
-              <a:rPr lang="en-US" sz="2000" dirty="0">
+              <a:rPr lang="en-US" sz="2400" dirty="0">
                 <a:latin typeface="Cambria" panose="02040503050406030204" pitchFamily="18" charset="0"/>
                 <a:ea typeface="Cambria" panose="02040503050406030204" pitchFamily="18" charset="0"/>
               </a:rPr>
               <a:t>Reverse : DC+BA-*</a:t>
             </a:r>
+            <a:endParaRPr lang="en-US" sz="2400" dirty="0">
+              <a:latin typeface="Cambria" panose="02040503050406030204" pitchFamily="18" charset="0"/>
+              <a:ea typeface="Cambria" panose="02040503050406030204" pitchFamily="18" charset="0"/>
+            </a:endParaRPr>
           </a:p>
         </p:txBody>
       </p:sp>
       <p:graphicFrame>
         <p:nvGraphicFramePr>
-          <p:cNvPr id="4" name="Table 4">
-            <a:extLst>
-              <a:ext uri="{FF2B5EF4-FFF2-40B4-BE49-F238E27FC236}">
-                <a16:creationId xmlns:a16="http://schemas.microsoft.com/office/drawing/2014/main" id="{F36EF491-38C8-F3F3-0E88-0600C9A3D572}"/>
-              </a:ext>
-            </a:extLst>
-          </p:cNvPr>
+          <p:cNvPr id="4" name="Table 4"/>
           <p:cNvGraphicFramePr>
             <a:graphicFrameLocks noGrp="1"/>
           </p:cNvGraphicFramePr>
-          <p:nvPr>
-            <p:extLst>
-              <p:ext uri="{D42A27DB-BD31-4B8C-83A1-F6EECF244321}">
-                <p14:modId xmlns:p14="http://schemas.microsoft.com/office/powerpoint/2010/main" val="4148605046"/>
-              </p:ext>
-            </p:extLst>
-          </p:nvPr>
+          <p:nvPr/>
         </p:nvGraphicFramePr>
         <p:xfrm>
           <a:off x="2094753" y="2826372"/>
@@ -15933,20 +15214,8 @@
                 <a:tableStyleId>{073A0DAA-6AF3-43AB-8588-CEC1D06C72B9}</a:tableStyleId>
               </a:tblPr>
               <a:tblGrid>
-                <a:gridCol w="4064000">
-                  <a:extLst>
-                    <a:ext uri="{9D8B030D-6E8A-4147-A177-3AD203B41FA5}">
-                      <a16:colId xmlns:a16="http://schemas.microsoft.com/office/drawing/2014/main" val="1026781936"/>
-                    </a:ext>
-                  </a:extLst>
-                </a:gridCol>
-                <a:gridCol w="4064000">
-                  <a:extLst>
-                    <a:ext uri="{9D8B030D-6E8A-4147-A177-3AD203B41FA5}">
-                      <a16:colId xmlns:a16="http://schemas.microsoft.com/office/drawing/2014/main" val="2888218822"/>
-                    </a:ext>
-                  </a:extLst>
-                </a:gridCol>
+                <a:gridCol w="4064000"/>
+                <a:gridCol w="4064000"/>
               </a:tblGrid>
               <a:tr h="370840">
                 <a:tc>
@@ -15961,6 +15230,10 @@
                         </a:rPr>
                         <a:t>Symbol</a:t>
                       </a:r>
+                      <a:endParaRPr lang="en-US" dirty="0">
+                        <a:latin typeface="Cambria" panose="02040503050406030204" pitchFamily="18" charset="0"/>
+                        <a:ea typeface="Cambria" panose="02040503050406030204" pitchFamily="18" charset="0"/>
+                      </a:endParaRPr>
                     </a:p>
                   </a:txBody>
                   <a:tcPr/>
@@ -15977,15 +15250,14 @@
                         </a:rPr>
                         <a:t>Stack</a:t>
                       </a:r>
+                      <a:endParaRPr lang="en-US" dirty="0">
+                        <a:latin typeface="Cambria" panose="02040503050406030204" pitchFamily="18" charset="0"/>
+                        <a:ea typeface="Cambria" panose="02040503050406030204" pitchFamily="18" charset="0"/>
+                      </a:endParaRPr>
                     </a:p>
                   </a:txBody>
                   <a:tcPr/>
                 </a:tc>
-                <a:extLst>
-                  <a:ext uri="{0D108BD9-81ED-4DB2-BD59-A6C34878D82A}">
-                    <a16:rowId xmlns:a16="http://schemas.microsoft.com/office/drawing/2014/main" val="2816513044"/>
-                  </a:ext>
-                </a:extLst>
               </a:tr>
               <a:tr h="370840">
                 <a:tc>
@@ -16000,6 +15272,10 @@
                         </a:rPr>
                         <a:t>D</a:t>
                       </a:r>
+                      <a:endParaRPr lang="en-US" dirty="0">
+                        <a:latin typeface="Cambria" panose="02040503050406030204" pitchFamily="18" charset="0"/>
+                        <a:ea typeface="Cambria" panose="02040503050406030204" pitchFamily="18" charset="0"/>
+                      </a:endParaRPr>
                     </a:p>
                   </a:txBody>
                   <a:tcPr/>
@@ -16016,15 +15292,14 @@
                         </a:rPr>
                         <a:t>D</a:t>
                       </a:r>
+                      <a:endParaRPr lang="en-US" dirty="0">
+                        <a:latin typeface="Cambria" panose="02040503050406030204" pitchFamily="18" charset="0"/>
+                        <a:ea typeface="Cambria" panose="02040503050406030204" pitchFamily="18" charset="0"/>
+                      </a:endParaRPr>
                     </a:p>
                   </a:txBody>
                   <a:tcPr/>
                 </a:tc>
-                <a:extLst>
-                  <a:ext uri="{0D108BD9-81ED-4DB2-BD59-A6C34878D82A}">
-                    <a16:rowId xmlns:a16="http://schemas.microsoft.com/office/drawing/2014/main" val="671203289"/>
-                  </a:ext>
-                </a:extLst>
               </a:tr>
               <a:tr h="370840">
                 <a:tc>
@@ -16039,6 +15314,10 @@
                         </a:rPr>
                         <a:t>C</a:t>
                       </a:r>
+                      <a:endParaRPr lang="en-US" dirty="0">
+                        <a:latin typeface="Cambria" panose="02040503050406030204" pitchFamily="18" charset="0"/>
+                        <a:ea typeface="Cambria" panose="02040503050406030204" pitchFamily="18" charset="0"/>
+                      </a:endParaRPr>
                     </a:p>
                   </a:txBody>
                   <a:tcPr/>
@@ -16055,15 +15334,14 @@
                         </a:rPr>
                         <a:t>D | C</a:t>
                       </a:r>
+                      <a:endParaRPr lang="en-US" dirty="0">
+                        <a:latin typeface="Cambria" panose="02040503050406030204" pitchFamily="18" charset="0"/>
+                        <a:ea typeface="Cambria" panose="02040503050406030204" pitchFamily="18" charset="0"/>
+                      </a:endParaRPr>
                     </a:p>
                   </a:txBody>
                   <a:tcPr/>
                 </a:tc>
-                <a:extLst>
-                  <a:ext uri="{0D108BD9-81ED-4DB2-BD59-A6C34878D82A}">
-                    <a16:rowId xmlns:a16="http://schemas.microsoft.com/office/drawing/2014/main" val="3133810797"/>
-                  </a:ext>
-                </a:extLst>
               </a:tr>
               <a:tr h="370840">
                 <a:tc>
@@ -16078,6 +15356,10 @@
                         </a:rPr>
                         <a:t>+</a:t>
                       </a:r>
+                      <a:endParaRPr lang="en-US" dirty="0">
+                        <a:latin typeface="Cambria" panose="02040503050406030204" pitchFamily="18" charset="0"/>
+                        <a:ea typeface="Cambria" panose="02040503050406030204" pitchFamily="18" charset="0"/>
+                      </a:endParaRPr>
                     </a:p>
                   </a:txBody>
                   <a:tcPr/>
@@ -16094,15 +15376,14 @@
                         </a:rPr>
                         <a:t>C+D</a:t>
                       </a:r>
+                      <a:endParaRPr lang="en-US" dirty="0">
+                        <a:latin typeface="Cambria" panose="02040503050406030204" pitchFamily="18" charset="0"/>
+                        <a:ea typeface="Cambria" panose="02040503050406030204" pitchFamily="18" charset="0"/>
+                      </a:endParaRPr>
                     </a:p>
                   </a:txBody>
                   <a:tcPr/>
                 </a:tc>
-                <a:extLst>
-                  <a:ext uri="{0D108BD9-81ED-4DB2-BD59-A6C34878D82A}">
-                    <a16:rowId xmlns:a16="http://schemas.microsoft.com/office/drawing/2014/main" val="3605072092"/>
-                  </a:ext>
-                </a:extLst>
               </a:tr>
               <a:tr h="370840">
                 <a:tc>
@@ -16117,6 +15398,10 @@
                         </a:rPr>
                         <a:t>B</a:t>
                       </a:r>
+                      <a:endParaRPr lang="en-US" dirty="0">
+                        <a:latin typeface="Cambria" panose="02040503050406030204" pitchFamily="18" charset="0"/>
+                        <a:ea typeface="Cambria" panose="02040503050406030204" pitchFamily="18" charset="0"/>
+                      </a:endParaRPr>
                     </a:p>
                   </a:txBody>
                   <a:tcPr/>
@@ -16133,15 +15418,14 @@
                         </a:rPr>
                         <a:t>C+D | B</a:t>
                       </a:r>
+                      <a:endParaRPr lang="en-US" dirty="0">
+                        <a:latin typeface="Cambria" panose="02040503050406030204" pitchFamily="18" charset="0"/>
+                        <a:ea typeface="Cambria" panose="02040503050406030204" pitchFamily="18" charset="0"/>
+                      </a:endParaRPr>
                     </a:p>
                   </a:txBody>
                   <a:tcPr/>
                 </a:tc>
-                <a:extLst>
-                  <a:ext uri="{0D108BD9-81ED-4DB2-BD59-A6C34878D82A}">
-                    <a16:rowId xmlns:a16="http://schemas.microsoft.com/office/drawing/2014/main" val="3139920745"/>
-                  </a:ext>
-                </a:extLst>
               </a:tr>
               <a:tr h="370840">
                 <a:tc>
@@ -16156,6 +15440,10 @@
                         </a:rPr>
                         <a:t>A</a:t>
                       </a:r>
+                      <a:endParaRPr lang="en-US" dirty="0">
+                        <a:latin typeface="Cambria" panose="02040503050406030204" pitchFamily="18" charset="0"/>
+                        <a:ea typeface="Cambria" panose="02040503050406030204" pitchFamily="18" charset="0"/>
+                      </a:endParaRPr>
                     </a:p>
                   </a:txBody>
                   <a:tcPr/>
@@ -16172,15 +15460,14 @@
                         </a:rPr>
                         <a:t>C+D | B | A</a:t>
                       </a:r>
+                      <a:endParaRPr lang="en-US" dirty="0">
+                        <a:latin typeface="Cambria" panose="02040503050406030204" pitchFamily="18" charset="0"/>
+                        <a:ea typeface="Cambria" panose="02040503050406030204" pitchFamily="18" charset="0"/>
+                      </a:endParaRPr>
                     </a:p>
                   </a:txBody>
                   <a:tcPr/>
                 </a:tc>
-                <a:extLst>
-                  <a:ext uri="{0D108BD9-81ED-4DB2-BD59-A6C34878D82A}">
-                    <a16:rowId xmlns:a16="http://schemas.microsoft.com/office/drawing/2014/main" val="2620170576"/>
-                  </a:ext>
-                </a:extLst>
               </a:tr>
               <a:tr h="370840">
                 <a:tc>
@@ -16195,6 +15482,10 @@
                         </a:rPr>
                         <a:t>-</a:t>
                       </a:r>
+                      <a:endParaRPr lang="en-US" dirty="0">
+                        <a:latin typeface="Cambria" panose="02040503050406030204" pitchFamily="18" charset="0"/>
+                        <a:ea typeface="Cambria" panose="02040503050406030204" pitchFamily="18" charset="0"/>
+                      </a:endParaRPr>
                     </a:p>
                   </a:txBody>
                   <a:tcPr/>
@@ -16211,15 +15502,14 @@
                         </a:rPr>
                         <a:t>C+D | A-B</a:t>
                       </a:r>
+                      <a:endParaRPr lang="en-US" dirty="0">
+                        <a:latin typeface="Cambria" panose="02040503050406030204" pitchFamily="18" charset="0"/>
+                        <a:ea typeface="Cambria" panose="02040503050406030204" pitchFamily="18" charset="0"/>
+                      </a:endParaRPr>
                     </a:p>
                   </a:txBody>
                   <a:tcPr/>
                 </a:tc>
-                <a:extLst>
-                  <a:ext uri="{0D108BD9-81ED-4DB2-BD59-A6C34878D82A}">
-                    <a16:rowId xmlns:a16="http://schemas.microsoft.com/office/drawing/2014/main" val="4159535742"/>
-                  </a:ext>
-                </a:extLst>
               </a:tr>
               <a:tr h="370840">
                 <a:tc>
@@ -16234,6 +15524,10 @@
                         </a:rPr>
                         <a:t>*</a:t>
                       </a:r>
+                      <a:endParaRPr lang="en-US" dirty="0">
+                        <a:latin typeface="Cambria" panose="02040503050406030204" pitchFamily="18" charset="0"/>
+                        <a:ea typeface="Cambria" panose="02040503050406030204" pitchFamily="18" charset="0"/>
+                      </a:endParaRPr>
                     </a:p>
                   </a:txBody>
                   <a:tcPr/>
@@ -16250,30 +15544,36 @@
                         </a:rPr>
                         <a:t>(A-B) * (C+D)</a:t>
                       </a:r>
+                      <a:endParaRPr lang="en-US" dirty="0">
+                        <a:latin typeface="Cambria" panose="02040503050406030204" pitchFamily="18" charset="0"/>
+                        <a:ea typeface="Cambria" panose="02040503050406030204" pitchFamily="18" charset="0"/>
+                      </a:endParaRPr>
                     </a:p>
                   </a:txBody>
                   <a:tcPr/>
                 </a:tc>
-                <a:extLst>
-                  <a:ext uri="{0D108BD9-81ED-4DB2-BD59-A6C34878D82A}">
-                    <a16:rowId xmlns:a16="http://schemas.microsoft.com/office/drawing/2014/main" val="3983053041"/>
-                  </a:ext>
-                </a:extLst>
               </a:tr>
             </a:tbl>
           </a:graphicData>
         </a:graphic>
       </p:graphicFrame>
     </p:spTree>
-    <p:extLst>
-      <p:ext uri="{BB962C8B-B14F-4D97-AF65-F5344CB8AC3E}">
-        <p14:creationId xmlns:p14="http://schemas.microsoft.com/office/powerpoint/2010/main" val="3398440192"/>
-      </p:ext>
-    </p:extLst>
   </p:cSld>
   <p:clrMapOvr>
     <a:masterClrMapping/>
   </p:clrMapOvr>
+  <mc:AlternateContent xmlns:mc="http://schemas.openxmlformats.org/markup-compatibility/2006">
+    <mc:Choice xmlns:p14="http://schemas.microsoft.com/office/powerpoint/2010/main" Requires="p14">
+      <p:transition spd="slow" p14:dur="1000">
+        <p:randomBar dir="vert"/>
+      </p:transition>
+    </mc:Choice>
+    <mc:Fallback>
+      <p:transition spd="slow">
+        <p:randomBar dir="vert"/>
+      </p:transition>
+    </mc:Fallback>
+  </mc:AlternateContent>
 </p:sld>
 </file>
 
@@ -16296,13 +15596,7 @@
       </p:grpSpPr>
       <p:sp>
         <p:nvSpPr>
-          <p:cNvPr id="2" name="Title 1">
-            <a:extLst>
-              <a:ext uri="{FF2B5EF4-FFF2-40B4-BE49-F238E27FC236}">
-                <a16:creationId xmlns:a16="http://schemas.microsoft.com/office/drawing/2014/main" id="{97FF624C-F4FC-4759-670C-CF8197C3ED67}"/>
-              </a:ext>
-            </a:extLst>
-          </p:cNvPr>
+          <p:cNvPr id="2" name="Title 1"/>
           <p:cNvSpPr>
             <a:spLocks noGrp="1"/>
           </p:cNvSpPr>
@@ -16346,13 +15640,7 @@
       </p:sp>
       <p:sp>
         <p:nvSpPr>
-          <p:cNvPr id="3" name="Content Placeholder 2">
-            <a:extLst>
-              <a:ext uri="{FF2B5EF4-FFF2-40B4-BE49-F238E27FC236}">
-                <a16:creationId xmlns:a16="http://schemas.microsoft.com/office/drawing/2014/main" id="{C75D16CD-5A98-4F6B-BDC0-DF536ECD5004}"/>
-              </a:ext>
-            </a:extLst>
-          </p:cNvPr>
+          <p:cNvPr id="3" name="Content Placeholder 2"/>
           <p:cNvSpPr>
             <a:spLocks noGrp="1"/>
           </p:cNvSpPr>
@@ -16379,7 +15667,32 @@
               <a:buNone/>
             </a:pPr>
             <a:r>
-              <a:rPr lang="en-US" sz="2000" dirty="0">
+              <a:rPr lang="en-US" dirty="0">
+                <a:solidFill>
+                  <a:srgbClr val="FFFF00"/>
+                </a:solidFill>
+                <a:latin typeface="Cambria" panose="02040503050406030204" pitchFamily="18" charset="0"/>
+                <a:ea typeface="Cambria" panose="02040503050406030204" pitchFamily="18" charset="0"/>
+              </a:rPr>
+              <a:t>Example:</a:t>
+            </a:r>
+            <a:endParaRPr lang="en-US" dirty="0">
+              <a:solidFill>
+                <a:srgbClr val="FFFF00"/>
+              </a:solidFill>
+              <a:latin typeface="Cambria" panose="02040503050406030204" pitchFamily="18" charset="0"/>
+              <a:ea typeface="Cambria" panose="02040503050406030204" pitchFamily="18" charset="0"/>
+            </a:endParaRPr>
+          </a:p>
+          <a:p>
+            <a:pPr marL="0" indent="457200">
+              <a:lnSpc>
+                <a:spcPct val="100000"/>
+              </a:lnSpc>
+              <a:buNone/>
+            </a:pPr>
+            <a:r>
+              <a:rPr lang="en-US" dirty="0">
                 <a:solidFill>
                   <a:srgbClr val="FFFF00"/>
                 </a:solidFill>
@@ -16388,31 +15701,26 @@
               </a:rPr>
               <a:t>Prefix : DC+BA-*</a:t>
             </a:r>
+            <a:endParaRPr lang="en-US" dirty="0">
+              <a:solidFill>
+                <a:srgbClr val="FFFF00"/>
+              </a:solidFill>
+              <a:latin typeface="Cambria" panose="02040503050406030204" pitchFamily="18" charset="0"/>
+              <a:ea typeface="Cambria" panose="02040503050406030204" pitchFamily="18" charset="0"/>
+            </a:endParaRPr>
           </a:p>
         </p:txBody>
       </p:sp>
       <p:graphicFrame>
         <p:nvGraphicFramePr>
-          <p:cNvPr id="6" name="Table 6">
-            <a:extLst>
-              <a:ext uri="{FF2B5EF4-FFF2-40B4-BE49-F238E27FC236}">
-                <a16:creationId xmlns:a16="http://schemas.microsoft.com/office/drawing/2014/main" id="{85D98FB6-3298-68BC-1C47-53542DD0897A}"/>
-              </a:ext>
-            </a:extLst>
-          </p:cNvPr>
+          <p:cNvPr id="6" name="Table 6"/>
           <p:cNvGraphicFramePr>
             <a:graphicFrameLocks noGrp="1"/>
           </p:cNvGraphicFramePr>
-          <p:nvPr>
-            <p:extLst>
-              <p:ext uri="{D42A27DB-BD31-4B8C-83A1-F6EECF244321}">
-                <p14:modId xmlns:p14="http://schemas.microsoft.com/office/powerpoint/2010/main" val="2510372660"/>
-              </p:ext>
-            </p:extLst>
-          </p:nvPr>
+          <p:nvPr/>
         </p:nvGraphicFramePr>
         <p:xfrm>
-          <a:off x="1718235" y="1454772"/>
+          <a:off x="1910640" y="2205342"/>
           <a:ext cx="8128000" cy="2966720"/>
         </p:xfrm>
         <a:graphic>
@@ -16422,20 +15730,8 @@
                 <a:tableStyleId>{073A0DAA-6AF3-43AB-8588-CEC1D06C72B9}</a:tableStyleId>
               </a:tblPr>
               <a:tblGrid>
-                <a:gridCol w="4064000">
-                  <a:extLst>
-                    <a:ext uri="{9D8B030D-6E8A-4147-A177-3AD203B41FA5}">
-                      <a16:colId xmlns:a16="http://schemas.microsoft.com/office/drawing/2014/main" val="1290900641"/>
-                    </a:ext>
-                  </a:extLst>
-                </a:gridCol>
-                <a:gridCol w="4064000">
-                  <a:extLst>
-                    <a:ext uri="{9D8B030D-6E8A-4147-A177-3AD203B41FA5}">
-                      <a16:colId xmlns:a16="http://schemas.microsoft.com/office/drawing/2014/main" val="1376564910"/>
-                    </a:ext>
-                  </a:extLst>
-                </a:gridCol>
+                <a:gridCol w="4064000"/>
+                <a:gridCol w="4064000"/>
               </a:tblGrid>
               <a:tr h="370840">
                 <a:tc>
@@ -16450,6 +15746,10 @@
                         </a:rPr>
                         <a:t>Symbol</a:t>
                       </a:r>
+                      <a:endParaRPr lang="en-US" dirty="0">
+                        <a:latin typeface="Cambria" panose="02040503050406030204" pitchFamily="18" charset="0"/>
+                        <a:ea typeface="Cambria" panose="02040503050406030204" pitchFamily="18" charset="0"/>
+                      </a:endParaRPr>
                     </a:p>
                   </a:txBody>
                   <a:tcPr/>
@@ -16466,15 +15766,14 @@
                         </a:rPr>
                         <a:t>Stack</a:t>
                       </a:r>
+                      <a:endParaRPr lang="en-US" dirty="0">
+                        <a:latin typeface="Cambria" panose="02040503050406030204" pitchFamily="18" charset="0"/>
+                        <a:ea typeface="Cambria" panose="02040503050406030204" pitchFamily="18" charset="0"/>
+                      </a:endParaRPr>
                     </a:p>
                   </a:txBody>
                   <a:tcPr/>
                 </a:tc>
-                <a:extLst>
-                  <a:ext uri="{0D108BD9-81ED-4DB2-BD59-A6C34878D82A}">
-                    <a16:rowId xmlns:a16="http://schemas.microsoft.com/office/drawing/2014/main" val="914705916"/>
-                  </a:ext>
-                </a:extLst>
               </a:tr>
               <a:tr h="370840">
                 <a:tc>
@@ -16489,6 +15788,10 @@
                         </a:rPr>
                         <a:t>D</a:t>
                       </a:r>
+                      <a:endParaRPr lang="en-US" dirty="0">
+                        <a:latin typeface="Cambria" panose="02040503050406030204" pitchFamily="18" charset="0"/>
+                        <a:ea typeface="Cambria" panose="02040503050406030204" pitchFamily="18" charset="0"/>
+                      </a:endParaRPr>
                     </a:p>
                   </a:txBody>
                   <a:tcPr/>
@@ -16505,15 +15808,14 @@
                         </a:rPr>
                         <a:t>D</a:t>
                       </a:r>
+                      <a:endParaRPr lang="en-US" dirty="0">
+                        <a:latin typeface="Cambria" panose="02040503050406030204" pitchFamily="18" charset="0"/>
+                        <a:ea typeface="Cambria" panose="02040503050406030204" pitchFamily="18" charset="0"/>
+                      </a:endParaRPr>
                     </a:p>
                   </a:txBody>
                   <a:tcPr/>
                 </a:tc>
-                <a:extLst>
-                  <a:ext uri="{0D108BD9-81ED-4DB2-BD59-A6C34878D82A}">
-                    <a16:rowId xmlns:a16="http://schemas.microsoft.com/office/drawing/2014/main" val="43526472"/>
-                  </a:ext>
-                </a:extLst>
               </a:tr>
               <a:tr h="370840">
                 <a:tc>
@@ -16528,6 +15830,10 @@
                         </a:rPr>
                         <a:t>C</a:t>
                       </a:r>
+                      <a:endParaRPr lang="en-US" dirty="0">
+                        <a:latin typeface="Cambria" panose="02040503050406030204" pitchFamily="18" charset="0"/>
+                        <a:ea typeface="Cambria" panose="02040503050406030204" pitchFamily="18" charset="0"/>
+                      </a:endParaRPr>
                     </a:p>
                   </a:txBody>
                   <a:tcPr/>
@@ -16544,15 +15850,14 @@
                         </a:rPr>
                         <a:t>D | C</a:t>
                       </a:r>
+                      <a:endParaRPr lang="en-US" dirty="0">
+                        <a:latin typeface="Cambria" panose="02040503050406030204" pitchFamily="18" charset="0"/>
+                        <a:ea typeface="Cambria" panose="02040503050406030204" pitchFamily="18" charset="0"/>
+                      </a:endParaRPr>
                     </a:p>
                   </a:txBody>
                   <a:tcPr/>
                 </a:tc>
-                <a:extLst>
-                  <a:ext uri="{0D108BD9-81ED-4DB2-BD59-A6C34878D82A}">
-                    <a16:rowId xmlns:a16="http://schemas.microsoft.com/office/drawing/2014/main" val="754049044"/>
-                  </a:ext>
-                </a:extLst>
               </a:tr>
               <a:tr h="370840">
                 <a:tc>
@@ -16567,6 +15872,10 @@
                         </a:rPr>
                         <a:t>+</a:t>
                       </a:r>
+                      <a:endParaRPr lang="en-US" dirty="0">
+                        <a:latin typeface="Cambria" panose="02040503050406030204" pitchFamily="18" charset="0"/>
+                        <a:ea typeface="Cambria" panose="02040503050406030204" pitchFamily="18" charset="0"/>
+                      </a:endParaRPr>
                     </a:p>
                   </a:txBody>
                   <a:tcPr/>
@@ -16583,15 +15892,14 @@
                         </a:rPr>
                         <a:t>+DC</a:t>
                       </a:r>
+                      <a:endParaRPr lang="en-US" dirty="0">
+                        <a:latin typeface="Cambria" panose="02040503050406030204" pitchFamily="18" charset="0"/>
+                        <a:ea typeface="Cambria" panose="02040503050406030204" pitchFamily="18" charset="0"/>
+                      </a:endParaRPr>
                     </a:p>
                   </a:txBody>
                   <a:tcPr/>
                 </a:tc>
-                <a:extLst>
-                  <a:ext uri="{0D108BD9-81ED-4DB2-BD59-A6C34878D82A}">
-                    <a16:rowId xmlns:a16="http://schemas.microsoft.com/office/drawing/2014/main" val="899047639"/>
-                  </a:ext>
-                </a:extLst>
               </a:tr>
               <a:tr h="370840">
                 <a:tc>
@@ -16606,6 +15914,10 @@
                         </a:rPr>
                         <a:t>B</a:t>
                       </a:r>
+                      <a:endParaRPr lang="en-US" dirty="0">
+                        <a:latin typeface="Cambria" panose="02040503050406030204" pitchFamily="18" charset="0"/>
+                        <a:ea typeface="Cambria" panose="02040503050406030204" pitchFamily="18" charset="0"/>
+                      </a:endParaRPr>
                     </a:p>
                   </a:txBody>
                   <a:tcPr/>
@@ -16622,15 +15934,14 @@
                         </a:rPr>
                         <a:t>+DC | B</a:t>
                       </a:r>
+                      <a:endParaRPr lang="en-US" dirty="0">
+                        <a:latin typeface="Cambria" panose="02040503050406030204" pitchFamily="18" charset="0"/>
+                        <a:ea typeface="Cambria" panose="02040503050406030204" pitchFamily="18" charset="0"/>
+                      </a:endParaRPr>
                     </a:p>
                   </a:txBody>
                   <a:tcPr/>
                 </a:tc>
-                <a:extLst>
-                  <a:ext uri="{0D108BD9-81ED-4DB2-BD59-A6C34878D82A}">
-                    <a16:rowId xmlns:a16="http://schemas.microsoft.com/office/drawing/2014/main" val="1676609530"/>
-                  </a:ext>
-                </a:extLst>
               </a:tr>
               <a:tr h="370840">
                 <a:tc>
@@ -16645,6 +15956,10 @@
                         </a:rPr>
                         <a:t>A</a:t>
                       </a:r>
+                      <a:endParaRPr lang="en-US" dirty="0">
+                        <a:latin typeface="Cambria" panose="02040503050406030204" pitchFamily="18" charset="0"/>
+                        <a:ea typeface="Cambria" panose="02040503050406030204" pitchFamily="18" charset="0"/>
+                      </a:endParaRPr>
                     </a:p>
                   </a:txBody>
                   <a:tcPr/>
@@ -16661,15 +15976,14 @@
                         </a:rPr>
                         <a:t>+DC | B | A</a:t>
                       </a:r>
+                      <a:endParaRPr lang="en-US" dirty="0">
+                        <a:latin typeface="Cambria" panose="02040503050406030204" pitchFamily="18" charset="0"/>
+                        <a:ea typeface="Cambria" panose="02040503050406030204" pitchFamily="18" charset="0"/>
+                      </a:endParaRPr>
                     </a:p>
                   </a:txBody>
                   <a:tcPr/>
                 </a:tc>
-                <a:extLst>
-                  <a:ext uri="{0D108BD9-81ED-4DB2-BD59-A6C34878D82A}">
-                    <a16:rowId xmlns:a16="http://schemas.microsoft.com/office/drawing/2014/main" val="92539471"/>
-                  </a:ext>
-                </a:extLst>
               </a:tr>
               <a:tr h="370840">
                 <a:tc>
@@ -16684,6 +15998,10 @@
                         </a:rPr>
                         <a:t>-</a:t>
                       </a:r>
+                      <a:endParaRPr lang="en-US" dirty="0">
+                        <a:latin typeface="Cambria" panose="02040503050406030204" pitchFamily="18" charset="0"/>
+                        <a:ea typeface="Cambria" panose="02040503050406030204" pitchFamily="18" charset="0"/>
+                      </a:endParaRPr>
                     </a:p>
                   </a:txBody>
                   <a:tcPr/>
@@ -16700,15 +16018,14 @@
                         </a:rPr>
                         <a:t>+DC | -BA</a:t>
                       </a:r>
+                      <a:endParaRPr lang="en-US" dirty="0">
+                        <a:latin typeface="Cambria" panose="02040503050406030204" pitchFamily="18" charset="0"/>
+                        <a:ea typeface="Cambria" panose="02040503050406030204" pitchFamily="18" charset="0"/>
+                      </a:endParaRPr>
                     </a:p>
                   </a:txBody>
                   <a:tcPr/>
                 </a:tc>
-                <a:extLst>
-                  <a:ext uri="{0D108BD9-81ED-4DB2-BD59-A6C34878D82A}">
-                    <a16:rowId xmlns:a16="http://schemas.microsoft.com/office/drawing/2014/main" val="25101227"/>
-                  </a:ext>
-                </a:extLst>
               </a:tr>
               <a:tr h="370840">
                 <a:tc>
@@ -16723,6 +16040,10 @@
                         </a:rPr>
                         <a:t>*</a:t>
                       </a:r>
+                      <a:endParaRPr lang="en-US" dirty="0">
+                        <a:latin typeface="Cambria" panose="02040503050406030204" pitchFamily="18" charset="0"/>
+                        <a:ea typeface="Cambria" panose="02040503050406030204" pitchFamily="18" charset="0"/>
+                      </a:endParaRPr>
                     </a:p>
                   </a:txBody>
                   <a:tcPr/>
@@ -16739,30 +16060,36 @@
                         </a:rPr>
                         <a:t>*+DC-BA</a:t>
                       </a:r>
+                      <a:endParaRPr lang="en-US" dirty="0">
+                        <a:latin typeface="Cambria" panose="02040503050406030204" pitchFamily="18" charset="0"/>
+                        <a:ea typeface="Cambria" panose="02040503050406030204" pitchFamily="18" charset="0"/>
+                      </a:endParaRPr>
                     </a:p>
                   </a:txBody>
                   <a:tcPr/>
                 </a:tc>
-                <a:extLst>
-                  <a:ext uri="{0D108BD9-81ED-4DB2-BD59-A6C34878D82A}">
-                    <a16:rowId xmlns:a16="http://schemas.microsoft.com/office/drawing/2014/main" val="2299451544"/>
-                  </a:ext>
-                </a:extLst>
               </a:tr>
             </a:tbl>
           </a:graphicData>
         </a:graphic>
       </p:graphicFrame>
     </p:spTree>
-    <p:extLst>
-      <p:ext uri="{BB962C8B-B14F-4D97-AF65-F5344CB8AC3E}">
-        <p14:creationId xmlns:p14="http://schemas.microsoft.com/office/powerpoint/2010/main" val="191555163"/>
-      </p:ext>
-    </p:extLst>
   </p:cSld>
   <p:clrMapOvr>
     <a:masterClrMapping/>
   </p:clrMapOvr>
+  <mc:AlternateContent xmlns:mc="http://schemas.openxmlformats.org/markup-compatibility/2006">
+    <mc:Choice xmlns:p15="http://schemas.microsoft.com/office/powerpoint/2012/main" Requires="p15">
+      <p:transition xmlns:p14="http://schemas.microsoft.com/office/powerpoint/2010/main" spd="slow" Requires="p14" p14:dur="1250">
+        <p15:prstTrans prst="peelOff"/>
+      </p:transition>
+    </mc:Choice>
+    <mc:Fallback>
+      <p:transition spd="slow">
+        <p:fade/>
+      </p:transition>
+    </mc:Fallback>
+  </mc:AlternateContent>
 </p:sld>
 </file>
 
@@ -16785,13 +16112,7 @@
       </p:grpSpPr>
       <p:sp>
         <p:nvSpPr>
-          <p:cNvPr id="2" name="Title 1">
-            <a:extLst>
-              <a:ext uri="{FF2B5EF4-FFF2-40B4-BE49-F238E27FC236}">
-                <a16:creationId xmlns:a16="http://schemas.microsoft.com/office/drawing/2014/main" id="{97FF624C-F4FC-4759-670C-CF8197C3ED67}"/>
-              </a:ext>
-            </a:extLst>
-          </p:cNvPr>
+          <p:cNvPr id="2" name="Title 1"/>
           <p:cNvSpPr>
             <a:spLocks noGrp="1"/>
           </p:cNvSpPr>
@@ -16819,18 +16140,16 @@
               </a:rPr>
               <a:t>Prefix to postfix</a:t>
             </a:r>
+            <a:endParaRPr lang="en-US" sz="6000" dirty="0">
+              <a:latin typeface="Cambria" panose="02040503050406030204" pitchFamily="18" charset="0"/>
+              <a:ea typeface="Cambria" panose="02040503050406030204" pitchFamily="18" charset="0"/>
+            </a:endParaRPr>
           </a:p>
         </p:txBody>
       </p:sp>
       <p:sp>
         <p:nvSpPr>
-          <p:cNvPr id="3" name="Content Placeholder 2">
-            <a:extLst>
-              <a:ext uri="{FF2B5EF4-FFF2-40B4-BE49-F238E27FC236}">
-                <a16:creationId xmlns:a16="http://schemas.microsoft.com/office/drawing/2014/main" id="{C75D16CD-5A98-4F6B-BDC0-DF536ECD5004}"/>
-              </a:ext>
-            </a:extLst>
-          </p:cNvPr>
+          <p:cNvPr id="3" name="Content Placeholder 2"/>
           <p:cNvSpPr>
             <a:spLocks noGrp="1"/>
           </p:cNvSpPr>
@@ -16840,8 +16159,8 @@
         </p:nvSpPr>
         <p:spPr>
           <a:xfrm>
-            <a:off x="1322295" y="797252"/>
-            <a:ext cx="9905999" cy="5567736"/>
+            <a:off x="1322070" y="797560"/>
+            <a:ext cx="9906000" cy="5682615"/>
           </a:xfrm>
         </p:spPr>
         <p:txBody>
@@ -16857,12 +16176,16 @@
               <a:buNone/>
             </a:pPr>
             <a:r>
-              <a:rPr lang="en-US" sz="2000" dirty="0">
+              <a:rPr lang="en-US" dirty="0">
                 <a:latin typeface="Cambria" panose="02040503050406030204" pitchFamily="18" charset="0"/>
                 <a:ea typeface="Cambria" panose="02040503050406030204" pitchFamily="18" charset="0"/>
               </a:rPr>
               <a:t>Step-1: Reverse</a:t>
             </a:r>
+            <a:endParaRPr lang="en-US" dirty="0">
+              <a:latin typeface="Cambria" panose="02040503050406030204" pitchFamily="18" charset="0"/>
+              <a:ea typeface="Cambria" panose="02040503050406030204" pitchFamily="18" charset="0"/>
+            </a:endParaRPr>
           </a:p>
           <a:p>
             <a:pPr marL="0" indent="0">
@@ -16872,12 +16195,16 @@
               <a:buNone/>
             </a:pPr>
             <a:r>
-              <a:rPr lang="en-US" sz="2000" dirty="0">
+              <a:rPr lang="en-US" dirty="0">
                 <a:latin typeface="Cambria" panose="02040503050406030204" pitchFamily="18" charset="0"/>
                 <a:ea typeface="Cambria" panose="02040503050406030204" pitchFamily="18" charset="0"/>
               </a:rPr>
               <a:t>Step-2 : Convert</a:t>
             </a:r>
+            <a:endParaRPr lang="en-US" dirty="0">
+              <a:latin typeface="Cambria" panose="02040503050406030204" pitchFamily="18" charset="0"/>
+              <a:ea typeface="Cambria" panose="02040503050406030204" pitchFamily="18" charset="0"/>
+            </a:endParaRPr>
           </a:p>
           <a:p>
             <a:pPr marL="0" indent="0">
@@ -16887,7 +16214,26 @@
               <a:buNone/>
             </a:pPr>
             <a:r>
-              <a:rPr lang="en-US" sz="2000" dirty="0">
+              <a:rPr lang="en-US" dirty="0">
+                <a:latin typeface="Cambria" panose="02040503050406030204" pitchFamily="18" charset="0"/>
+                <a:ea typeface="Cambria" panose="02040503050406030204" pitchFamily="18" charset="0"/>
+              </a:rPr>
+              <a:t>Example:</a:t>
+            </a:r>
+            <a:endParaRPr lang="en-US" dirty="0">
+              <a:latin typeface="Cambria" panose="02040503050406030204" pitchFamily="18" charset="0"/>
+              <a:ea typeface="Cambria" panose="02040503050406030204" pitchFamily="18" charset="0"/>
+            </a:endParaRPr>
+          </a:p>
+          <a:p>
+            <a:pPr marL="457200" lvl="1" indent="0">
+              <a:lnSpc>
+                <a:spcPct val="100000"/>
+              </a:lnSpc>
+              <a:buNone/>
+            </a:pPr>
+            <a:r>
+              <a:rPr lang="en-US" sz="2400" dirty="0">
                 <a:solidFill>
                   <a:srgbClr val="FFFF00"/>
                 </a:solidFill>
@@ -16896,40 +16242,45 @@
               </a:rPr>
               <a:t>Prefix : *-AB+CD</a:t>
             </a:r>
-          </a:p>
-          <a:p>
-            <a:pPr marL="0" indent="0">
+            <a:endParaRPr lang="en-US" sz="2400" dirty="0">
+              <a:solidFill>
+                <a:srgbClr val="FFFF00"/>
+              </a:solidFill>
+              <a:latin typeface="Cambria" panose="02040503050406030204" pitchFamily="18" charset="0"/>
+              <a:ea typeface="Cambria" panose="02040503050406030204" pitchFamily="18" charset="0"/>
+            </a:endParaRPr>
+          </a:p>
+          <a:p>
+            <a:pPr marL="457200" lvl="1" indent="0">
               <a:lnSpc>
                 <a:spcPct val="100000"/>
               </a:lnSpc>
               <a:buNone/>
             </a:pPr>
             <a:r>
-              <a:rPr lang="en-US" sz="2000" dirty="0">
+              <a:rPr lang="en-US" sz="2400" dirty="0">
                 <a:latin typeface="Cambria" panose="02040503050406030204" pitchFamily="18" charset="0"/>
                 <a:ea typeface="Cambria" panose="02040503050406030204" pitchFamily="18" charset="0"/>
               </a:rPr>
               <a:t>Reverse : DC+BA-*</a:t>
             </a:r>
+            <a:endParaRPr lang="en-US" sz="2400" dirty="0">
+              <a:latin typeface="Cambria" panose="02040503050406030204" pitchFamily="18" charset="0"/>
+              <a:ea typeface="Cambria" panose="02040503050406030204" pitchFamily="18" charset="0"/>
+            </a:endParaRPr>
           </a:p>
         </p:txBody>
       </p:sp>
       <p:graphicFrame>
         <p:nvGraphicFramePr>
-          <p:cNvPr id="6" name="Table 6">
-            <a:extLst>
-              <a:ext uri="{FF2B5EF4-FFF2-40B4-BE49-F238E27FC236}">
-                <a16:creationId xmlns:a16="http://schemas.microsoft.com/office/drawing/2014/main" id="{85D98FB6-3298-68BC-1C47-53542DD0897A}"/>
-              </a:ext>
-            </a:extLst>
-          </p:cNvPr>
+          <p:cNvPr id="6" name="Table 6"/>
           <p:cNvGraphicFramePr>
             <a:graphicFrameLocks noGrp="1"/>
           </p:cNvGraphicFramePr>
           <p:nvPr/>
         </p:nvGraphicFramePr>
         <p:xfrm>
-          <a:off x="2032000" y="2808442"/>
+          <a:off x="2032000" y="3398357"/>
           <a:ext cx="8128000" cy="2966720"/>
         </p:xfrm>
         <a:graphic>
@@ -16939,20 +16290,8 @@
                 <a:tableStyleId>{073A0DAA-6AF3-43AB-8588-CEC1D06C72B9}</a:tableStyleId>
               </a:tblPr>
               <a:tblGrid>
-                <a:gridCol w="4064000">
-                  <a:extLst>
-                    <a:ext uri="{9D8B030D-6E8A-4147-A177-3AD203B41FA5}">
-                      <a16:colId xmlns:a16="http://schemas.microsoft.com/office/drawing/2014/main" val="1290900641"/>
-                    </a:ext>
-                  </a:extLst>
-                </a:gridCol>
-                <a:gridCol w="4064000">
-                  <a:extLst>
-                    <a:ext uri="{9D8B030D-6E8A-4147-A177-3AD203B41FA5}">
-                      <a16:colId xmlns:a16="http://schemas.microsoft.com/office/drawing/2014/main" val="1376564910"/>
-                    </a:ext>
-                  </a:extLst>
-                </a:gridCol>
+                <a:gridCol w="4064000"/>
+                <a:gridCol w="4064000"/>
               </a:tblGrid>
               <a:tr h="370840">
                 <a:tc>
@@ -16967,6 +16306,10 @@
                         </a:rPr>
                         <a:t>Symbol</a:t>
                       </a:r>
+                      <a:endParaRPr lang="en-US" dirty="0">
+                        <a:latin typeface="Cambria" panose="02040503050406030204" pitchFamily="18" charset="0"/>
+                        <a:ea typeface="Cambria" panose="02040503050406030204" pitchFamily="18" charset="0"/>
+                      </a:endParaRPr>
                     </a:p>
                   </a:txBody>
                   <a:tcPr/>
@@ -16983,15 +16326,14 @@
                         </a:rPr>
                         <a:t>Stack</a:t>
                       </a:r>
+                      <a:endParaRPr lang="en-US" dirty="0">
+                        <a:latin typeface="Cambria" panose="02040503050406030204" pitchFamily="18" charset="0"/>
+                        <a:ea typeface="Cambria" panose="02040503050406030204" pitchFamily="18" charset="0"/>
+                      </a:endParaRPr>
                     </a:p>
                   </a:txBody>
                   <a:tcPr/>
                 </a:tc>
-                <a:extLst>
-                  <a:ext uri="{0D108BD9-81ED-4DB2-BD59-A6C34878D82A}">
-                    <a16:rowId xmlns:a16="http://schemas.microsoft.com/office/drawing/2014/main" val="914705916"/>
-                  </a:ext>
-                </a:extLst>
               </a:tr>
               <a:tr h="370840">
                 <a:tc>
@@ -17006,6 +16348,10 @@
                         </a:rPr>
                         <a:t>D</a:t>
                       </a:r>
+                      <a:endParaRPr lang="en-US" dirty="0">
+                        <a:latin typeface="Cambria" panose="02040503050406030204" pitchFamily="18" charset="0"/>
+                        <a:ea typeface="Cambria" panose="02040503050406030204" pitchFamily="18" charset="0"/>
+                      </a:endParaRPr>
                     </a:p>
                   </a:txBody>
                   <a:tcPr/>
@@ -17022,15 +16368,14 @@
                         </a:rPr>
                         <a:t>D</a:t>
                       </a:r>
+                      <a:endParaRPr lang="en-US" dirty="0">
+                        <a:latin typeface="Cambria" panose="02040503050406030204" pitchFamily="18" charset="0"/>
+                        <a:ea typeface="Cambria" panose="02040503050406030204" pitchFamily="18" charset="0"/>
+                      </a:endParaRPr>
                     </a:p>
                   </a:txBody>
                   <a:tcPr/>
                 </a:tc>
-                <a:extLst>
-                  <a:ext uri="{0D108BD9-81ED-4DB2-BD59-A6C34878D82A}">
-                    <a16:rowId xmlns:a16="http://schemas.microsoft.com/office/drawing/2014/main" val="43526472"/>
-                  </a:ext>
-                </a:extLst>
               </a:tr>
               <a:tr h="370840">
                 <a:tc>
@@ -17045,6 +16390,10 @@
                         </a:rPr>
                         <a:t>C</a:t>
                       </a:r>
+                      <a:endParaRPr lang="en-US" dirty="0">
+                        <a:latin typeface="Cambria" panose="02040503050406030204" pitchFamily="18" charset="0"/>
+                        <a:ea typeface="Cambria" panose="02040503050406030204" pitchFamily="18" charset="0"/>
+                      </a:endParaRPr>
                     </a:p>
                   </a:txBody>
                   <a:tcPr/>
@@ -17061,15 +16410,14 @@
                         </a:rPr>
                         <a:t>D | C</a:t>
                       </a:r>
+                      <a:endParaRPr lang="en-US" dirty="0">
+                        <a:latin typeface="Cambria" panose="02040503050406030204" pitchFamily="18" charset="0"/>
+                        <a:ea typeface="Cambria" panose="02040503050406030204" pitchFamily="18" charset="0"/>
+                      </a:endParaRPr>
                     </a:p>
                   </a:txBody>
                   <a:tcPr/>
                 </a:tc>
-                <a:extLst>
-                  <a:ext uri="{0D108BD9-81ED-4DB2-BD59-A6C34878D82A}">
-                    <a16:rowId xmlns:a16="http://schemas.microsoft.com/office/drawing/2014/main" val="754049044"/>
-                  </a:ext>
-                </a:extLst>
               </a:tr>
               <a:tr h="370840">
                 <a:tc>
@@ -17084,6 +16432,10 @@
                         </a:rPr>
                         <a:t>+</a:t>
                       </a:r>
+                      <a:endParaRPr lang="en-US" dirty="0">
+                        <a:latin typeface="Cambria" panose="02040503050406030204" pitchFamily="18" charset="0"/>
+                        <a:ea typeface="Cambria" panose="02040503050406030204" pitchFamily="18" charset="0"/>
+                      </a:endParaRPr>
                     </a:p>
                   </a:txBody>
                   <a:tcPr/>
@@ -17100,15 +16452,14 @@
                         </a:rPr>
                         <a:t>CD+</a:t>
                       </a:r>
+                      <a:endParaRPr lang="en-US" dirty="0">
+                        <a:latin typeface="Cambria" panose="02040503050406030204" pitchFamily="18" charset="0"/>
+                        <a:ea typeface="Cambria" panose="02040503050406030204" pitchFamily="18" charset="0"/>
+                      </a:endParaRPr>
                     </a:p>
                   </a:txBody>
                   <a:tcPr/>
                 </a:tc>
-                <a:extLst>
-                  <a:ext uri="{0D108BD9-81ED-4DB2-BD59-A6C34878D82A}">
-                    <a16:rowId xmlns:a16="http://schemas.microsoft.com/office/drawing/2014/main" val="899047639"/>
-                  </a:ext>
-                </a:extLst>
               </a:tr>
               <a:tr h="370840">
                 <a:tc>
@@ -17123,6 +16474,10 @@
                         </a:rPr>
                         <a:t>B</a:t>
                       </a:r>
+                      <a:endParaRPr lang="en-US" dirty="0">
+                        <a:latin typeface="Cambria" panose="02040503050406030204" pitchFamily="18" charset="0"/>
+                        <a:ea typeface="Cambria" panose="02040503050406030204" pitchFamily="18" charset="0"/>
+                      </a:endParaRPr>
                     </a:p>
                   </a:txBody>
                   <a:tcPr/>
@@ -17139,15 +16494,14 @@
                         </a:rPr>
                         <a:t>CD+ | B</a:t>
                       </a:r>
+                      <a:endParaRPr lang="en-US" dirty="0">
+                        <a:latin typeface="Cambria" panose="02040503050406030204" pitchFamily="18" charset="0"/>
+                        <a:ea typeface="Cambria" panose="02040503050406030204" pitchFamily="18" charset="0"/>
+                      </a:endParaRPr>
                     </a:p>
                   </a:txBody>
                   <a:tcPr/>
                 </a:tc>
-                <a:extLst>
-                  <a:ext uri="{0D108BD9-81ED-4DB2-BD59-A6C34878D82A}">
-                    <a16:rowId xmlns:a16="http://schemas.microsoft.com/office/drawing/2014/main" val="1676609530"/>
-                  </a:ext>
-                </a:extLst>
               </a:tr>
               <a:tr h="370840">
                 <a:tc>
@@ -17162,6 +16516,10 @@
                         </a:rPr>
                         <a:t>A</a:t>
                       </a:r>
+                      <a:endParaRPr lang="en-US" dirty="0">
+                        <a:latin typeface="Cambria" panose="02040503050406030204" pitchFamily="18" charset="0"/>
+                        <a:ea typeface="Cambria" panose="02040503050406030204" pitchFamily="18" charset="0"/>
+                      </a:endParaRPr>
                     </a:p>
                   </a:txBody>
                   <a:tcPr/>
@@ -17178,15 +16536,14 @@
                         </a:rPr>
                         <a:t>CD+ | B | A</a:t>
                       </a:r>
+                      <a:endParaRPr lang="en-US" dirty="0">
+                        <a:latin typeface="Cambria" panose="02040503050406030204" pitchFamily="18" charset="0"/>
+                        <a:ea typeface="Cambria" panose="02040503050406030204" pitchFamily="18" charset="0"/>
+                      </a:endParaRPr>
                     </a:p>
                   </a:txBody>
                   <a:tcPr/>
                 </a:tc>
-                <a:extLst>
-                  <a:ext uri="{0D108BD9-81ED-4DB2-BD59-A6C34878D82A}">
-                    <a16:rowId xmlns:a16="http://schemas.microsoft.com/office/drawing/2014/main" val="92539471"/>
-                  </a:ext>
-                </a:extLst>
               </a:tr>
               <a:tr h="370840">
                 <a:tc>
@@ -17201,6 +16558,10 @@
                         </a:rPr>
                         <a:t>-</a:t>
                       </a:r>
+                      <a:endParaRPr lang="en-US" dirty="0">
+                        <a:latin typeface="Cambria" panose="02040503050406030204" pitchFamily="18" charset="0"/>
+                        <a:ea typeface="Cambria" panose="02040503050406030204" pitchFamily="18" charset="0"/>
+                      </a:endParaRPr>
                     </a:p>
                   </a:txBody>
                   <a:tcPr/>
@@ -17217,15 +16578,14 @@
                         </a:rPr>
                         <a:t>CD+ | AB-</a:t>
                       </a:r>
+                      <a:endParaRPr lang="en-US" dirty="0">
+                        <a:latin typeface="Cambria" panose="02040503050406030204" pitchFamily="18" charset="0"/>
+                        <a:ea typeface="Cambria" panose="02040503050406030204" pitchFamily="18" charset="0"/>
+                      </a:endParaRPr>
                     </a:p>
                   </a:txBody>
                   <a:tcPr/>
                 </a:tc>
-                <a:extLst>
-                  <a:ext uri="{0D108BD9-81ED-4DB2-BD59-A6C34878D82A}">
-                    <a16:rowId xmlns:a16="http://schemas.microsoft.com/office/drawing/2014/main" val="25101227"/>
-                  </a:ext>
-                </a:extLst>
               </a:tr>
               <a:tr h="370840">
                 <a:tc>
@@ -17240,6 +16600,10 @@
                         </a:rPr>
                         <a:t>*</a:t>
                       </a:r>
+                      <a:endParaRPr lang="en-US" dirty="0">
+                        <a:latin typeface="Cambria" panose="02040503050406030204" pitchFamily="18" charset="0"/>
+                        <a:ea typeface="Cambria" panose="02040503050406030204" pitchFamily="18" charset="0"/>
+                      </a:endParaRPr>
                     </a:p>
                   </a:txBody>
                   <a:tcPr/>
@@ -17256,30 +16620,36 @@
                         </a:rPr>
                         <a:t>AB-CD+*</a:t>
                       </a:r>
+                      <a:endParaRPr lang="en-US" dirty="0">
+                        <a:latin typeface="Cambria" panose="02040503050406030204" pitchFamily="18" charset="0"/>
+                        <a:ea typeface="Cambria" panose="02040503050406030204" pitchFamily="18" charset="0"/>
+                      </a:endParaRPr>
                     </a:p>
                   </a:txBody>
                   <a:tcPr/>
                 </a:tc>
-                <a:extLst>
-                  <a:ext uri="{0D108BD9-81ED-4DB2-BD59-A6C34878D82A}">
-                    <a16:rowId xmlns:a16="http://schemas.microsoft.com/office/drawing/2014/main" val="2299451544"/>
-                  </a:ext>
-                </a:extLst>
               </a:tr>
             </a:tbl>
           </a:graphicData>
         </a:graphic>
       </p:graphicFrame>
     </p:spTree>
-    <p:extLst>
-      <p:ext uri="{BB962C8B-B14F-4D97-AF65-F5344CB8AC3E}">
-        <p14:creationId xmlns:p14="http://schemas.microsoft.com/office/powerpoint/2010/main" val="427979244"/>
-      </p:ext>
-    </p:extLst>
   </p:cSld>
   <p:clrMapOvr>
     <a:masterClrMapping/>
   </p:clrMapOvr>
+  <mc:AlternateContent xmlns:mc="http://schemas.openxmlformats.org/markup-compatibility/2006">
+    <mc:Choice xmlns:p14="http://schemas.microsoft.com/office/powerpoint/2010/main" Requires="p14">
+      <p:transition spd="slow" p14:dur="1000">
+        <p:comb/>
+      </p:transition>
+    </mc:Choice>
+    <mc:Fallback>
+      <p:transition spd="slow">
+        <p:comb/>
+      </p:transition>
+    </mc:Fallback>
+  </mc:AlternateContent>
 </p:sld>
 </file>
 
@@ -17326,7 +16696,7 @@
     </a:clrScheme>
     <a:fontScheme name="Circuit">
       <a:majorFont>
-        <a:latin typeface="Tw Cen MT" panose="020B0602020104020603"/>
+        <a:latin typeface="Tw Cen MT"/>
         <a:ea typeface=""/>
         <a:cs typeface=""/>
         <a:font script="Jpan" typeface="ＭＳ Ｐゴシック"/>
@@ -17361,7 +16731,7 @@
         <a:font script="Geor" typeface="Sylfaen"/>
       </a:majorFont>
       <a:minorFont>
-        <a:latin typeface="Tw Cen MT" panose="020B0602020104020603"/>
+        <a:latin typeface="Tw Cen MT"/>
         <a:ea typeface=""/>
         <a:cs typeface=""/>
         <a:font script="Jpan" typeface="ＭＳ Ｐゴシック"/>
@@ -17519,16 +16889,16 @@
               </a:schemeClr>
             </a:duotone>
           </a:blip>
-          <a:stretch/>
+          <a:stretch>
+            <a:fillRect/>
+          </a:stretch>
         </a:blipFill>
       </a:bgFillStyleLst>
     </a:fmtScheme>
   </a:themeElements>
-  <a:objectDefaults/>
-  <a:extraClrSchemeLst/>
   <a:extLst>
     <a:ext uri="{05A4C25C-085E-4340-85A3-A5531E510DB2}">
-      <thm15:themeFamily xmlns:thm15="http://schemas.microsoft.com/office/thememl/2012/main" name="Circuit" id="{0AC2F7E7-15F5-431C-B2A2-456FE929F56C}" vid="{142578CA-DEC9-49C3-80AF-C113973CC9A9}"/>
+      <thm15:themeFamily xmlns:thm15="http://schemas.microsoft.com/office/thememl/2012/main" name="Office Theme" id="{62F939B6-93AF-4DB8-9C6B-D6C7DFDC589F}" vid="{4A3C46E8-61CC-4603-A589-7422A47A8E4A}"/>
     </a:ext>
   </a:extLst>
 </a:theme>
